--- a/headers/SECURITY HEADERS.pptx
+++ b/headers/SECURITY HEADERS.pptx
@@ -5,49 +5,50 @@
     <p:sldMasterId id="2147483648" r:id="rId1"/>
   </p:sldMasterIdLst>
   <p:notesMasterIdLst>
-    <p:notesMasterId r:id="rId42"/>
+    <p:notesMasterId r:id="rId43"/>
   </p:notesMasterIdLst>
   <p:sldIdLst>
     <p:sldId id="256" r:id="rId2"/>
     <p:sldId id="258" r:id="rId3"/>
-    <p:sldId id="313" r:id="rId4"/>
-    <p:sldId id="265" r:id="rId5"/>
-    <p:sldId id="306" r:id="rId6"/>
-    <p:sldId id="311" r:id="rId7"/>
-    <p:sldId id="266" r:id="rId8"/>
-    <p:sldId id="269" r:id="rId9"/>
-    <p:sldId id="267" r:id="rId10"/>
-    <p:sldId id="259" r:id="rId11"/>
-    <p:sldId id="270" r:id="rId12"/>
-    <p:sldId id="307" r:id="rId13"/>
-    <p:sldId id="271" r:id="rId14"/>
-    <p:sldId id="274" r:id="rId15"/>
-    <p:sldId id="272" r:id="rId16"/>
-    <p:sldId id="261" r:id="rId17"/>
-    <p:sldId id="275" r:id="rId18"/>
-    <p:sldId id="279" r:id="rId19"/>
-    <p:sldId id="278" r:id="rId20"/>
-    <p:sldId id="277" r:id="rId21"/>
-    <p:sldId id="276" r:id="rId22"/>
-    <p:sldId id="262" r:id="rId23"/>
-    <p:sldId id="280" r:id="rId24"/>
-    <p:sldId id="281" r:id="rId25"/>
-    <p:sldId id="284" r:id="rId26"/>
-    <p:sldId id="288" r:id="rId27"/>
-    <p:sldId id="285" r:id="rId28"/>
-    <p:sldId id="263" r:id="rId29"/>
-    <p:sldId id="286" r:id="rId30"/>
-    <p:sldId id="305" r:id="rId31"/>
-    <p:sldId id="287" r:id="rId32"/>
-    <p:sldId id="295" r:id="rId33"/>
-    <p:sldId id="296" r:id="rId34"/>
-    <p:sldId id="297" r:id="rId35"/>
-    <p:sldId id="290" r:id="rId36"/>
-    <p:sldId id="298" r:id="rId37"/>
-    <p:sldId id="300" r:id="rId38"/>
-    <p:sldId id="303" r:id="rId39"/>
-    <p:sldId id="308" r:id="rId40"/>
-    <p:sldId id="310" r:id="rId41"/>
+    <p:sldId id="315" r:id="rId4"/>
+    <p:sldId id="313" r:id="rId5"/>
+    <p:sldId id="265" r:id="rId6"/>
+    <p:sldId id="306" r:id="rId7"/>
+    <p:sldId id="311" r:id="rId8"/>
+    <p:sldId id="266" r:id="rId9"/>
+    <p:sldId id="269" r:id="rId10"/>
+    <p:sldId id="267" r:id="rId11"/>
+    <p:sldId id="259" r:id="rId12"/>
+    <p:sldId id="270" r:id="rId13"/>
+    <p:sldId id="307" r:id="rId14"/>
+    <p:sldId id="271" r:id="rId15"/>
+    <p:sldId id="274" r:id="rId16"/>
+    <p:sldId id="272" r:id="rId17"/>
+    <p:sldId id="261" r:id="rId18"/>
+    <p:sldId id="275" r:id="rId19"/>
+    <p:sldId id="279" r:id="rId20"/>
+    <p:sldId id="278" r:id="rId21"/>
+    <p:sldId id="277" r:id="rId22"/>
+    <p:sldId id="276" r:id="rId23"/>
+    <p:sldId id="262" r:id="rId24"/>
+    <p:sldId id="280" r:id="rId25"/>
+    <p:sldId id="281" r:id="rId26"/>
+    <p:sldId id="284" r:id="rId27"/>
+    <p:sldId id="288" r:id="rId28"/>
+    <p:sldId id="285" r:id="rId29"/>
+    <p:sldId id="263" r:id="rId30"/>
+    <p:sldId id="286" r:id="rId31"/>
+    <p:sldId id="305" r:id="rId32"/>
+    <p:sldId id="287" r:id="rId33"/>
+    <p:sldId id="295" r:id="rId34"/>
+    <p:sldId id="296" r:id="rId35"/>
+    <p:sldId id="297" r:id="rId36"/>
+    <p:sldId id="290" r:id="rId37"/>
+    <p:sldId id="298" r:id="rId38"/>
+    <p:sldId id="300" r:id="rId39"/>
+    <p:sldId id="303" r:id="rId40"/>
+    <p:sldId id="308" r:id="rId41"/>
+    <p:sldId id="310" r:id="rId42"/>
   </p:sldIdLst>
   <p:sldSz cx="12192000" cy="6858000"/>
   <p:notesSz cx="6858000" cy="9144000"/>
@@ -153,6 +154,7 @@
           <p14:sldIdLst>
             <p14:sldId id="256"/>
             <p14:sldId id="258"/>
+            <p14:sldId id="315"/>
             <p14:sldId id="313"/>
             <p14:sldId id="265"/>
             <p14:sldId id="306"/>
@@ -284,7 +286,7 @@
           <a:p>
             <a:fld id="{8F5156B0-C80F-4496-9872-BBAB5AB93291}" type="datetimeFigureOut">
               <a:rPr lang="en-US" smtClean="0"/>
-              <a:t>5/31/2020</a:t>
+              <a:t>6/17/2020</a:t>
             </a:fld>
             <a:endParaRPr lang="en-US"/>
           </a:p>
@@ -619,7 +621,7 @@
           <a:p>
             <a:fld id="{8E6FC5AD-5F0C-4205-B10E-7D77A52C0537}" type="slidenum">
               <a:rPr lang="en-US" smtClean="0"/>
-              <a:t>4</a:t>
+              <a:t>5</a:t>
             </a:fld>
             <a:endParaRPr lang="en-US"/>
           </a:p>
@@ -703,7 +705,7 @@
           <a:p>
             <a:fld id="{8E6FC5AD-5F0C-4205-B10E-7D77A52C0537}" type="slidenum">
               <a:rPr lang="en-US" smtClean="0"/>
-              <a:t>10</a:t>
+              <a:t>11</a:t>
             </a:fld>
             <a:endParaRPr lang="en-US"/>
           </a:p>
@@ -790,7 +792,7 @@
           <a:p>
             <a:fld id="{8E6FC5AD-5F0C-4205-B10E-7D77A52C0537}" type="slidenum">
               <a:rPr lang="en-US" smtClean="0"/>
-              <a:t>16</a:t>
+              <a:t>17</a:t>
             </a:fld>
             <a:endParaRPr lang="en-US"/>
           </a:p>
@@ -874,7 +876,7 @@
           <a:p>
             <a:fld id="{8E6FC5AD-5F0C-4205-B10E-7D77A52C0537}" type="slidenum">
               <a:rPr lang="en-US" smtClean="0"/>
-              <a:t>23</a:t>
+              <a:t>24</a:t>
             </a:fld>
             <a:endParaRPr lang="en-US"/>
           </a:p>
@@ -961,7 +963,7 @@
           <a:p>
             <a:fld id="{8E6FC5AD-5F0C-4205-B10E-7D77A52C0537}" type="slidenum">
               <a:rPr lang="en-US" smtClean="0"/>
-              <a:t>29</a:t>
+              <a:t>30</a:t>
             </a:fld>
             <a:endParaRPr lang="en-US"/>
           </a:p>
@@ -1127,7 +1129,7 @@
           <a:p>
             <a:fld id="{6A3C313D-F3C8-4F0D-82A3-DFB4B9CF042B}" type="datetimeFigureOut">
               <a:rPr lang="en-US" smtClean="0"/>
-              <a:t>5/31/2020</a:t>
+              <a:t>6/17/2020</a:t>
             </a:fld>
             <a:endParaRPr lang="en-US"/>
           </a:p>
@@ -1325,7 +1327,7 @@
           <a:p>
             <a:fld id="{6A3C313D-F3C8-4F0D-82A3-DFB4B9CF042B}" type="datetimeFigureOut">
               <a:rPr lang="en-US" smtClean="0"/>
-              <a:t>5/31/2020</a:t>
+              <a:t>6/17/2020</a:t>
             </a:fld>
             <a:endParaRPr lang="en-US"/>
           </a:p>
@@ -1533,7 +1535,7 @@
           <a:p>
             <a:fld id="{6A3C313D-F3C8-4F0D-82A3-DFB4B9CF042B}" type="datetimeFigureOut">
               <a:rPr lang="en-US" smtClean="0"/>
-              <a:t>5/31/2020</a:t>
+              <a:t>6/17/2020</a:t>
             </a:fld>
             <a:endParaRPr lang="en-US"/>
           </a:p>
@@ -1731,7 +1733,7 @@
           <a:p>
             <a:fld id="{6A3C313D-F3C8-4F0D-82A3-DFB4B9CF042B}" type="datetimeFigureOut">
               <a:rPr lang="en-US" smtClean="0"/>
-              <a:t>5/31/2020</a:t>
+              <a:t>6/17/2020</a:t>
             </a:fld>
             <a:endParaRPr lang="en-US"/>
           </a:p>
@@ -2006,7 +2008,7 @@
           <a:p>
             <a:fld id="{6A3C313D-F3C8-4F0D-82A3-DFB4B9CF042B}" type="datetimeFigureOut">
               <a:rPr lang="en-US" smtClean="0"/>
-              <a:t>5/31/2020</a:t>
+              <a:t>6/17/2020</a:t>
             </a:fld>
             <a:endParaRPr lang="en-US"/>
           </a:p>
@@ -2271,7 +2273,7 @@
           <a:p>
             <a:fld id="{6A3C313D-F3C8-4F0D-82A3-DFB4B9CF042B}" type="datetimeFigureOut">
               <a:rPr lang="en-US" smtClean="0"/>
-              <a:t>5/31/2020</a:t>
+              <a:t>6/17/2020</a:t>
             </a:fld>
             <a:endParaRPr lang="en-US"/>
           </a:p>
@@ -2683,7 +2685,7 @@
           <a:p>
             <a:fld id="{6A3C313D-F3C8-4F0D-82A3-DFB4B9CF042B}" type="datetimeFigureOut">
               <a:rPr lang="en-US" smtClean="0"/>
-              <a:t>5/31/2020</a:t>
+              <a:t>6/17/2020</a:t>
             </a:fld>
             <a:endParaRPr lang="en-US"/>
           </a:p>
@@ -2824,7 +2826,7 @@
           <a:p>
             <a:fld id="{6A3C313D-F3C8-4F0D-82A3-DFB4B9CF042B}" type="datetimeFigureOut">
               <a:rPr lang="en-US" smtClean="0"/>
-              <a:t>5/31/2020</a:t>
+              <a:t>6/17/2020</a:t>
             </a:fld>
             <a:endParaRPr lang="en-US"/>
           </a:p>
@@ -2937,7 +2939,7 @@
           <a:p>
             <a:fld id="{6A3C313D-F3C8-4F0D-82A3-DFB4B9CF042B}" type="datetimeFigureOut">
               <a:rPr lang="en-US" smtClean="0"/>
-              <a:t>5/31/2020</a:t>
+              <a:t>6/17/2020</a:t>
             </a:fld>
             <a:endParaRPr lang="en-US"/>
           </a:p>
@@ -3248,7 +3250,7 @@
           <a:p>
             <a:fld id="{6A3C313D-F3C8-4F0D-82A3-DFB4B9CF042B}" type="datetimeFigureOut">
               <a:rPr lang="en-US" smtClean="0"/>
-              <a:t>5/31/2020</a:t>
+              <a:t>6/17/2020</a:t>
             </a:fld>
             <a:endParaRPr lang="en-US"/>
           </a:p>
@@ -3536,7 +3538,7 @@
           <a:p>
             <a:fld id="{6A3C313D-F3C8-4F0D-82A3-DFB4B9CF042B}" type="datetimeFigureOut">
               <a:rPr lang="en-US" smtClean="0"/>
-              <a:t>5/31/2020</a:t>
+              <a:t>6/17/2020</a:t>
             </a:fld>
             <a:endParaRPr lang="en-US"/>
           </a:p>
@@ -3777,7 +3779,7 @@
           <a:p>
             <a:fld id="{6A3C313D-F3C8-4F0D-82A3-DFB4B9CF042B}" type="datetimeFigureOut">
               <a:rPr lang="en-US" smtClean="0"/>
-              <a:t>5/31/2020</a:t>
+              <a:t>6/17/2020</a:t>
             </a:fld>
             <a:endParaRPr lang="en-US"/>
           </a:p>
@@ -4315,6 +4317,117 @@
           <p:cNvPr id="2" name="Title 1">
             <a:extLst>
               <a:ext uri="{FF2B5EF4-FFF2-40B4-BE49-F238E27FC236}">
+                <a16:creationId xmlns:a16="http://schemas.microsoft.com/office/drawing/2014/main" id="{19EA5153-02FE-421E-9C0B-7A016168D0A0}"/>
+              </a:ext>
+            </a:extLst>
+          </p:cNvPr>
+          <p:cNvSpPr>
+            <a:spLocks noGrp="1"/>
+          </p:cNvSpPr>
+          <p:nvPr>
+            <p:ph type="title"/>
+          </p:nvPr>
+        </p:nvSpPr>
+        <p:spPr>
+          <a:xfrm>
+            <a:off x="838200" y="330600"/>
+            <a:ext cx="10515600" cy="1325563"/>
+          </a:xfrm>
+          <a:solidFill>
+            <a:schemeClr val="tx1"/>
+          </a:solidFill>
+        </p:spPr>
+        <p:txBody>
+          <a:bodyPr/>
+          <a:lstStyle/>
+          <a:p>
+            <a:r>
+              <a:rPr lang="en-US" dirty="0">
+                <a:solidFill>
+                  <a:schemeClr val="bg1"/>
+                </a:solidFill>
+                <a:latin typeface="Consolas" panose="020B0609020204030204" pitchFamily="49" charset="0"/>
+              </a:rPr>
+              <a:t>CAN I USE</a:t>
+            </a:r>
+          </a:p>
+        </p:txBody>
+      </p:sp>
+      <p:pic>
+        <p:nvPicPr>
+          <p:cNvPr id="4" name="Content Placeholder 3">
+            <a:extLst>
+              <a:ext uri="{FF2B5EF4-FFF2-40B4-BE49-F238E27FC236}">
+                <a16:creationId xmlns:a16="http://schemas.microsoft.com/office/drawing/2014/main" id="{7099DD5E-6D0D-4316-BD59-7F65F50D892F}"/>
+              </a:ext>
+            </a:extLst>
+          </p:cNvPr>
+          <p:cNvPicPr>
+            <a:picLocks noGrp="1" noChangeAspect="1"/>
+          </p:cNvPicPr>
+          <p:nvPr>
+            <p:ph idx="1"/>
+          </p:nvPr>
+        </p:nvPicPr>
+        <p:blipFill>
+          <a:blip r:embed="rId2"/>
+          <a:stretch>
+            <a:fillRect/>
+          </a:stretch>
+        </p:blipFill>
+        <p:spPr>
+          <a:xfrm>
+            <a:off x="838200" y="2228457"/>
+            <a:ext cx="10515600" cy="2401086"/>
+          </a:xfrm>
+          <a:prstGeom prst="rect">
+            <a:avLst/>
+          </a:prstGeom>
+        </p:spPr>
+      </p:pic>
+    </p:spTree>
+    <p:extLst>
+      <p:ext uri="{BB962C8B-B14F-4D97-AF65-F5344CB8AC3E}">
+        <p14:creationId xmlns:p14="http://schemas.microsoft.com/office/powerpoint/2010/main" val="1648525545"/>
+      </p:ext>
+    </p:extLst>
+  </p:cSld>
+  <p:clrMapOvr>
+    <a:masterClrMapping/>
+  </p:clrMapOvr>
+</p:sld>
+</file>
+
+<file path=ppt/slides/slide11.xml><?xml version="1.0" encoding="utf-8"?>
+<p:sld xmlns:a="http://schemas.openxmlformats.org/drawingml/2006/main" xmlns:r="http://schemas.openxmlformats.org/officeDocument/2006/relationships" xmlns:p="http://schemas.openxmlformats.org/presentationml/2006/main">
+  <p:cSld>
+    <p:bg>
+      <p:bgPr>
+        <a:solidFill>
+          <a:schemeClr val="tx1"/>
+        </a:solidFill>
+        <a:effectLst/>
+      </p:bgPr>
+    </p:bg>
+    <p:spTree>
+      <p:nvGrpSpPr>
+        <p:cNvPr id="1" name=""/>
+        <p:cNvGrpSpPr/>
+        <p:nvPr/>
+      </p:nvGrpSpPr>
+      <p:grpSpPr>
+        <a:xfrm>
+          <a:off x="0" y="0"/>
+          <a:ext cx="0" cy="0"/>
+          <a:chOff x="0" y="0"/>
+          <a:chExt cx="0" cy="0"/>
+        </a:xfrm>
+      </p:grpSpPr>
+      <p:sp>
+        <p:nvSpPr>
+          <p:cNvPr id="2" name="Title 1">
+            <a:extLst>
+              <a:ext uri="{FF2B5EF4-FFF2-40B4-BE49-F238E27FC236}">
                 <a16:creationId xmlns:a16="http://schemas.microsoft.com/office/drawing/2014/main" id="{B4E042DA-BBDB-4833-ADDD-4970CEB1A6D3}"/>
               </a:ext>
             </a:extLst>
@@ -4393,7 +4506,7 @@
 </p:sld>
 </file>
 
-<file path=ppt/slides/slide11.xml><?xml version="1.0" encoding="utf-8"?>
+<file path=ppt/slides/slide12.xml><?xml version="1.0" encoding="utf-8"?>
 <p:sld xmlns:a="http://schemas.openxmlformats.org/drawingml/2006/main" xmlns:r="http://schemas.openxmlformats.org/officeDocument/2006/relationships" xmlns:p="http://schemas.openxmlformats.org/presentationml/2006/main">
   <p:cSld>
     <p:bg>
@@ -4532,7 +4645,7 @@
 </p:sld>
 </file>
 
-<file path=ppt/slides/slide12.xml><?xml version="1.0" encoding="utf-8"?>
+<file path=ppt/slides/slide13.xml><?xml version="1.0" encoding="utf-8"?>
 <p:sld xmlns:a="http://schemas.openxmlformats.org/drawingml/2006/main" xmlns:r="http://schemas.openxmlformats.org/officeDocument/2006/relationships" xmlns:p="http://schemas.openxmlformats.org/presentationml/2006/main">
   <p:cSld>
     <p:bg>
@@ -4628,7 +4741,7 @@
 </p:sld>
 </file>
 
-<file path=ppt/slides/slide13.xml><?xml version="1.0" encoding="utf-8"?>
+<file path=ppt/slides/slide14.xml><?xml version="1.0" encoding="utf-8"?>
 <p:sld xmlns:a="http://schemas.openxmlformats.org/drawingml/2006/main" xmlns:r="http://schemas.openxmlformats.org/officeDocument/2006/relationships" xmlns:p="http://schemas.openxmlformats.org/presentationml/2006/main">
   <p:cSld>
     <p:bg>
@@ -4711,118 +4824,6 @@
     <p:extLst>
       <p:ext uri="{BB962C8B-B14F-4D97-AF65-F5344CB8AC3E}">
         <p14:creationId xmlns:p14="http://schemas.microsoft.com/office/powerpoint/2010/main" val="1983204216"/>
-      </p:ext>
-    </p:extLst>
-  </p:cSld>
-  <p:clrMapOvr>
-    <a:masterClrMapping/>
-  </p:clrMapOvr>
-</p:sld>
-</file>
-
-<file path=ppt/slides/slide14.xml><?xml version="1.0" encoding="utf-8"?>
-<p:sld xmlns:a="http://schemas.openxmlformats.org/drawingml/2006/main" xmlns:r="http://schemas.openxmlformats.org/officeDocument/2006/relationships" xmlns:p="http://schemas.openxmlformats.org/presentationml/2006/main">
-  <p:cSld>
-    <p:bg>
-      <p:bgPr>
-        <a:solidFill>
-          <a:schemeClr val="tx1"/>
-        </a:solidFill>
-        <a:effectLst/>
-      </p:bgPr>
-    </p:bg>
-    <p:spTree>
-      <p:nvGrpSpPr>
-        <p:cNvPr id="1" name=""/>
-        <p:cNvGrpSpPr/>
-        <p:nvPr/>
-      </p:nvGrpSpPr>
-      <p:grpSpPr>
-        <a:xfrm>
-          <a:off x="0" y="0"/>
-          <a:ext cx="0" cy="0"/>
-          <a:chOff x="0" y="0"/>
-          <a:chExt cx="0" cy="0"/>
-        </a:xfrm>
-      </p:grpSpPr>
-      <p:sp>
-        <p:nvSpPr>
-          <p:cNvPr id="2" name="Title 1">
-            <a:extLst>
-              <a:ext uri="{FF2B5EF4-FFF2-40B4-BE49-F238E27FC236}">
-                <a16:creationId xmlns:a16="http://schemas.microsoft.com/office/drawing/2014/main" id="{19EA5153-02FE-421E-9C0B-7A016168D0A0}"/>
-              </a:ext>
-            </a:extLst>
-          </p:cNvPr>
-          <p:cNvSpPr>
-            <a:spLocks noGrp="1"/>
-          </p:cNvSpPr>
-          <p:nvPr>
-            <p:ph type="title"/>
-          </p:nvPr>
-        </p:nvSpPr>
-        <p:spPr>
-          <a:xfrm>
-            <a:off x="838200" y="330600"/>
-            <a:ext cx="10515600" cy="1325563"/>
-          </a:xfrm>
-          <a:solidFill>
-            <a:schemeClr val="tx1"/>
-          </a:solidFill>
-        </p:spPr>
-        <p:txBody>
-          <a:bodyPr/>
-          <a:lstStyle/>
-          <a:p>
-            <a:r>
-              <a:rPr lang="en-US" dirty="0">
-                <a:solidFill>
-                  <a:schemeClr val="bg1"/>
-                </a:solidFill>
-                <a:latin typeface="Consolas" panose="020B0609020204030204" pitchFamily="49" charset="0"/>
-              </a:rPr>
-              <a:t>PITFALLS</a:t>
-            </a:r>
-          </a:p>
-        </p:txBody>
-      </p:sp>
-      <p:sp>
-        <p:nvSpPr>
-          <p:cNvPr id="5" name="Content Placeholder 4">
-            <a:extLst>
-              <a:ext uri="{FF2B5EF4-FFF2-40B4-BE49-F238E27FC236}">
-                <a16:creationId xmlns:a16="http://schemas.microsoft.com/office/drawing/2014/main" id="{74F0431A-7532-442C-BC88-A38AD90F9A27}"/>
-              </a:ext>
-            </a:extLst>
-          </p:cNvPr>
-          <p:cNvSpPr>
-            <a:spLocks noGrp="1"/>
-          </p:cNvSpPr>
-          <p:nvPr>
-            <p:ph idx="1"/>
-          </p:nvPr>
-        </p:nvSpPr>
-        <p:spPr/>
-        <p:txBody>
-          <a:bodyPr anchor="ctr"/>
-          <a:lstStyle/>
-          <a:p>
-            <a:r>
-              <a:rPr lang="en-US" dirty="0">
-                <a:solidFill>
-                  <a:schemeClr val="bg1"/>
-                </a:solidFill>
-                <a:latin typeface="Consolas" panose="020B0609020204030204" pitchFamily="49" charset="0"/>
-              </a:rPr>
-              <a:t>Should be applied to each and every resource served by the server</a:t>
-            </a:r>
-          </a:p>
-        </p:txBody>
-      </p:sp>
-    </p:spTree>
-    <p:extLst>
-      <p:ext uri="{BB962C8B-B14F-4D97-AF65-F5344CB8AC3E}">
-        <p14:creationId xmlns:p14="http://schemas.microsoft.com/office/powerpoint/2010/main" val="3709000792"/>
       </p:ext>
     </p:extLst>
   </p:cSld>
@@ -4893,6 +4894,118 @@
                 </a:solidFill>
                 <a:latin typeface="Consolas" panose="020B0609020204030204" pitchFamily="49" charset="0"/>
               </a:rPr>
+              <a:t>PITFALLS</a:t>
+            </a:r>
+          </a:p>
+        </p:txBody>
+      </p:sp>
+      <p:sp>
+        <p:nvSpPr>
+          <p:cNvPr id="5" name="Content Placeholder 4">
+            <a:extLst>
+              <a:ext uri="{FF2B5EF4-FFF2-40B4-BE49-F238E27FC236}">
+                <a16:creationId xmlns:a16="http://schemas.microsoft.com/office/drawing/2014/main" id="{74F0431A-7532-442C-BC88-A38AD90F9A27}"/>
+              </a:ext>
+            </a:extLst>
+          </p:cNvPr>
+          <p:cNvSpPr>
+            <a:spLocks noGrp="1"/>
+          </p:cNvSpPr>
+          <p:nvPr>
+            <p:ph idx="1"/>
+          </p:nvPr>
+        </p:nvSpPr>
+        <p:spPr/>
+        <p:txBody>
+          <a:bodyPr anchor="ctr"/>
+          <a:lstStyle/>
+          <a:p>
+            <a:r>
+              <a:rPr lang="en-US" dirty="0">
+                <a:solidFill>
+                  <a:schemeClr val="bg1"/>
+                </a:solidFill>
+                <a:latin typeface="Consolas" panose="020B0609020204030204" pitchFamily="49" charset="0"/>
+              </a:rPr>
+              <a:t>Should be applied to each and every resource served by the server</a:t>
+            </a:r>
+          </a:p>
+        </p:txBody>
+      </p:sp>
+    </p:spTree>
+    <p:extLst>
+      <p:ext uri="{BB962C8B-B14F-4D97-AF65-F5344CB8AC3E}">
+        <p14:creationId xmlns:p14="http://schemas.microsoft.com/office/powerpoint/2010/main" val="3709000792"/>
+      </p:ext>
+    </p:extLst>
+  </p:cSld>
+  <p:clrMapOvr>
+    <a:masterClrMapping/>
+  </p:clrMapOvr>
+</p:sld>
+</file>
+
+<file path=ppt/slides/slide16.xml><?xml version="1.0" encoding="utf-8"?>
+<p:sld xmlns:a="http://schemas.openxmlformats.org/drawingml/2006/main" xmlns:r="http://schemas.openxmlformats.org/officeDocument/2006/relationships" xmlns:p="http://schemas.openxmlformats.org/presentationml/2006/main">
+  <p:cSld>
+    <p:bg>
+      <p:bgPr>
+        <a:solidFill>
+          <a:schemeClr val="tx1"/>
+        </a:solidFill>
+        <a:effectLst/>
+      </p:bgPr>
+    </p:bg>
+    <p:spTree>
+      <p:nvGrpSpPr>
+        <p:cNvPr id="1" name=""/>
+        <p:cNvGrpSpPr/>
+        <p:nvPr/>
+      </p:nvGrpSpPr>
+      <p:grpSpPr>
+        <a:xfrm>
+          <a:off x="0" y="0"/>
+          <a:ext cx="0" cy="0"/>
+          <a:chOff x="0" y="0"/>
+          <a:chExt cx="0" cy="0"/>
+        </a:xfrm>
+      </p:grpSpPr>
+      <p:sp>
+        <p:nvSpPr>
+          <p:cNvPr id="2" name="Title 1">
+            <a:extLst>
+              <a:ext uri="{FF2B5EF4-FFF2-40B4-BE49-F238E27FC236}">
+                <a16:creationId xmlns:a16="http://schemas.microsoft.com/office/drawing/2014/main" id="{19EA5153-02FE-421E-9C0B-7A016168D0A0}"/>
+              </a:ext>
+            </a:extLst>
+          </p:cNvPr>
+          <p:cNvSpPr>
+            <a:spLocks noGrp="1"/>
+          </p:cNvSpPr>
+          <p:nvPr>
+            <p:ph type="title"/>
+          </p:nvPr>
+        </p:nvSpPr>
+        <p:spPr>
+          <a:xfrm>
+            <a:off x="838200" y="330600"/>
+            <a:ext cx="10515600" cy="1325563"/>
+          </a:xfrm>
+          <a:solidFill>
+            <a:schemeClr val="tx1"/>
+          </a:solidFill>
+        </p:spPr>
+        <p:txBody>
+          <a:bodyPr/>
+          <a:lstStyle/>
+          <a:p>
+            <a:r>
+              <a:rPr lang="en-US" dirty="0">
+                <a:solidFill>
+                  <a:schemeClr val="bg1"/>
+                </a:solidFill>
+                <a:latin typeface="Consolas" panose="020B0609020204030204" pitchFamily="49" charset="0"/>
+              </a:rPr>
               <a:t>CAN I USE</a:t>
             </a:r>
           </a:p>
@@ -4966,7 +5079,7 @@
 </p:sld>
 </file>
 
-<file path=ppt/slides/slide16.xml><?xml version="1.0" encoding="utf-8"?>
+<file path=ppt/slides/slide17.xml><?xml version="1.0" encoding="utf-8"?>
 <p:sld xmlns:a="http://schemas.openxmlformats.org/drawingml/2006/main" xmlns:r="http://schemas.openxmlformats.org/officeDocument/2006/relationships" xmlns:p="http://schemas.openxmlformats.org/presentationml/2006/main">
   <p:cSld>
     <p:bg>
@@ -5074,7 +5187,7 @@
 </p:sld>
 </file>
 
-<file path=ppt/slides/slide17.xml><?xml version="1.0" encoding="utf-8"?>
+<file path=ppt/slides/slide18.xml><?xml version="1.0" encoding="utf-8"?>
 <p:sld xmlns:a="http://schemas.openxmlformats.org/drawingml/2006/main" xmlns:r="http://schemas.openxmlformats.org/officeDocument/2006/relationships" xmlns:p="http://schemas.openxmlformats.org/presentationml/2006/main">
   <p:cSld>
     <p:bg>
@@ -5199,7 +5312,7 @@
 </p:sld>
 </file>
 
-<file path=ppt/slides/slide18.xml><?xml version="1.0" encoding="utf-8"?>
+<file path=ppt/slides/slide19.xml><?xml version="1.0" encoding="utf-8"?>
 <p:sld xmlns:a="http://schemas.openxmlformats.org/drawingml/2006/main" xmlns:r="http://schemas.openxmlformats.org/officeDocument/2006/relationships" xmlns:p="http://schemas.openxmlformats.org/presentationml/2006/main">
   <p:cSld>
     <p:bg>
@@ -5351,7 +5464,947 @@
 </p:sld>
 </file>
 
-<file path=ppt/slides/slide19.xml><?xml version="1.0" encoding="utf-8"?>
+<file path=ppt/slides/slide2.xml><?xml version="1.0" encoding="utf-8"?>
+<p:sld xmlns:a="http://schemas.openxmlformats.org/drawingml/2006/main" xmlns:r="http://schemas.openxmlformats.org/officeDocument/2006/relationships" xmlns:p="http://schemas.openxmlformats.org/presentationml/2006/main">
+  <p:cSld>
+    <p:bg>
+      <p:bgPr>
+        <a:solidFill>
+          <a:schemeClr val="bg1"/>
+        </a:solidFill>
+        <a:effectLst/>
+      </p:bgPr>
+    </p:bg>
+    <p:spTree>
+      <p:nvGrpSpPr>
+        <p:cNvPr id="1" name=""/>
+        <p:cNvGrpSpPr/>
+        <p:nvPr/>
+      </p:nvGrpSpPr>
+      <p:grpSpPr>
+        <a:xfrm>
+          <a:off x="0" y="0"/>
+          <a:ext cx="0" cy="0"/>
+          <a:chOff x="0" y="0"/>
+          <a:chExt cx="0" cy="0"/>
+        </a:xfrm>
+      </p:grpSpPr>
+      <p:sp>
+        <p:nvSpPr>
+          <p:cNvPr id="13" name="Rectangle 12">
+            <a:extLst>
+              <a:ext uri="{FF2B5EF4-FFF2-40B4-BE49-F238E27FC236}">
+                <a16:creationId xmlns:a16="http://schemas.microsoft.com/office/drawing/2014/main" id="{0B761509-3B9A-49A6-A84B-C3D86811697D}"/>
+              </a:ext>
+              <a:ext uri="{C183D7F6-B498-43B3-948B-1728B52AA6E4}">
+                <adec:decorative xmlns:adec="http://schemas.microsoft.com/office/drawing/2017/decorative" val="1"/>
+              </a:ext>
+            </a:extLst>
+          </p:cNvPr>
+          <p:cNvSpPr>
+            <a:spLocks noGrp="1" noRot="1" noChangeAspect="1" noMove="1" noResize="1" noEditPoints="1" noAdjustHandles="1" noChangeArrowheads="1" noChangeShapeType="1" noTextEdit="1"/>
+          </p:cNvSpPr>
+          <p:nvPr>
+            <p:extLst>
+              <p:ext uri="{386F3935-93C4-4BCD-93E2-E3B085C9AB24}">
+                <p16:designElem xmlns:p16="http://schemas.microsoft.com/office/powerpoint/2015/main" val="1"/>
+              </p:ext>
+            </p:extLst>
+          </p:nvPr>
+        </p:nvSpPr>
+        <p:spPr>
+          <a:xfrm>
+            <a:off x="2" y="0"/>
+            <a:ext cx="12191997" cy="6858000"/>
+          </a:xfrm>
+          <a:prstGeom prst="rect">
+            <a:avLst/>
+          </a:prstGeom>
+          <a:solidFill>
+            <a:schemeClr val="tx1"/>
+          </a:solidFill>
+          <a:ln>
+            <a:noFill/>
+          </a:ln>
+        </p:spPr>
+        <p:style>
+          <a:lnRef idx="2">
+            <a:schemeClr val="accent1">
+              <a:shade val="50000"/>
+            </a:schemeClr>
+          </a:lnRef>
+          <a:fillRef idx="1">
+            <a:schemeClr val="accent1"/>
+          </a:fillRef>
+          <a:effectRef idx="0">
+            <a:schemeClr val="accent1"/>
+          </a:effectRef>
+          <a:fontRef idx="minor">
+            <a:schemeClr val="lt1"/>
+          </a:fontRef>
+        </p:style>
+        <p:txBody>
+          <a:bodyPr rtlCol="0" anchor="ctr"/>
+          <a:lstStyle/>
+          <a:p>
+            <a:pPr algn="ctr"/>
+            <a:endParaRPr lang="en-US"/>
+          </a:p>
+        </p:txBody>
+      </p:sp>
+      <p:sp useBgFill="1">
+        <p:nvSpPr>
+          <p:cNvPr id="15" name="Freeform: Shape 14">
+            <a:extLst>
+              <a:ext uri="{FF2B5EF4-FFF2-40B4-BE49-F238E27FC236}">
+                <a16:creationId xmlns:a16="http://schemas.microsoft.com/office/drawing/2014/main" id="{91DE43FD-EB47-414A-B0AB-169B0FFFA527}"/>
+              </a:ext>
+              <a:ext uri="{C183D7F6-B498-43B3-948B-1728B52AA6E4}">
+                <adec:decorative xmlns:adec="http://schemas.microsoft.com/office/drawing/2017/decorative" val="1"/>
+              </a:ext>
+            </a:extLst>
+          </p:cNvPr>
+          <p:cNvSpPr>
+            <a:spLocks noGrp="1" noRot="1" noChangeAspect="1" noMove="1" noResize="1" noEditPoints="1" noAdjustHandles="1" noChangeArrowheads="1" noChangeShapeType="1" noTextEdit="1"/>
+          </p:cNvSpPr>
+          <p:nvPr>
+            <p:extLst>
+              <p:ext uri="{386F3935-93C4-4BCD-93E2-E3B085C9AB24}">
+                <p16:designElem xmlns:p16="http://schemas.microsoft.com/office/powerpoint/2015/main" val="1"/>
+              </p:ext>
+            </p:extLst>
+          </p:nvPr>
+        </p:nvSpPr>
+        <p:spPr>
+          <a:xfrm>
+            <a:off x="0" y="0"/>
+            <a:ext cx="9272922" cy="6858000"/>
+          </a:xfrm>
+          <a:custGeom>
+            <a:avLst/>
+            <a:gdLst>
+              <a:gd name="connsiteX0" fmla="*/ 0 w 9272922"/>
+              <a:gd name="connsiteY0" fmla="*/ 0 h 6858000"/>
+              <a:gd name="connsiteX1" fmla="*/ 1733417 w 9272922"/>
+              <a:gd name="connsiteY1" fmla="*/ 0 h 6858000"/>
+              <a:gd name="connsiteX2" fmla="*/ 3307976 w 9272922"/>
+              <a:gd name="connsiteY2" fmla="*/ 0 h 6858000"/>
+              <a:gd name="connsiteX3" fmla="*/ 8126249 w 9272922"/>
+              <a:gd name="connsiteY3" fmla="*/ 0 h 6858000"/>
+              <a:gd name="connsiteX4" fmla="*/ 8138896 w 9272922"/>
+              <a:gd name="connsiteY4" fmla="*/ 31774 h 6858000"/>
+              <a:gd name="connsiteX5" fmla="*/ 9193904 w 9272922"/>
+              <a:gd name="connsiteY5" fmla="*/ 2682457 h 6858000"/>
+              <a:gd name="connsiteX6" fmla="*/ 9193904 w 9272922"/>
+              <a:gd name="connsiteY6" fmla="*/ 3752208 h 6858000"/>
+              <a:gd name="connsiteX7" fmla="*/ 8036400 w 9272922"/>
+              <a:gd name="connsiteY7" fmla="*/ 6660411 h 6858000"/>
+              <a:gd name="connsiteX8" fmla="*/ 7957938 w 9272922"/>
+              <a:gd name="connsiteY8" fmla="*/ 6857542 h 6858000"/>
+              <a:gd name="connsiteX9" fmla="*/ 3307976 w 9272922"/>
+              <a:gd name="connsiteY9" fmla="*/ 6857542 h 6858000"/>
+              <a:gd name="connsiteX10" fmla="*/ 3307976 w 9272922"/>
+              <a:gd name="connsiteY10" fmla="*/ 6858000 h 6858000"/>
+              <a:gd name="connsiteX11" fmla="*/ 0 w 9272922"/>
+              <a:gd name="connsiteY11" fmla="*/ 6858000 h 6858000"/>
+            </a:gdLst>
+            <a:ahLst/>
+            <a:cxnLst>
+              <a:cxn ang="0">
+                <a:pos x="connsiteX0" y="connsiteY0"/>
+              </a:cxn>
+              <a:cxn ang="0">
+                <a:pos x="connsiteX1" y="connsiteY1"/>
+              </a:cxn>
+              <a:cxn ang="0">
+                <a:pos x="connsiteX2" y="connsiteY2"/>
+              </a:cxn>
+              <a:cxn ang="0">
+                <a:pos x="connsiteX3" y="connsiteY3"/>
+              </a:cxn>
+              <a:cxn ang="0">
+                <a:pos x="connsiteX4" y="connsiteY4"/>
+              </a:cxn>
+              <a:cxn ang="0">
+                <a:pos x="connsiteX5" y="connsiteY5"/>
+              </a:cxn>
+              <a:cxn ang="0">
+                <a:pos x="connsiteX6" y="connsiteY6"/>
+              </a:cxn>
+              <a:cxn ang="0">
+                <a:pos x="connsiteX7" y="connsiteY7"/>
+              </a:cxn>
+              <a:cxn ang="0">
+                <a:pos x="connsiteX8" y="connsiteY8"/>
+              </a:cxn>
+              <a:cxn ang="0">
+                <a:pos x="connsiteX9" y="connsiteY9"/>
+              </a:cxn>
+              <a:cxn ang="0">
+                <a:pos x="connsiteX10" y="connsiteY10"/>
+              </a:cxn>
+              <a:cxn ang="0">
+                <a:pos x="connsiteX11" y="connsiteY11"/>
+              </a:cxn>
+            </a:cxnLst>
+            <a:rect l="l" t="t" r="r" b="b"/>
+            <a:pathLst>
+              <a:path w="9272922" h="6858000">
+                <a:moveTo>
+                  <a:pt x="0" y="0"/>
+                </a:moveTo>
+                <a:lnTo>
+                  <a:pt x="1733417" y="0"/>
+                </a:lnTo>
+                <a:lnTo>
+                  <a:pt x="3307976" y="0"/>
+                </a:lnTo>
+                <a:lnTo>
+                  <a:pt x="8126249" y="0"/>
+                </a:lnTo>
+                <a:lnTo>
+                  <a:pt x="8138896" y="31774"/>
+                </a:lnTo>
+                <a:cubicBezTo>
+                  <a:pt x="9193904" y="2682457"/>
+                  <a:pt x="9193904" y="2682457"/>
+                  <a:pt x="9193904" y="2682457"/>
+                </a:cubicBezTo>
+                <a:cubicBezTo>
+                  <a:pt x="9299262" y="2988100"/>
+                  <a:pt x="9299262" y="3446565"/>
+                  <a:pt x="9193904" y="3752208"/>
+                </a:cubicBezTo>
+                <a:cubicBezTo>
+                  <a:pt x="8709916" y="4968215"/>
+                  <a:pt x="8331802" y="5918220"/>
+                  <a:pt x="8036400" y="6660411"/>
+                </a:cubicBezTo>
+                <a:lnTo>
+                  <a:pt x="7957938" y="6857542"/>
+                </a:lnTo>
+                <a:lnTo>
+                  <a:pt x="3307976" y="6857542"/>
+                </a:lnTo>
+                <a:lnTo>
+                  <a:pt x="3307976" y="6858000"/>
+                </a:lnTo>
+                <a:lnTo>
+                  <a:pt x="0" y="6858000"/>
+                </a:lnTo>
+                <a:close/>
+              </a:path>
+            </a:pathLst>
+          </a:custGeom>
+          <a:ln>
+            <a:noFill/>
+          </a:ln>
+        </p:spPr>
+        <p:style>
+          <a:lnRef idx="2">
+            <a:schemeClr val="accent1">
+              <a:shade val="50000"/>
+            </a:schemeClr>
+          </a:lnRef>
+          <a:fillRef idx="1">
+            <a:schemeClr val="accent1"/>
+          </a:fillRef>
+          <a:effectRef idx="0">
+            <a:schemeClr val="accent1"/>
+          </a:effectRef>
+          <a:fontRef idx="minor">
+            <a:schemeClr val="lt1"/>
+          </a:fontRef>
+        </p:style>
+        <p:txBody>
+          <a:bodyPr wrap="square" rtlCol="0" anchor="ctr">
+            <a:noAutofit/>
+          </a:bodyPr>
+          <a:lstStyle/>
+          <a:p>
+            <a:pPr algn="ctr"/>
+            <a:endParaRPr lang="en-US"/>
+          </a:p>
+        </p:txBody>
+      </p:sp>
+      <p:pic>
+        <p:nvPicPr>
+          <p:cNvPr id="8" name="Picture 7" descr="A screenshot of a cell phone&#10;&#10;Description automatically generated">
+            <a:extLst>
+              <a:ext uri="{FF2B5EF4-FFF2-40B4-BE49-F238E27FC236}">
+                <a16:creationId xmlns:a16="http://schemas.microsoft.com/office/drawing/2014/main" id="{CA41D7FF-45BD-42B5-BF26-5A6B079226EA}"/>
+              </a:ext>
+            </a:extLst>
+          </p:cNvPr>
+          <p:cNvPicPr>
+            <a:picLocks noChangeAspect="1"/>
+          </p:cNvPicPr>
+          <p:nvPr/>
+        </p:nvPicPr>
+        <p:blipFill>
+          <a:blip r:embed="rId2"/>
+          <a:stretch>
+            <a:fillRect/>
+          </a:stretch>
+        </p:blipFill>
+        <p:spPr>
+          <a:xfrm>
+            <a:off x="1094073" y="643466"/>
+            <a:ext cx="6146711" cy="5566833"/>
+          </a:xfrm>
+          <a:prstGeom prst="rect">
+            <a:avLst/>
+          </a:prstGeom>
+        </p:spPr>
+      </p:pic>
+      <p:grpSp>
+        <p:nvGrpSpPr>
+          <p:cNvPr id="17" name="Group 16">
+            <a:extLst>
+              <a:ext uri="{FF2B5EF4-FFF2-40B4-BE49-F238E27FC236}">
+                <a16:creationId xmlns:a16="http://schemas.microsoft.com/office/drawing/2014/main" id="{58495BCC-CE77-4CC2-952E-846F41119FD5}"/>
+              </a:ext>
+              <a:ext uri="{C183D7F6-B498-43B3-948B-1728B52AA6E4}">
+                <adec:decorative xmlns:adec="http://schemas.microsoft.com/office/drawing/2017/decorative" val="1"/>
+              </a:ext>
+            </a:extLst>
+          </p:cNvPr>
+          <p:cNvGrpSpPr>
+            <a:grpSpLocks noGrp="1" noUngrp="1" noRot="1" noChangeAspect="1" noMove="1" noResize="1"/>
+          </p:cNvGrpSpPr>
+          <p:nvPr>
+            <p:extLst>
+              <p:ext uri="{386F3935-93C4-4BCD-93E2-E3B085C9AB24}">
+                <p16:designElem xmlns:p16="http://schemas.microsoft.com/office/powerpoint/2015/main" val="1"/>
+              </p:ext>
+            </p:extLst>
+          </p:nvPr>
+        </p:nvGrpSpPr>
+        <p:grpSpPr>
+          <a:xfrm>
+            <a:off x="9160561" y="1075188"/>
+            <a:ext cx="1562267" cy="1172973"/>
+            <a:chOff x="9160561" y="1075188"/>
+            <a:chExt cx="1562267" cy="1172973"/>
+          </a:xfrm>
+        </p:grpSpPr>
+        <p:sp>
+          <p:nvSpPr>
+            <p:cNvPr id="18" name="Freeform 5">
+              <a:extLst>
+                <a:ext uri="{FF2B5EF4-FFF2-40B4-BE49-F238E27FC236}">
+                  <a16:creationId xmlns:a16="http://schemas.microsoft.com/office/drawing/2014/main" id="{1B42538B-E30F-4967-A6C1-8EBA775F4D60}"/>
+                </a:ext>
+                <a:ext uri="{C183D7F6-B498-43B3-948B-1728B52AA6E4}">
+                  <adec:decorative xmlns:adec="http://schemas.microsoft.com/office/drawing/2017/decorative" val="1"/>
+                </a:ext>
+              </a:extLst>
+            </p:cNvPr>
+            <p:cNvSpPr>
+              <a:spLocks/>
+            </p:cNvSpPr>
+            <p:nvPr>
+              <p:extLst>
+                <p:ext uri="{386F3935-93C4-4BCD-93E2-E3B085C9AB24}">
+                  <p16:designElem xmlns:p16="http://schemas.microsoft.com/office/powerpoint/2015/main" val="1"/>
+                </p:ext>
+              </p:extLst>
+            </p:nvPr>
+          </p:nvSpPr>
+          <p:spPr bwMode="auto">
+            <a:xfrm>
+              <a:off x="9160561" y="1423846"/>
+              <a:ext cx="935037" cy="824315"/>
+            </a:xfrm>
+            <a:custGeom>
+              <a:avLst/>
+              <a:gdLst>
+                <a:gd name="T0" fmla="*/ 225 w 785"/>
+                <a:gd name="T1" fmla="*/ 692 h 692"/>
+                <a:gd name="T2" fmla="*/ 177 w 785"/>
+                <a:gd name="T3" fmla="*/ 665 h 692"/>
+                <a:gd name="T4" fmla="*/ 9 w 785"/>
+                <a:gd name="T5" fmla="*/ 374 h 692"/>
+                <a:gd name="T6" fmla="*/ 9 w 785"/>
+                <a:gd name="T7" fmla="*/ 318 h 692"/>
+                <a:gd name="T8" fmla="*/ 177 w 785"/>
+                <a:gd name="T9" fmla="*/ 27 h 692"/>
+                <a:gd name="T10" fmla="*/ 225 w 785"/>
+                <a:gd name="T11" fmla="*/ 0 h 692"/>
+                <a:gd name="T12" fmla="*/ 561 w 785"/>
+                <a:gd name="T13" fmla="*/ 0 h 692"/>
+                <a:gd name="T14" fmla="*/ 609 w 785"/>
+                <a:gd name="T15" fmla="*/ 27 h 692"/>
+                <a:gd name="T16" fmla="*/ 777 w 785"/>
+                <a:gd name="T17" fmla="*/ 318 h 692"/>
+                <a:gd name="T18" fmla="*/ 777 w 785"/>
+                <a:gd name="T19" fmla="*/ 374 h 692"/>
+                <a:gd name="T20" fmla="*/ 609 w 785"/>
+                <a:gd name="T21" fmla="*/ 665 h 692"/>
+                <a:gd name="T22" fmla="*/ 561 w 785"/>
+                <a:gd name="T23" fmla="*/ 692 h 692"/>
+                <a:gd name="T24" fmla="*/ 225 w 785"/>
+                <a:gd name="T25" fmla="*/ 692 h 692"/>
+              </a:gdLst>
+              <a:ahLst/>
+              <a:cxnLst>
+                <a:cxn ang="0">
+                  <a:pos x="T0" y="T1"/>
+                </a:cxn>
+                <a:cxn ang="0">
+                  <a:pos x="T2" y="T3"/>
+                </a:cxn>
+                <a:cxn ang="0">
+                  <a:pos x="T4" y="T5"/>
+                </a:cxn>
+                <a:cxn ang="0">
+                  <a:pos x="T6" y="T7"/>
+                </a:cxn>
+                <a:cxn ang="0">
+                  <a:pos x="T8" y="T9"/>
+                </a:cxn>
+                <a:cxn ang="0">
+                  <a:pos x="T10" y="T11"/>
+                </a:cxn>
+                <a:cxn ang="0">
+                  <a:pos x="T12" y="T13"/>
+                </a:cxn>
+                <a:cxn ang="0">
+                  <a:pos x="T14" y="T15"/>
+                </a:cxn>
+                <a:cxn ang="0">
+                  <a:pos x="T16" y="T17"/>
+                </a:cxn>
+                <a:cxn ang="0">
+                  <a:pos x="T18" y="T19"/>
+                </a:cxn>
+                <a:cxn ang="0">
+                  <a:pos x="T20" y="T21"/>
+                </a:cxn>
+                <a:cxn ang="0">
+                  <a:pos x="T22" y="T23"/>
+                </a:cxn>
+                <a:cxn ang="0">
+                  <a:pos x="T24" y="T25"/>
+                </a:cxn>
+              </a:cxnLst>
+              <a:rect l="0" t="0" r="r" b="b"/>
+              <a:pathLst>
+                <a:path w="785" h="692">
+                  <a:moveTo>
+                    <a:pt x="225" y="692"/>
+                  </a:moveTo>
+                  <a:cubicBezTo>
+                    <a:pt x="207" y="692"/>
+                    <a:pt x="185" y="680"/>
+                    <a:pt x="177" y="665"/>
+                  </a:cubicBezTo>
+                  <a:cubicBezTo>
+                    <a:pt x="9" y="374"/>
+                    <a:pt x="9" y="374"/>
+                    <a:pt x="9" y="374"/>
+                  </a:cubicBezTo>
+                  <a:cubicBezTo>
+                    <a:pt x="0" y="358"/>
+                    <a:pt x="0" y="334"/>
+                    <a:pt x="9" y="318"/>
+                  </a:cubicBezTo>
+                  <a:cubicBezTo>
+                    <a:pt x="177" y="27"/>
+                    <a:pt x="177" y="27"/>
+                    <a:pt x="177" y="27"/>
+                  </a:cubicBezTo>
+                  <a:cubicBezTo>
+                    <a:pt x="185" y="12"/>
+                    <a:pt x="207" y="0"/>
+                    <a:pt x="225" y="0"/>
+                  </a:cubicBezTo>
+                  <a:cubicBezTo>
+                    <a:pt x="561" y="0"/>
+                    <a:pt x="561" y="0"/>
+                    <a:pt x="561" y="0"/>
+                  </a:cubicBezTo>
+                  <a:cubicBezTo>
+                    <a:pt x="578" y="0"/>
+                    <a:pt x="600" y="12"/>
+                    <a:pt x="609" y="27"/>
+                  </a:cubicBezTo>
+                  <a:cubicBezTo>
+                    <a:pt x="777" y="318"/>
+                    <a:pt x="777" y="318"/>
+                    <a:pt x="777" y="318"/>
+                  </a:cubicBezTo>
+                  <a:cubicBezTo>
+                    <a:pt x="785" y="334"/>
+                    <a:pt x="785" y="358"/>
+                    <a:pt x="777" y="374"/>
+                  </a:cubicBezTo>
+                  <a:cubicBezTo>
+                    <a:pt x="609" y="665"/>
+                    <a:pt x="609" y="665"/>
+                    <a:pt x="609" y="665"/>
+                  </a:cubicBezTo>
+                  <a:cubicBezTo>
+                    <a:pt x="600" y="680"/>
+                    <a:pt x="578" y="692"/>
+                    <a:pt x="561" y="692"/>
+                  </a:cubicBezTo>
+                  <a:lnTo>
+                    <a:pt x="225" y="692"/>
+                  </a:lnTo>
+                  <a:close/>
+                </a:path>
+              </a:pathLst>
+            </a:custGeom>
+            <a:noFill/>
+            <a:ln w="28575" cmpd="sng">
+              <a:solidFill>
+                <a:schemeClr val="bg1"/>
+              </a:solidFill>
+            </a:ln>
+          </p:spPr>
+          <p:txBody>
+            <a:bodyPr vert="horz" wrap="square" lIns="91440" tIns="45720" rIns="91440" bIns="45720" numCol="1" anchor="t" anchorCtr="0" compatLnSpc="1">
+              <a:prstTxWarp prst="textNoShape">
+                <a:avLst/>
+              </a:prstTxWarp>
+            </a:bodyPr>
+            <a:lstStyle/>
+            <a:p>
+              <a:endParaRPr lang="en-US"/>
+            </a:p>
+          </p:txBody>
+        </p:sp>
+        <p:sp>
+          <p:nvSpPr>
+            <p:cNvPr id="19" name="Freeform 5">
+              <a:extLst>
+                <a:ext uri="{FF2B5EF4-FFF2-40B4-BE49-F238E27FC236}">
+                  <a16:creationId xmlns:a16="http://schemas.microsoft.com/office/drawing/2014/main" id="{9A6BD9AC-4DE7-4B20-8547-4E3B375C21F7}"/>
+                </a:ext>
+                <a:ext uri="{C183D7F6-B498-43B3-948B-1728B52AA6E4}">
+                  <adec:decorative xmlns:adec="http://schemas.microsoft.com/office/drawing/2017/decorative" val="1"/>
+                </a:ext>
+              </a:extLst>
+            </p:cNvPr>
+            <p:cNvSpPr>
+              <a:spLocks/>
+            </p:cNvSpPr>
+            <p:nvPr>
+              <p:extLst>
+                <p:ext uri="{386F3935-93C4-4BCD-93E2-E3B085C9AB24}">
+                  <p16:designElem xmlns:p16="http://schemas.microsoft.com/office/powerpoint/2015/main" val="1"/>
+                </p:ext>
+              </p:extLst>
+            </p:nvPr>
+          </p:nvSpPr>
+          <p:spPr bwMode="auto">
+            <a:xfrm>
+              <a:off x="9960661" y="1075188"/>
+              <a:ext cx="762167" cy="671915"/>
+            </a:xfrm>
+            <a:custGeom>
+              <a:avLst/>
+              <a:gdLst>
+                <a:gd name="T0" fmla="*/ 225 w 785"/>
+                <a:gd name="T1" fmla="*/ 692 h 692"/>
+                <a:gd name="T2" fmla="*/ 177 w 785"/>
+                <a:gd name="T3" fmla="*/ 665 h 692"/>
+                <a:gd name="T4" fmla="*/ 9 w 785"/>
+                <a:gd name="T5" fmla="*/ 374 h 692"/>
+                <a:gd name="T6" fmla="*/ 9 w 785"/>
+                <a:gd name="T7" fmla="*/ 318 h 692"/>
+                <a:gd name="T8" fmla="*/ 177 w 785"/>
+                <a:gd name="T9" fmla="*/ 27 h 692"/>
+                <a:gd name="T10" fmla="*/ 225 w 785"/>
+                <a:gd name="T11" fmla="*/ 0 h 692"/>
+                <a:gd name="T12" fmla="*/ 561 w 785"/>
+                <a:gd name="T13" fmla="*/ 0 h 692"/>
+                <a:gd name="T14" fmla="*/ 609 w 785"/>
+                <a:gd name="T15" fmla="*/ 27 h 692"/>
+                <a:gd name="T16" fmla="*/ 777 w 785"/>
+                <a:gd name="T17" fmla="*/ 318 h 692"/>
+                <a:gd name="T18" fmla="*/ 777 w 785"/>
+                <a:gd name="T19" fmla="*/ 374 h 692"/>
+                <a:gd name="T20" fmla="*/ 609 w 785"/>
+                <a:gd name="T21" fmla="*/ 665 h 692"/>
+                <a:gd name="T22" fmla="*/ 561 w 785"/>
+                <a:gd name="T23" fmla="*/ 692 h 692"/>
+                <a:gd name="T24" fmla="*/ 225 w 785"/>
+                <a:gd name="T25" fmla="*/ 692 h 692"/>
+              </a:gdLst>
+              <a:ahLst/>
+              <a:cxnLst>
+                <a:cxn ang="0">
+                  <a:pos x="T0" y="T1"/>
+                </a:cxn>
+                <a:cxn ang="0">
+                  <a:pos x="T2" y="T3"/>
+                </a:cxn>
+                <a:cxn ang="0">
+                  <a:pos x="T4" y="T5"/>
+                </a:cxn>
+                <a:cxn ang="0">
+                  <a:pos x="T6" y="T7"/>
+                </a:cxn>
+                <a:cxn ang="0">
+                  <a:pos x="T8" y="T9"/>
+                </a:cxn>
+                <a:cxn ang="0">
+                  <a:pos x="T10" y="T11"/>
+                </a:cxn>
+                <a:cxn ang="0">
+                  <a:pos x="T12" y="T13"/>
+                </a:cxn>
+                <a:cxn ang="0">
+                  <a:pos x="T14" y="T15"/>
+                </a:cxn>
+                <a:cxn ang="0">
+                  <a:pos x="T16" y="T17"/>
+                </a:cxn>
+                <a:cxn ang="0">
+                  <a:pos x="T18" y="T19"/>
+                </a:cxn>
+                <a:cxn ang="0">
+                  <a:pos x="T20" y="T21"/>
+                </a:cxn>
+                <a:cxn ang="0">
+                  <a:pos x="T22" y="T23"/>
+                </a:cxn>
+                <a:cxn ang="0">
+                  <a:pos x="T24" y="T25"/>
+                </a:cxn>
+              </a:cxnLst>
+              <a:rect l="0" t="0" r="r" b="b"/>
+              <a:pathLst>
+                <a:path w="785" h="692">
+                  <a:moveTo>
+                    <a:pt x="225" y="692"/>
+                  </a:moveTo>
+                  <a:cubicBezTo>
+                    <a:pt x="207" y="692"/>
+                    <a:pt x="185" y="680"/>
+                    <a:pt x="177" y="665"/>
+                  </a:cubicBezTo>
+                  <a:cubicBezTo>
+                    <a:pt x="9" y="374"/>
+                    <a:pt x="9" y="374"/>
+                    <a:pt x="9" y="374"/>
+                  </a:cubicBezTo>
+                  <a:cubicBezTo>
+                    <a:pt x="0" y="358"/>
+                    <a:pt x="0" y="334"/>
+                    <a:pt x="9" y="318"/>
+                  </a:cubicBezTo>
+                  <a:cubicBezTo>
+                    <a:pt x="177" y="27"/>
+                    <a:pt x="177" y="27"/>
+                    <a:pt x="177" y="27"/>
+                  </a:cubicBezTo>
+                  <a:cubicBezTo>
+                    <a:pt x="185" y="12"/>
+                    <a:pt x="207" y="0"/>
+                    <a:pt x="225" y="0"/>
+                  </a:cubicBezTo>
+                  <a:cubicBezTo>
+                    <a:pt x="561" y="0"/>
+                    <a:pt x="561" y="0"/>
+                    <a:pt x="561" y="0"/>
+                  </a:cubicBezTo>
+                  <a:cubicBezTo>
+                    <a:pt x="578" y="0"/>
+                    <a:pt x="600" y="12"/>
+                    <a:pt x="609" y="27"/>
+                  </a:cubicBezTo>
+                  <a:cubicBezTo>
+                    <a:pt x="777" y="318"/>
+                    <a:pt x="777" y="318"/>
+                    <a:pt x="777" y="318"/>
+                  </a:cubicBezTo>
+                  <a:cubicBezTo>
+                    <a:pt x="785" y="334"/>
+                    <a:pt x="785" y="358"/>
+                    <a:pt x="777" y="374"/>
+                  </a:cubicBezTo>
+                  <a:cubicBezTo>
+                    <a:pt x="609" y="665"/>
+                    <a:pt x="609" y="665"/>
+                    <a:pt x="609" y="665"/>
+                  </a:cubicBezTo>
+                  <a:cubicBezTo>
+                    <a:pt x="600" y="680"/>
+                    <a:pt x="578" y="692"/>
+                    <a:pt x="561" y="692"/>
+                  </a:cubicBezTo>
+                  <a:lnTo>
+                    <a:pt x="225" y="692"/>
+                  </a:lnTo>
+                  <a:close/>
+                </a:path>
+              </a:pathLst>
+            </a:custGeom>
+            <a:noFill/>
+            <a:ln w="28575" cmpd="sng">
+              <a:solidFill>
+                <a:schemeClr val="bg1"/>
+              </a:solidFill>
+            </a:ln>
+          </p:spPr>
+          <p:txBody>
+            <a:bodyPr vert="horz" wrap="square" lIns="91440" tIns="45720" rIns="91440" bIns="45720" numCol="1" anchor="t" anchorCtr="0" compatLnSpc="1">
+              <a:prstTxWarp prst="textNoShape">
+                <a:avLst/>
+              </a:prstTxWarp>
+            </a:bodyPr>
+            <a:lstStyle/>
+            <a:p>
+              <a:endParaRPr lang="en-US"/>
+            </a:p>
+          </p:txBody>
+        </p:sp>
+      </p:grpSp>
+      <p:sp>
+        <p:nvSpPr>
+          <p:cNvPr id="10" name="Rectangle 9">
+            <a:extLst>
+              <a:ext uri="{FF2B5EF4-FFF2-40B4-BE49-F238E27FC236}">
+                <a16:creationId xmlns:a16="http://schemas.microsoft.com/office/drawing/2014/main" id="{E24684E9-039A-41D4-A877-D34742E9D125}"/>
+              </a:ext>
+            </a:extLst>
+          </p:cNvPr>
+          <p:cNvSpPr/>
+          <p:nvPr/>
+        </p:nvSpPr>
+        <p:spPr>
+          <a:xfrm>
+            <a:off x="1263650" y="3384550"/>
+            <a:ext cx="1943100" cy="273050"/>
+          </a:xfrm>
+          <a:prstGeom prst="rect">
+            <a:avLst/>
+          </a:prstGeom>
+          <a:noFill/>
+          <a:ln w="19050">
+            <a:solidFill>
+              <a:srgbClr val="00B0F0"/>
+            </a:solidFill>
+          </a:ln>
+        </p:spPr>
+        <p:style>
+          <a:lnRef idx="2">
+            <a:schemeClr val="accent1">
+              <a:shade val="50000"/>
+            </a:schemeClr>
+          </a:lnRef>
+          <a:fillRef idx="1">
+            <a:schemeClr val="accent1"/>
+          </a:fillRef>
+          <a:effectRef idx="0">
+            <a:schemeClr val="accent1"/>
+          </a:effectRef>
+          <a:fontRef idx="minor">
+            <a:schemeClr val="lt1"/>
+          </a:fontRef>
+        </p:style>
+        <p:txBody>
+          <a:bodyPr rtlCol="0" anchor="ctr"/>
+          <a:lstStyle/>
+          <a:p>
+            <a:pPr algn="ctr"/>
+            <a:endParaRPr lang="en-US"/>
+          </a:p>
+        </p:txBody>
+      </p:sp>
+      <p:sp>
+        <p:nvSpPr>
+          <p:cNvPr id="16" name="Rectangle 15">
+            <a:extLst>
+              <a:ext uri="{FF2B5EF4-FFF2-40B4-BE49-F238E27FC236}">
+                <a16:creationId xmlns:a16="http://schemas.microsoft.com/office/drawing/2014/main" id="{02D54027-74CE-420D-BC72-F2B5E3A46F9B}"/>
+              </a:ext>
+            </a:extLst>
+          </p:cNvPr>
+          <p:cNvSpPr/>
+          <p:nvPr/>
+        </p:nvSpPr>
+        <p:spPr>
+          <a:xfrm>
+            <a:off x="1263650" y="4797424"/>
+            <a:ext cx="2305050" cy="273050"/>
+          </a:xfrm>
+          <a:prstGeom prst="rect">
+            <a:avLst/>
+          </a:prstGeom>
+          <a:noFill/>
+          <a:ln w="19050">
+            <a:solidFill>
+              <a:srgbClr val="00B0F0"/>
+            </a:solidFill>
+          </a:ln>
+        </p:spPr>
+        <p:style>
+          <a:lnRef idx="2">
+            <a:schemeClr val="accent1">
+              <a:shade val="50000"/>
+            </a:schemeClr>
+          </a:lnRef>
+          <a:fillRef idx="1">
+            <a:schemeClr val="accent1"/>
+          </a:fillRef>
+          <a:effectRef idx="0">
+            <a:schemeClr val="accent1"/>
+          </a:effectRef>
+          <a:fontRef idx="minor">
+            <a:schemeClr val="lt1"/>
+          </a:fontRef>
+        </p:style>
+        <p:txBody>
+          <a:bodyPr rtlCol="0" anchor="ctr"/>
+          <a:lstStyle/>
+          <a:p>
+            <a:pPr algn="ctr"/>
+            <a:endParaRPr lang="en-US"/>
+          </a:p>
+        </p:txBody>
+      </p:sp>
+    </p:spTree>
+    <p:extLst>
+      <p:ext uri="{BB962C8B-B14F-4D97-AF65-F5344CB8AC3E}">
+        <p14:creationId xmlns:p14="http://schemas.microsoft.com/office/powerpoint/2010/main" val="105502802"/>
+      </p:ext>
+    </p:extLst>
+  </p:cSld>
+  <p:clrMapOvr>
+    <a:masterClrMapping/>
+  </p:clrMapOvr>
+  <p:timing>
+    <p:tnLst>
+      <p:par>
+        <p:cTn id="1" dur="indefinite" restart="never" nodeType="tmRoot">
+          <p:childTnLst>
+            <p:seq concurrent="1" nextAc="seek">
+              <p:cTn id="2" dur="indefinite" nodeType="mainSeq">
+                <p:childTnLst>
+                  <p:par>
+                    <p:cTn id="3" fill="hold">
+                      <p:stCondLst>
+                        <p:cond delay="indefinite"/>
+                      </p:stCondLst>
+                      <p:childTnLst>
+                        <p:par>
+                          <p:cTn id="4" fill="hold">
+                            <p:stCondLst>
+                              <p:cond delay="0"/>
+                            </p:stCondLst>
+                            <p:childTnLst>
+                              <p:par>
+                                <p:cTn id="5" presetID="1" presetClass="entr" presetSubtype="0" fill="hold" grpId="0" nodeType="clickEffect">
+                                  <p:stCondLst>
+                                    <p:cond delay="0"/>
+                                  </p:stCondLst>
+                                  <p:childTnLst>
+                                    <p:set>
+                                      <p:cBhvr>
+                                        <p:cTn id="6" dur="1" fill="hold">
+                                          <p:stCondLst>
+                                            <p:cond delay="0"/>
+                                          </p:stCondLst>
+                                        </p:cTn>
+                                        <p:tgtEl>
+                                          <p:spTgt spid="10"/>
+                                        </p:tgtEl>
+                                        <p:attrNameLst>
+                                          <p:attrName>style.visibility</p:attrName>
+                                        </p:attrNameLst>
+                                      </p:cBhvr>
+                                      <p:to>
+                                        <p:strVal val="visible"/>
+                                      </p:to>
+                                    </p:set>
+                                  </p:childTnLst>
+                                </p:cTn>
+                              </p:par>
+                            </p:childTnLst>
+                          </p:cTn>
+                        </p:par>
+                      </p:childTnLst>
+                    </p:cTn>
+                  </p:par>
+                  <p:par>
+                    <p:cTn id="7" fill="hold">
+                      <p:stCondLst>
+                        <p:cond delay="indefinite"/>
+                      </p:stCondLst>
+                      <p:childTnLst>
+                        <p:par>
+                          <p:cTn id="8" fill="hold">
+                            <p:stCondLst>
+                              <p:cond delay="0"/>
+                            </p:stCondLst>
+                            <p:childTnLst>
+                              <p:par>
+                                <p:cTn id="9" presetID="1" presetClass="entr" presetSubtype="0" fill="hold" grpId="0" nodeType="clickEffect">
+                                  <p:stCondLst>
+                                    <p:cond delay="0"/>
+                                  </p:stCondLst>
+                                  <p:childTnLst>
+                                    <p:set>
+                                      <p:cBhvr>
+                                        <p:cTn id="10" dur="1" fill="hold">
+                                          <p:stCondLst>
+                                            <p:cond delay="0"/>
+                                          </p:stCondLst>
+                                        </p:cTn>
+                                        <p:tgtEl>
+                                          <p:spTgt spid="16"/>
+                                        </p:tgtEl>
+                                        <p:attrNameLst>
+                                          <p:attrName>style.visibility</p:attrName>
+                                        </p:attrNameLst>
+                                      </p:cBhvr>
+                                      <p:to>
+                                        <p:strVal val="visible"/>
+                                      </p:to>
+                                    </p:set>
+                                  </p:childTnLst>
+                                </p:cTn>
+                              </p:par>
+                            </p:childTnLst>
+                          </p:cTn>
+                        </p:par>
+                      </p:childTnLst>
+                    </p:cTn>
+                  </p:par>
+                </p:childTnLst>
+              </p:cTn>
+              <p:prevCondLst>
+                <p:cond evt="onPrev" delay="0">
+                  <p:tgtEl>
+                    <p:sldTgt/>
+                  </p:tgtEl>
+                </p:cond>
+              </p:prevCondLst>
+              <p:nextCondLst>
+                <p:cond evt="onNext" delay="0">
+                  <p:tgtEl>
+                    <p:sldTgt/>
+                  </p:tgtEl>
+                </p:cond>
+              </p:nextCondLst>
+            </p:seq>
+          </p:childTnLst>
+        </p:cTn>
+      </p:par>
+    </p:tnLst>
+    <p:bldLst>
+      <p:bldP spid="10" grpId="0" animBg="1"/>
+      <p:bldP spid="16" grpId="0" animBg="1"/>
+    </p:bldLst>
+  </p:timing>
+</p:sld>
+</file>
+
+<file path=ppt/slides/slide20.xml><?xml version="1.0" encoding="utf-8"?>
 <p:sld xmlns:a="http://schemas.openxmlformats.org/drawingml/2006/main" xmlns:r="http://schemas.openxmlformats.org/officeDocument/2006/relationships" xmlns:p="http://schemas.openxmlformats.org/presentationml/2006/main">
   <p:cSld>
     <p:bg>
@@ -5504,7 +6557,1045 @@
 </p:sld>
 </file>
 
-<file path=ppt/slides/slide2.xml><?xml version="1.0" encoding="utf-8"?>
+<file path=ppt/slides/slide21.xml><?xml version="1.0" encoding="utf-8"?>
+<p:sld xmlns:a="http://schemas.openxmlformats.org/drawingml/2006/main" xmlns:r="http://schemas.openxmlformats.org/officeDocument/2006/relationships" xmlns:p="http://schemas.openxmlformats.org/presentationml/2006/main">
+  <p:cSld>
+    <p:bg>
+      <p:bgPr>
+        <a:solidFill>
+          <a:schemeClr val="tx1"/>
+        </a:solidFill>
+        <a:effectLst/>
+      </p:bgPr>
+    </p:bg>
+    <p:spTree>
+      <p:nvGrpSpPr>
+        <p:cNvPr id="1" name=""/>
+        <p:cNvGrpSpPr/>
+        <p:nvPr/>
+      </p:nvGrpSpPr>
+      <p:grpSpPr>
+        <a:xfrm>
+          <a:off x="0" y="0"/>
+          <a:ext cx="0" cy="0"/>
+          <a:chOff x="0" y="0"/>
+          <a:chExt cx="0" cy="0"/>
+        </a:xfrm>
+      </p:grpSpPr>
+      <p:sp>
+        <p:nvSpPr>
+          <p:cNvPr id="2" name="Title 1">
+            <a:extLst>
+              <a:ext uri="{FF2B5EF4-FFF2-40B4-BE49-F238E27FC236}">
+                <a16:creationId xmlns:a16="http://schemas.microsoft.com/office/drawing/2014/main" id="{19EA5153-02FE-421E-9C0B-7A016168D0A0}"/>
+              </a:ext>
+            </a:extLst>
+          </p:cNvPr>
+          <p:cNvSpPr>
+            <a:spLocks noGrp="1"/>
+          </p:cNvSpPr>
+          <p:nvPr>
+            <p:ph type="title"/>
+          </p:nvPr>
+        </p:nvSpPr>
+        <p:spPr>
+          <a:xfrm>
+            <a:off x="838200" y="330600"/>
+            <a:ext cx="10515600" cy="1325563"/>
+          </a:xfrm>
+          <a:solidFill>
+            <a:schemeClr val="tx1"/>
+          </a:solidFill>
+        </p:spPr>
+        <p:txBody>
+          <a:bodyPr/>
+          <a:lstStyle/>
+          <a:p>
+            <a:r>
+              <a:rPr lang="en-US" dirty="0">
+                <a:solidFill>
+                  <a:schemeClr val="bg1"/>
+                </a:solidFill>
+                <a:latin typeface="Consolas" panose="020B0609020204030204" pitchFamily="49" charset="0"/>
+              </a:rPr>
+              <a:t>PITFALLS</a:t>
+            </a:r>
+          </a:p>
+        </p:txBody>
+      </p:sp>
+      <p:sp>
+        <p:nvSpPr>
+          <p:cNvPr id="5" name="Content Placeholder 4">
+            <a:extLst>
+              <a:ext uri="{FF2B5EF4-FFF2-40B4-BE49-F238E27FC236}">
+                <a16:creationId xmlns:a16="http://schemas.microsoft.com/office/drawing/2014/main" id="{74F0431A-7532-442C-BC88-A38AD90F9A27}"/>
+              </a:ext>
+            </a:extLst>
+          </p:cNvPr>
+          <p:cNvSpPr>
+            <a:spLocks noGrp="1"/>
+          </p:cNvSpPr>
+          <p:nvPr>
+            <p:ph idx="1"/>
+          </p:nvPr>
+        </p:nvSpPr>
+        <p:spPr/>
+        <p:txBody>
+          <a:bodyPr anchor="ctr"/>
+          <a:lstStyle/>
+          <a:p>
+            <a:r>
+              <a:rPr lang="en-US" dirty="0">
+                <a:solidFill>
+                  <a:schemeClr val="bg1"/>
+                </a:solidFill>
+                <a:latin typeface="Consolas" panose="020B0609020204030204" pitchFamily="49" charset="0"/>
+              </a:rPr>
+              <a:t>Different support in different browsers, not 100% reliable</a:t>
+            </a:r>
+          </a:p>
+        </p:txBody>
+      </p:sp>
+    </p:spTree>
+    <p:extLst>
+      <p:ext uri="{BB962C8B-B14F-4D97-AF65-F5344CB8AC3E}">
+        <p14:creationId xmlns:p14="http://schemas.microsoft.com/office/powerpoint/2010/main" val="1028617851"/>
+      </p:ext>
+    </p:extLst>
+  </p:cSld>
+  <p:clrMapOvr>
+    <a:masterClrMapping/>
+  </p:clrMapOvr>
+</p:sld>
+</file>
+
+<file path=ppt/slides/slide22.xml><?xml version="1.0" encoding="utf-8"?>
+<p:sld xmlns:a="http://schemas.openxmlformats.org/drawingml/2006/main" xmlns:r="http://schemas.openxmlformats.org/officeDocument/2006/relationships" xmlns:p="http://schemas.openxmlformats.org/presentationml/2006/main">
+  <p:cSld>
+    <p:bg>
+      <p:bgPr>
+        <a:solidFill>
+          <a:schemeClr val="tx1"/>
+        </a:solidFill>
+        <a:effectLst/>
+      </p:bgPr>
+    </p:bg>
+    <p:spTree>
+      <p:nvGrpSpPr>
+        <p:cNvPr id="1" name=""/>
+        <p:cNvGrpSpPr/>
+        <p:nvPr/>
+      </p:nvGrpSpPr>
+      <p:grpSpPr>
+        <a:xfrm>
+          <a:off x="0" y="0"/>
+          <a:ext cx="0" cy="0"/>
+          <a:chOff x="0" y="0"/>
+          <a:chExt cx="0" cy="0"/>
+        </a:xfrm>
+      </p:grpSpPr>
+      <p:sp>
+        <p:nvSpPr>
+          <p:cNvPr id="2" name="Title 1">
+            <a:extLst>
+              <a:ext uri="{FF2B5EF4-FFF2-40B4-BE49-F238E27FC236}">
+                <a16:creationId xmlns:a16="http://schemas.microsoft.com/office/drawing/2014/main" id="{19EA5153-02FE-421E-9C0B-7A016168D0A0}"/>
+              </a:ext>
+            </a:extLst>
+          </p:cNvPr>
+          <p:cNvSpPr>
+            <a:spLocks noGrp="1"/>
+          </p:cNvSpPr>
+          <p:nvPr>
+            <p:ph type="title"/>
+          </p:nvPr>
+        </p:nvSpPr>
+        <p:spPr>
+          <a:xfrm>
+            <a:off x="838200" y="330600"/>
+            <a:ext cx="10515600" cy="1325563"/>
+          </a:xfrm>
+          <a:solidFill>
+            <a:schemeClr val="tx1"/>
+          </a:solidFill>
+        </p:spPr>
+        <p:txBody>
+          <a:bodyPr/>
+          <a:lstStyle/>
+          <a:p>
+            <a:r>
+              <a:rPr lang="en-US" dirty="0">
+                <a:solidFill>
+                  <a:schemeClr val="bg1"/>
+                </a:solidFill>
+                <a:latin typeface="Consolas" panose="020B0609020204030204" pitchFamily="49" charset="0"/>
+              </a:rPr>
+              <a:t>CAN I USE</a:t>
+            </a:r>
+          </a:p>
+        </p:txBody>
+      </p:sp>
+      <p:sp>
+        <p:nvSpPr>
+          <p:cNvPr id="5" name="Content Placeholder 4">
+            <a:extLst>
+              <a:ext uri="{FF2B5EF4-FFF2-40B4-BE49-F238E27FC236}">
+                <a16:creationId xmlns:a16="http://schemas.microsoft.com/office/drawing/2014/main" id="{BF9AD23B-2DE2-4B22-9CCB-D5C174FFAF95}"/>
+              </a:ext>
+            </a:extLst>
+          </p:cNvPr>
+          <p:cNvSpPr>
+            <a:spLocks noGrp="1"/>
+          </p:cNvSpPr>
+          <p:nvPr>
+            <p:ph idx="1"/>
+          </p:nvPr>
+        </p:nvSpPr>
+        <p:spPr/>
+        <p:txBody>
+          <a:bodyPr/>
+          <a:lstStyle/>
+          <a:p>
+            <a:endParaRPr lang="en-US" dirty="0"/>
+          </a:p>
+        </p:txBody>
+      </p:sp>
+      <p:pic>
+        <p:nvPicPr>
+          <p:cNvPr id="3" name="Picture 2">
+            <a:extLst>
+              <a:ext uri="{FF2B5EF4-FFF2-40B4-BE49-F238E27FC236}">
+                <a16:creationId xmlns:a16="http://schemas.microsoft.com/office/drawing/2014/main" id="{DDA30AD8-519A-447F-B0AD-16A0DF833C54}"/>
+              </a:ext>
+            </a:extLst>
+          </p:cNvPr>
+          <p:cNvPicPr>
+            <a:picLocks noChangeAspect="1"/>
+          </p:cNvPicPr>
+          <p:nvPr/>
+        </p:nvPicPr>
+        <p:blipFill>
+          <a:blip r:embed="rId2"/>
+          <a:stretch>
+            <a:fillRect/>
+          </a:stretch>
+        </p:blipFill>
+        <p:spPr>
+          <a:xfrm>
+            <a:off x="838200" y="2619946"/>
+            <a:ext cx="10515600" cy="2762695"/>
+          </a:xfrm>
+          <a:prstGeom prst="rect">
+            <a:avLst/>
+          </a:prstGeom>
+        </p:spPr>
+      </p:pic>
+    </p:spTree>
+    <p:extLst>
+      <p:ext uri="{BB962C8B-B14F-4D97-AF65-F5344CB8AC3E}">
+        <p14:creationId xmlns:p14="http://schemas.microsoft.com/office/powerpoint/2010/main" val="251909320"/>
+      </p:ext>
+    </p:extLst>
+  </p:cSld>
+  <p:clrMapOvr>
+    <a:masterClrMapping/>
+  </p:clrMapOvr>
+</p:sld>
+</file>
+
+<file path=ppt/slides/slide23.xml><?xml version="1.0" encoding="utf-8"?>
+<p:sld xmlns:a="http://schemas.openxmlformats.org/drawingml/2006/main" xmlns:r="http://schemas.openxmlformats.org/officeDocument/2006/relationships" xmlns:p="http://schemas.openxmlformats.org/presentationml/2006/main">
+  <p:cSld>
+    <p:bg>
+      <p:bgPr>
+        <a:solidFill>
+          <a:schemeClr val="tx1"/>
+        </a:solidFill>
+        <a:effectLst/>
+      </p:bgPr>
+    </p:bg>
+    <p:spTree>
+      <p:nvGrpSpPr>
+        <p:cNvPr id="1" name=""/>
+        <p:cNvGrpSpPr/>
+        <p:nvPr/>
+      </p:nvGrpSpPr>
+      <p:grpSpPr>
+        <a:xfrm>
+          <a:off x="0" y="0"/>
+          <a:ext cx="0" cy="0"/>
+          <a:chOff x="0" y="0"/>
+          <a:chExt cx="0" cy="0"/>
+        </a:xfrm>
+      </p:grpSpPr>
+      <p:sp>
+        <p:nvSpPr>
+          <p:cNvPr id="2" name="Title 1">
+            <a:extLst>
+              <a:ext uri="{FF2B5EF4-FFF2-40B4-BE49-F238E27FC236}">
+                <a16:creationId xmlns:a16="http://schemas.microsoft.com/office/drawing/2014/main" id="{B4E042DA-BBDB-4833-ADDD-4970CEB1A6D3}"/>
+              </a:ext>
+            </a:extLst>
+          </p:cNvPr>
+          <p:cNvSpPr>
+            <a:spLocks noGrp="1"/>
+          </p:cNvSpPr>
+          <p:nvPr>
+            <p:ph type="ctrTitle"/>
+          </p:nvPr>
+        </p:nvSpPr>
+        <p:spPr>
+          <a:xfrm>
+            <a:off x="914401" y="1122363"/>
+            <a:ext cx="10409582" cy="2387600"/>
+          </a:xfrm>
+        </p:spPr>
+        <p:txBody>
+          <a:bodyPr>
+            <a:normAutofit/>
+          </a:bodyPr>
+          <a:lstStyle/>
+          <a:p>
+            <a:r>
+              <a:rPr lang="en-US" sz="5400" dirty="0">
+                <a:solidFill>
+                  <a:schemeClr val="bg1"/>
+                </a:solidFill>
+                <a:latin typeface="Consolas" panose="020B0609020204030204" pitchFamily="49" charset="0"/>
+              </a:rPr>
+              <a:t>STRICT-TRANSPORT-SECURITY</a:t>
+            </a:r>
+          </a:p>
+        </p:txBody>
+      </p:sp>
+      <p:sp>
+        <p:nvSpPr>
+          <p:cNvPr id="3" name="Subtitle 2">
+            <a:extLst>
+              <a:ext uri="{FF2B5EF4-FFF2-40B4-BE49-F238E27FC236}">
+                <a16:creationId xmlns:a16="http://schemas.microsoft.com/office/drawing/2014/main" id="{2E29D3D5-BE75-451C-8BFD-D64CE9586065}"/>
+              </a:ext>
+            </a:extLst>
+          </p:cNvPr>
+          <p:cNvSpPr>
+            <a:spLocks noGrp="1"/>
+          </p:cNvSpPr>
+          <p:nvPr>
+            <p:ph type="subTitle" idx="1"/>
+          </p:nvPr>
+        </p:nvSpPr>
+        <p:spPr/>
+        <p:txBody>
+          <a:bodyPr>
+            <a:normAutofit/>
+          </a:bodyPr>
+          <a:lstStyle/>
+          <a:p>
+            <a:r>
+              <a:rPr lang="en-US" sz="2800" u="sng" dirty="0">
+                <a:solidFill>
+                  <a:schemeClr val="bg1"/>
+                </a:solidFill>
+                <a:latin typeface="Consolas" panose="020B0609020204030204" pitchFamily="49" charset="0"/>
+              </a:rPr>
+              <a:t>don’t trust</a:t>
+            </a:r>
+          </a:p>
+        </p:txBody>
+      </p:sp>
+    </p:spTree>
+    <p:extLst>
+      <p:ext uri="{BB962C8B-B14F-4D97-AF65-F5344CB8AC3E}">
+        <p14:creationId xmlns:p14="http://schemas.microsoft.com/office/powerpoint/2010/main" val="2093041229"/>
+      </p:ext>
+    </p:extLst>
+  </p:cSld>
+  <p:clrMapOvr>
+    <a:masterClrMapping/>
+  </p:clrMapOvr>
+</p:sld>
+</file>
+
+<file path=ppt/slides/slide24.xml><?xml version="1.0" encoding="utf-8"?>
+<p:sld xmlns:a="http://schemas.openxmlformats.org/drawingml/2006/main" xmlns:r="http://schemas.openxmlformats.org/officeDocument/2006/relationships" xmlns:p="http://schemas.openxmlformats.org/presentationml/2006/main">
+  <p:cSld>
+    <p:bg>
+      <p:bgPr>
+        <a:solidFill>
+          <a:schemeClr val="tx1"/>
+        </a:solidFill>
+        <a:effectLst/>
+      </p:bgPr>
+    </p:bg>
+    <p:spTree>
+      <p:nvGrpSpPr>
+        <p:cNvPr id="1" name=""/>
+        <p:cNvGrpSpPr/>
+        <p:nvPr/>
+      </p:nvGrpSpPr>
+      <p:grpSpPr>
+        <a:xfrm>
+          <a:off x="0" y="0"/>
+          <a:ext cx="0" cy="0"/>
+          <a:chOff x="0" y="0"/>
+          <a:chExt cx="0" cy="0"/>
+        </a:xfrm>
+      </p:grpSpPr>
+      <p:sp>
+        <p:nvSpPr>
+          <p:cNvPr id="5" name="TextBox 4">
+            <a:extLst>
+              <a:ext uri="{FF2B5EF4-FFF2-40B4-BE49-F238E27FC236}">
+                <a16:creationId xmlns:a16="http://schemas.microsoft.com/office/drawing/2014/main" id="{FACDB3C0-6E2B-42C3-B804-F7DFA9C93E1C}"/>
+              </a:ext>
+            </a:extLst>
+          </p:cNvPr>
+          <p:cNvSpPr txBox="1"/>
+          <p:nvPr/>
+        </p:nvSpPr>
+        <p:spPr>
+          <a:xfrm>
+            <a:off x="593035" y="1536174"/>
+            <a:ext cx="10913164" cy="3785652"/>
+          </a:xfrm>
+          <a:prstGeom prst="rect">
+            <a:avLst/>
+          </a:prstGeom>
+          <a:noFill/>
+        </p:spPr>
+        <p:txBody>
+          <a:bodyPr wrap="square" rtlCol="0">
+            <a:spAutoFit/>
+          </a:bodyPr>
+          <a:lstStyle/>
+          <a:p>
+            <a:r>
+              <a:rPr lang="en-US" sz="2000" dirty="0">
+                <a:solidFill>
+                  <a:schemeClr val="bg1"/>
+                </a:solidFill>
+                <a:latin typeface="Consolas" panose="020B0609020204030204" pitchFamily="49" charset="0"/>
+              </a:rPr>
+              <a:t>Alice is sitting in a public place and use public WIFI. Evil Bob is sitting not very far from her and trying to sniff all non-encrypted traffic. Alice decides to visit some online-shop and uses an old and good link like www://my-example-shop.com. </a:t>
+            </a:r>
+          </a:p>
+          <a:p>
+            <a:endParaRPr lang="en-US" sz="2000" dirty="0">
+              <a:solidFill>
+                <a:schemeClr val="bg1"/>
+              </a:solidFill>
+              <a:latin typeface="Consolas" panose="020B0609020204030204" pitchFamily="49" charset="0"/>
+            </a:endParaRPr>
+          </a:p>
+          <a:p>
+            <a:r>
+              <a:rPr lang="en-US" sz="2000" dirty="0">
+                <a:solidFill>
+                  <a:schemeClr val="bg1"/>
+                </a:solidFill>
+                <a:latin typeface="Consolas" panose="020B0609020204030204" pitchFamily="49" charset="0"/>
+              </a:rPr>
+              <a:t>Evil Bob sees her request (it's not encrypted) and starts recording Alice's activity hoping to get credit card information. But, after the first request, the shop returns STS header: </a:t>
+            </a:r>
+            <a:r>
+              <a:rPr lang="en-US" sz="2000" dirty="0">
+                <a:highlight>
+                  <a:srgbClr val="C0C0C0"/>
+                </a:highlight>
+                <a:latin typeface="Consolas" panose="020B0609020204030204" pitchFamily="49" charset="0"/>
+              </a:rPr>
+              <a:t>Strict-Transport-Security: max-age=31536000</a:t>
+            </a:r>
+            <a:r>
+              <a:rPr lang="en-US" sz="2000" dirty="0">
+                <a:solidFill>
+                  <a:schemeClr val="bg1"/>
+                </a:solidFill>
+                <a:latin typeface="Consolas" panose="020B0609020204030204" pitchFamily="49" charset="0"/>
+              </a:rPr>
+              <a:t>. </a:t>
+            </a:r>
+          </a:p>
+          <a:p>
+            <a:endParaRPr lang="en-US" sz="2000" dirty="0">
+              <a:solidFill>
+                <a:schemeClr val="bg1"/>
+              </a:solidFill>
+              <a:latin typeface="Consolas" panose="020B0609020204030204" pitchFamily="49" charset="0"/>
+            </a:endParaRPr>
+          </a:p>
+          <a:p>
+            <a:r>
+              <a:rPr lang="en-US" sz="2000" dirty="0">
+                <a:solidFill>
+                  <a:schemeClr val="bg1"/>
+                </a:solidFill>
+                <a:latin typeface="Consolas" panose="020B0609020204030204" pitchFamily="49" charset="0"/>
+              </a:rPr>
+              <a:t>Now browsers automatically redirects Alice to the HTTPS version of the page. From now, Evil Bob sees only encrypted traffic and can't steal anything.</a:t>
+            </a:r>
+          </a:p>
+        </p:txBody>
+      </p:sp>
+    </p:spTree>
+    <p:extLst>
+      <p:ext uri="{BB962C8B-B14F-4D97-AF65-F5344CB8AC3E}">
+        <p14:creationId xmlns:p14="http://schemas.microsoft.com/office/powerpoint/2010/main" val="2452758824"/>
+      </p:ext>
+    </p:extLst>
+  </p:cSld>
+  <p:clrMapOvr>
+    <a:masterClrMapping/>
+  </p:clrMapOvr>
+</p:sld>
+</file>
+
+<file path=ppt/slides/slide25.xml><?xml version="1.0" encoding="utf-8"?>
+<p:sld xmlns:a="http://schemas.openxmlformats.org/drawingml/2006/main" xmlns:r="http://schemas.openxmlformats.org/officeDocument/2006/relationships" xmlns:p="http://schemas.openxmlformats.org/presentationml/2006/main">
+  <p:cSld>
+    <p:bg>
+      <p:bgPr>
+        <a:solidFill>
+          <a:schemeClr val="tx1"/>
+        </a:solidFill>
+        <a:effectLst/>
+      </p:bgPr>
+    </p:bg>
+    <p:spTree>
+      <p:nvGrpSpPr>
+        <p:cNvPr id="1" name=""/>
+        <p:cNvGrpSpPr/>
+        <p:nvPr/>
+      </p:nvGrpSpPr>
+      <p:grpSpPr>
+        <a:xfrm>
+          <a:off x="0" y="0"/>
+          <a:ext cx="0" cy="0"/>
+          <a:chOff x="0" y="0"/>
+          <a:chExt cx="0" cy="0"/>
+        </a:xfrm>
+      </p:grpSpPr>
+      <p:sp>
+        <p:nvSpPr>
+          <p:cNvPr id="5" name="TextBox 4">
+            <a:extLst>
+              <a:ext uri="{FF2B5EF4-FFF2-40B4-BE49-F238E27FC236}">
+                <a16:creationId xmlns:a16="http://schemas.microsoft.com/office/drawing/2014/main" id="{FACDB3C0-6E2B-42C3-B804-F7DFA9C93E1C}"/>
+              </a:ext>
+            </a:extLst>
+          </p:cNvPr>
+          <p:cNvSpPr txBox="1"/>
+          <p:nvPr/>
+        </p:nvSpPr>
+        <p:spPr>
+          <a:xfrm>
+            <a:off x="1249018" y="2890391"/>
+            <a:ext cx="9693964" cy="1077218"/>
+          </a:xfrm>
+          <a:prstGeom prst="rect">
+            <a:avLst/>
+          </a:prstGeom>
+          <a:noFill/>
+        </p:spPr>
+        <p:txBody>
+          <a:bodyPr wrap="square" rtlCol="0">
+            <a:spAutoFit/>
+          </a:bodyPr>
+          <a:lstStyle/>
+          <a:p>
+            <a:r>
+              <a:rPr lang="en-US" sz="3200" dirty="0">
+                <a:solidFill>
+                  <a:schemeClr val="bg1"/>
+                </a:solidFill>
+                <a:latin typeface="Consolas" panose="020B0609020204030204" pitchFamily="49" charset="0"/>
+              </a:rPr>
+              <a:t>Force browser </a:t>
+            </a:r>
+            <a:r>
+              <a:rPr lang="en-US" sz="3200" dirty="0">
+                <a:highlight>
+                  <a:srgbClr val="C0C0C0"/>
+                </a:highlight>
+                <a:latin typeface="Consolas" panose="020B0609020204030204" pitchFamily="49" charset="0"/>
+              </a:rPr>
+              <a:t>don’t trust</a:t>
+            </a:r>
+            <a:r>
+              <a:rPr lang="en-US" sz="3200" dirty="0">
+                <a:solidFill>
+                  <a:schemeClr val="bg1"/>
+                </a:solidFill>
+                <a:latin typeface="Consolas" panose="020B0609020204030204" pitchFamily="49" charset="0"/>
+              </a:rPr>
+              <a:t> user’s choice and always use HTTPS protocol</a:t>
+            </a:r>
+          </a:p>
+        </p:txBody>
+      </p:sp>
+    </p:spTree>
+    <p:extLst>
+      <p:ext uri="{BB962C8B-B14F-4D97-AF65-F5344CB8AC3E}">
+        <p14:creationId xmlns:p14="http://schemas.microsoft.com/office/powerpoint/2010/main" val="356299875"/>
+      </p:ext>
+    </p:extLst>
+  </p:cSld>
+  <p:clrMapOvr>
+    <a:masterClrMapping/>
+  </p:clrMapOvr>
+</p:sld>
+</file>
+
+<file path=ppt/slides/slide26.xml><?xml version="1.0" encoding="utf-8"?>
+<p:sld xmlns:a="http://schemas.openxmlformats.org/drawingml/2006/main" xmlns:r="http://schemas.openxmlformats.org/officeDocument/2006/relationships" xmlns:p="http://schemas.openxmlformats.org/presentationml/2006/main">
+  <p:cSld>
+    <p:bg>
+      <p:bgPr>
+        <a:solidFill>
+          <a:schemeClr val="tx1"/>
+        </a:solidFill>
+        <a:effectLst/>
+      </p:bgPr>
+    </p:bg>
+    <p:spTree>
+      <p:nvGrpSpPr>
+        <p:cNvPr id="1" name=""/>
+        <p:cNvGrpSpPr/>
+        <p:nvPr/>
+      </p:nvGrpSpPr>
+      <p:grpSpPr>
+        <a:xfrm>
+          <a:off x="0" y="0"/>
+          <a:ext cx="0" cy="0"/>
+          <a:chOff x="0" y="0"/>
+          <a:chExt cx="0" cy="0"/>
+        </a:xfrm>
+      </p:grpSpPr>
+      <p:sp>
+        <p:nvSpPr>
+          <p:cNvPr id="3" name="Rectangle 2">
+            <a:extLst>
+              <a:ext uri="{FF2B5EF4-FFF2-40B4-BE49-F238E27FC236}">
+                <a16:creationId xmlns:a16="http://schemas.microsoft.com/office/drawing/2014/main" id="{64EAA55B-D793-42C6-B25F-AECA115BE620}"/>
+              </a:ext>
+            </a:extLst>
+          </p:cNvPr>
+          <p:cNvSpPr/>
+          <p:nvPr/>
+        </p:nvSpPr>
+        <p:spPr>
+          <a:xfrm>
+            <a:off x="471383" y="3072056"/>
+            <a:ext cx="11249233" cy="584775"/>
+          </a:xfrm>
+          <a:prstGeom prst="rect">
+            <a:avLst/>
+          </a:prstGeom>
+        </p:spPr>
+        <p:txBody>
+          <a:bodyPr wrap="none">
+            <a:spAutoFit/>
+          </a:bodyPr>
+          <a:lstStyle/>
+          <a:p>
+            <a:r>
+              <a:rPr lang="en-US" sz="3200" dirty="0">
+                <a:highlight>
+                  <a:srgbClr val="C0C0C0"/>
+                </a:highlight>
+              </a:rPr>
+              <a:t>Strict-Transport-Security: max-age=31536000; </a:t>
+            </a:r>
+            <a:r>
+              <a:rPr lang="en-US" sz="3200" dirty="0" err="1">
+                <a:highlight>
+                  <a:srgbClr val="C0C0C0"/>
+                </a:highlight>
+              </a:rPr>
+              <a:t>includeSubDomains</a:t>
+            </a:r>
+            <a:endParaRPr lang="en-US" sz="4800" dirty="0">
+              <a:highlight>
+                <a:srgbClr val="C0C0C0"/>
+              </a:highlight>
+              <a:latin typeface="Consolas" panose="020B0609020204030204" pitchFamily="49" charset="0"/>
+            </a:endParaRPr>
+          </a:p>
+        </p:txBody>
+      </p:sp>
+    </p:spTree>
+    <p:extLst>
+      <p:ext uri="{BB962C8B-B14F-4D97-AF65-F5344CB8AC3E}">
+        <p14:creationId xmlns:p14="http://schemas.microsoft.com/office/powerpoint/2010/main" val="1940139458"/>
+      </p:ext>
+    </p:extLst>
+  </p:cSld>
+  <p:clrMapOvr>
+    <a:masterClrMapping/>
+  </p:clrMapOvr>
+</p:sld>
+</file>
+
+<file path=ppt/slides/slide27.xml><?xml version="1.0" encoding="utf-8"?>
+<p:sld xmlns:a="http://schemas.openxmlformats.org/drawingml/2006/main" xmlns:r="http://schemas.openxmlformats.org/officeDocument/2006/relationships" xmlns:p="http://schemas.openxmlformats.org/presentationml/2006/main">
+  <p:cSld>
+    <p:bg>
+      <p:bgPr>
+        <a:solidFill>
+          <a:schemeClr val="tx1"/>
+        </a:solidFill>
+        <a:effectLst/>
+      </p:bgPr>
+    </p:bg>
+    <p:spTree>
+      <p:nvGrpSpPr>
+        <p:cNvPr id="1" name=""/>
+        <p:cNvGrpSpPr/>
+        <p:nvPr/>
+      </p:nvGrpSpPr>
+      <p:grpSpPr>
+        <a:xfrm>
+          <a:off x="0" y="0"/>
+          <a:ext cx="0" cy="0"/>
+          <a:chOff x="0" y="0"/>
+          <a:chExt cx="0" cy="0"/>
+        </a:xfrm>
+      </p:grpSpPr>
+      <p:sp>
+        <p:nvSpPr>
+          <p:cNvPr id="2" name="Title 1">
+            <a:extLst>
+              <a:ext uri="{FF2B5EF4-FFF2-40B4-BE49-F238E27FC236}">
+                <a16:creationId xmlns:a16="http://schemas.microsoft.com/office/drawing/2014/main" id="{19EA5153-02FE-421E-9C0B-7A016168D0A0}"/>
+              </a:ext>
+            </a:extLst>
+          </p:cNvPr>
+          <p:cNvSpPr>
+            <a:spLocks noGrp="1"/>
+          </p:cNvSpPr>
+          <p:nvPr>
+            <p:ph type="title"/>
+          </p:nvPr>
+        </p:nvSpPr>
+        <p:spPr>
+          <a:xfrm>
+            <a:off x="838200" y="330600"/>
+            <a:ext cx="10515600" cy="1325563"/>
+          </a:xfrm>
+          <a:solidFill>
+            <a:schemeClr val="tx1"/>
+          </a:solidFill>
+        </p:spPr>
+        <p:txBody>
+          <a:bodyPr/>
+          <a:lstStyle/>
+          <a:p>
+            <a:r>
+              <a:rPr lang="en-US" dirty="0">
+                <a:solidFill>
+                  <a:schemeClr val="bg1"/>
+                </a:solidFill>
+                <a:latin typeface="Consolas" panose="020B0609020204030204" pitchFamily="49" charset="0"/>
+              </a:rPr>
+              <a:t>PITFALLS</a:t>
+            </a:r>
+          </a:p>
+        </p:txBody>
+      </p:sp>
+      <p:sp>
+        <p:nvSpPr>
+          <p:cNvPr id="5" name="Content Placeholder 4">
+            <a:extLst>
+              <a:ext uri="{FF2B5EF4-FFF2-40B4-BE49-F238E27FC236}">
+                <a16:creationId xmlns:a16="http://schemas.microsoft.com/office/drawing/2014/main" id="{74F0431A-7532-442C-BC88-A38AD90F9A27}"/>
+              </a:ext>
+            </a:extLst>
+          </p:cNvPr>
+          <p:cNvSpPr>
+            <a:spLocks noGrp="1"/>
+          </p:cNvSpPr>
+          <p:nvPr>
+            <p:ph idx="1"/>
+          </p:nvPr>
+        </p:nvSpPr>
+        <p:spPr/>
+        <p:txBody>
+          <a:bodyPr anchor="ctr"/>
+          <a:lstStyle/>
+          <a:p>
+            <a:r>
+              <a:rPr lang="en-US" dirty="0">
+                <a:solidFill>
+                  <a:schemeClr val="bg1"/>
+                </a:solidFill>
+                <a:latin typeface="Consolas" panose="020B0609020204030204" pitchFamily="49" charset="0"/>
+              </a:rPr>
+              <a:t>Should be applied for each and every resource</a:t>
+            </a:r>
+          </a:p>
+        </p:txBody>
+      </p:sp>
+    </p:spTree>
+    <p:extLst>
+      <p:ext uri="{BB962C8B-B14F-4D97-AF65-F5344CB8AC3E}">
+        <p14:creationId xmlns:p14="http://schemas.microsoft.com/office/powerpoint/2010/main" val="2613334181"/>
+      </p:ext>
+    </p:extLst>
+  </p:cSld>
+  <p:clrMapOvr>
+    <a:masterClrMapping/>
+  </p:clrMapOvr>
+</p:sld>
+</file>
+
+<file path=ppt/slides/slide28.xml><?xml version="1.0" encoding="utf-8"?>
+<p:sld xmlns:a="http://schemas.openxmlformats.org/drawingml/2006/main" xmlns:r="http://schemas.openxmlformats.org/officeDocument/2006/relationships" xmlns:p="http://schemas.openxmlformats.org/presentationml/2006/main">
+  <p:cSld>
+    <p:bg>
+      <p:bgPr>
+        <a:solidFill>
+          <a:schemeClr val="tx1"/>
+        </a:solidFill>
+        <a:effectLst/>
+      </p:bgPr>
+    </p:bg>
+    <p:spTree>
+      <p:nvGrpSpPr>
+        <p:cNvPr id="1" name=""/>
+        <p:cNvGrpSpPr/>
+        <p:nvPr/>
+      </p:nvGrpSpPr>
+      <p:grpSpPr>
+        <a:xfrm>
+          <a:off x="0" y="0"/>
+          <a:ext cx="0" cy="0"/>
+          <a:chOff x="0" y="0"/>
+          <a:chExt cx="0" cy="0"/>
+        </a:xfrm>
+      </p:grpSpPr>
+      <p:sp>
+        <p:nvSpPr>
+          <p:cNvPr id="2" name="Title 1">
+            <a:extLst>
+              <a:ext uri="{FF2B5EF4-FFF2-40B4-BE49-F238E27FC236}">
+                <a16:creationId xmlns:a16="http://schemas.microsoft.com/office/drawing/2014/main" id="{19EA5153-02FE-421E-9C0B-7A016168D0A0}"/>
+              </a:ext>
+            </a:extLst>
+          </p:cNvPr>
+          <p:cNvSpPr>
+            <a:spLocks noGrp="1"/>
+          </p:cNvSpPr>
+          <p:nvPr>
+            <p:ph type="title"/>
+          </p:nvPr>
+        </p:nvSpPr>
+        <p:spPr>
+          <a:xfrm>
+            <a:off x="838200" y="330600"/>
+            <a:ext cx="10515600" cy="1325563"/>
+          </a:xfrm>
+          <a:solidFill>
+            <a:schemeClr val="tx1"/>
+          </a:solidFill>
+        </p:spPr>
+        <p:txBody>
+          <a:bodyPr/>
+          <a:lstStyle/>
+          <a:p>
+            <a:r>
+              <a:rPr lang="en-US" dirty="0">
+                <a:solidFill>
+                  <a:schemeClr val="bg1"/>
+                </a:solidFill>
+                <a:latin typeface="Consolas" panose="020B0609020204030204" pitchFamily="49" charset="0"/>
+              </a:rPr>
+              <a:t>CAN I USE</a:t>
+            </a:r>
+          </a:p>
+        </p:txBody>
+      </p:sp>
+      <p:sp>
+        <p:nvSpPr>
+          <p:cNvPr id="5" name="Content Placeholder 4">
+            <a:extLst>
+              <a:ext uri="{FF2B5EF4-FFF2-40B4-BE49-F238E27FC236}">
+                <a16:creationId xmlns:a16="http://schemas.microsoft.com/office/drawing/2014/main" id="{BF9AD23B-2DE2-4B22-9CCB-D5C174FFAF95}"/>
+              </a:ext>
+            </a:extLst>
+          </p:cNvPr>
+          <p:cNvSpPr>
+            <a:spLocks noGrp="1"/>
+          </p:cNvSpPr>
+          <p:nvPr>
+            <p:ph idx="1"/>
+          </p:nvPr>
+        </p:nvSpPr>
+        <p:spPr/>
+        <p:txBody>
+          <a:bodyPr/>
+          <a:lstStyle/>
+          <a:p>
+            <a:endParaRPr lang="en-US" dirty="0"/>
+          </a:p>
+        </p:txBody>
+      </p:sp>
+      <p:pic>
+        <p:nvPicPr>
+          <p:cNvPr id="4" name="Picture 3">
+            <a:extLst>
+              <a:ext uri="{FF2B5EF4-FFF2-40B4-BE49-F238E27FC236}">
+                <a16:creationId xmlns:a16="http://schemas.microsoft.com/office/drawing/2014/main" id="{A42369D7-29DE-483B-8468-442A53113A66}"/>
+              </a:ext>
+            </a:extLst>
+          </p:cNvPr>
+          <p:cNvPicPr>
+            <a:picLocks noChangeAspect="1"/>
+          </p:cNvPicPr>
+          <p:nvPr/>
+        </p:nvPicPr>
+        <p:blipFill>
+          <a:blip r:embed="rId2"/>
+          <a:stretch>
+            <a:fillRect/>
+          </a:stretch>
+        </p:blipFill>
+        <p:spPr>
+          <a:xfrm>
+            <a:off x="838200" y="2784344"/>
+            <a:ext cx="10515600" cy="2433900"/>
+          </a:xfrm>
+          <a:prstGeom prst="rect">
+            <a:avLst/>
+          </a:prstGeom>
+        </p:spPr>
+      </p:pic>
+    </p:spTree>
+    <p:extLst>
+      <p:ext uri="{BB962C8B-B14F-4D97-AF65-F5344CB8AC3E}">
+        <p14:creationId xmlns:p14="http://schemas.microsoft.com/office/powerpoint/2010/main" val="1078951421"/>
+      </p:ext>
+    </p:extLst>
+  </p:cSld>
+  <p:clrMapOvr>
+    <a:masterClrMapping/>
+  </p:clrMapOvr>
+</p:sld>
+</file>
+
+<file path=ppt/slides/slide29.xml><?xml version="1.0" encoding="utf-8"?>
+<p:sld xmlns:a="http://schemas.openxmlformats.org/drawingml/2006/main" xmlns:r="http://schemas.openxmlformats.org/officeDocument/2006/relationships" xmlns:p="http://schemas.openxmlformats.org/presentationml/2006/main">
+  <p:cSld>
+    <p:bg>
+      <p:bgPr>
+        <a:solidFill>
+          <a:schemeClr val="tx1"/>
+        </a:solidFill>
+        <a:effectLst/>
+      </p:bgPr>
+    </p:bg>
+    <p:spTree>
+      <p:nvGrpSpPr>
+        <p:cNvPr id="1" name=""/>
+        <p:cNvGrpSpPr/>
+        <p:nvPr/>
+      </p:nvGrpSpPr>
+      <p:grpSpPr>
+        <a:xfrm>
+          <a:off x="0" y="0"/>
+          <a:ext cx="0" cy="0"/>
+          <a:chOff x="0" y="0"/>
+          <a:chExt cx="0" cy="0"/>
+        </a:xfrm>
+      </p:grpSpPr>
+      <p:sp>
+        <p:nvSpPr>
+          <p:cNvPr id="2" name="Title 1">
+            <a:extLst>
+              <a:ext uri="{FF2B5EF4-FFF2-40B4-BE49-F238E27FC236}">
+                <a16:creationId xmlns:a16="http://schemas.microsoft.com/office/drawing/2014/main" id="{B4E042DA-BBDB-4833-ADDD-4970CEB1A6D3}"/>
+              </a:ext>
+            </a:extLst>
+          </p:cNvPr>
+          <p:cNvSpPr>
+            <a:spLocks noGrp="1"/>
+          </p:cNvSpPr>
+          <p:nvPr>
+            <p:ph type="ctrTitle"/>
+          </p:nvPr>
+        </p:nvSpPr>
+        <p:spPr>
+          <a:xfrm>
+            <a:off x="914401" y="1122363"/>
+            <a:ext cx="10409582" cy="2387600"/>
+          </a:xfrm>
+        </p:spPr>
+        <p:txBody>
+          <a:bodyPr>
+            <a:normAutofit/>
+          </a:bodyPr>
+          <a:lstStyle/>
+          <a:p>
+            <a:r>
+              <a:rPr lang="en-US" sz="5400" dirty="0">
+                <a:solidFill>
+                  <a:schemeClr val="bg1"/>
+                </a:solidFill>
+                <a:latin typeface="Consolas" panose="020B0609020204030204" pitchFamily="49" charset="0"/>
+              </a:rPr>
+              <a:t>REFERRER-POLICY</a:t>
+            </a:r>
+          </a:p>
+        </p:txBody>
+      </p:sp>
+      <p:sp>
+        <p:nvSpPr>
+          <p:cNvPr id="3" name="Subtitle 2">
+            <a:extLst>
+              <a:ext uri="{FF2B5EF4-FFF2-40B4-BE49-F238E27FC236}">
+                <a16:creationId xmlns:a16="http://schemas.microsoft.com/office/drawing/2014/main" id="{2E29D3D5-BE75-451C-8BFD-D64CE9586065}"/>
+              </a:ext>
+            </a:extLst>
+          </p:cNvPr>
+          <p:cNvSpPr>
+            <a:spLocks noGrp="1"/>
+          </p:cNvSpPr>
+          <p:nvPr>
+            <p:ph type="subTitle" idx="1"/>
+          </p:nvPr>
+        </p:nvSpPr>
+        <p:spPr/>
+        <p:txBody>
+          <a:bodyPr>
+            <a:normAutofit/>
+          </a:bodyPr>
+          <a:lstStyle/>
+          <a:p>
+            <a:r>
+              <a:rPr lang="en-US" sz="2800" u="sng" dirty="0">
+                <a:solidFill>
+                  <a:schemeClr val="bg1"/>
+                </a:solidFill>
+                <a:latin typeface="Consolas" panose="020B0609020204030204" pitchFamily="49" charset="0"/>
+              </a:rPr>
+              <a:t>don’t share</a:t>
+            </a:r>
+          </a:p>
+        </p:txBody>
+      </p:sp>
+    </p:spTree>
+    <p:extLst>
+      <p:ext uri="{BB962C8B-B14F-4D97-AF65-F5344CB8AC3E}">
+        <p14:creationId xmlns:p14="http://schemas.microsoft.com/office/powerpoint/2010/main" val="2804862202"/>
+      </p:ext>
+    </p:extLst>
+  </p:cSld>
+  <p:clrMapOvr>
+    <a:masterClrMapping/>
+  </p:clrMapOvr>
+</p:sld>
+</file>
+
+<file path=ppt/slides/slide3.xml><?xml version="1.0" encoding="utf-8"?>
 <p:sld xmlns:a="http://schemas.openxmlformats.org/drawingml/2006/main" xmlns:r="http://schemas.openxmlformats.org/officeDocument/2006/relationships" xmlns:p="http://schemas.openxmlformats.org/presentationml/2006/main">
   <p:cSld>
     <p:bg>
@@ -5585,7 +7676,12 @@
             <p:ph type="subTitle" idx="1"/>
           </p:nvPr>
         </p:nvSpPr>
-        <p:spPr/>
+        <p:spPr>
+          <a:xfrm>
+            <a:off x="662609" y="2853565"/>
+            <a:ext cx="4976191" cy="3355078"/>
+          </a:xfrm>
+        </p:spPr>
         <p:txBody>
           <a:bodyPr>
             <a:normAutofit/>
@@ -5611,6 +7707,18 @@
               <a:buFont typeface="Arial" panose="020B0604020202020204" pitchFamily="34" charset="0"/>
               <a:buChar char="•"/>
             </a:pPr>
+            <a:endParaRPr lang="en-US" sz="2800" u="sng" dirty="0">
+              <a:solidFill>
+                <a:schemeClr val="bg1"/>
+              </a:solidFill>
+              <a:latin typeface="Consolas" panose="020B0609020204030204" pitchFamily="49" charset="0"/>
+            </a:endParaRPr>
+          </a:p>
+          <a:p>
+            <a:pPr marL="457200" indent="-457200" algn="l">
+              <a:buFont typeface="Arial" panose="020B0604020202020204" pitchFamily="34" charset="0"/>
+              <a:buChar char="•"/>
+            </a:pPr>
             <a:r>
               <a:rPr lang="en-US" sz="2800" u="sng" dirty="0">
                 <a:solidFill>
@@ -5619,6 +7727,233 @@
                 <a:latin typeface="Consolas" panose="020B0609020204030204" pitchFamily="49" charset="0"/>
               </a:rPr>
               <a:t>I don't have anything valuable to become a target</a:t>
+            </a:r>
+          </a:p>
+        </p:txBody>
+      </p:sp>
+      <p:pic>
+        <p:nvPicPr>
+          <p:cNvPr id="5" name="Picture 4" descr="A picture containing drawing&#10;&#10;Description automatically generated">
+            <a:extLst>
+              <a:ext uri="{FF2B5EF4-FFF2-40B4-BE49-F238E27FC236}">
+                <a16:creationId xmlns:a16="http://schemas.microsoft.com/office/drawing/2014/main" id="{0521AEC4-ABFE-4926-BE37-8F36946BDEF1}"/>
+              </a:ext>
+            </a:extLst>
+          </p:cNvPr>
+          <p:cNvPicPr>
+            <a:picLocks noChangeAspect="1"/>
+          </p:cNvPicPr>
+          <p:nvPr/>
+        </p:nvPicPr>
+        <p:blipFill>
+          <a:blip r:embed="rId2">
+            <a:extLst>
+              <a:ext uri="{28A0092B-C50C-407E-A947-70E740481C1C}">
+                <a14:useLocalDpi xmlns:a14="http://schemas.microsoft.com/office/drawing/2010/main" val="0"/>
+              </a:ext>
+            </a:extLst>
+          </a:blip>
+          <a:stretch>
+            <a:fillRect/>
+          </a:stretch>
+        </p:blipFill>
+        <p:spPr>
+          <a:xfrm>
+            <a:off x="5396299" y="2853565"/>
+            <a:ext cx="1252745" cy="801757"/>
+          </a:xfrm>
+          <a:prstGeom prst="rect">
+            <a:avLst/>
+          </a:prstGeom>
+        </p:spPr>
+      </p:pic>
+      <p:pic>
+        <p:nvPicPr>
+          <p:cNvPr id="9" name="Picture 8" descr="A picture containing drawing&#10;&#10;Description automatically generated">
+            <a:extLst>
+              <a:ext uri="{FF2B5EF4-FFF2-40B4-BE49-F238E27FC236}">
+                <a16:creationId xmlns:a16="http://schemas.microsoft.com/office/drawing/2014/main" id="{18356B18-0CA2-4498-85B6-5A43D89BD09F}"/>
+              </a:ext>
+            </a:extLst>
+          </p:cNvPr>
+          <p:cNvPicPr>
+            <a:picLocks noChangeAspect="1"/>
+          </p:cNvPicPr>
+          <p:nvPr/>
+        </p:nvPicPr>
+        <p:blipFill>
+          <a:blip r:embed="rId3">
+            <a:extLst>
+              <a:ext uri="{28A0092B-C50C-407E-A947-70E740481C1C}">
+                <a14:useLocalDpi xmlns:a14="http://schemas.microsoft.com/office/drawing/2010/main" val="0"/>
+              </a:ext>
+            </a:extLst>
+          </a:blip>
+          <a:stretch>
+            <a:fillRect/>
+          </a:stretch>
+        </p:blipFill>
+        <p:spPr>
+          <a:xfrm>
+            <a:off x="6649044" y="2883174"/>
+            <a:ext cx="801757" cy="801757"/>
+          </a:xfrm>
+          <a:prstGeom prst="rect">
+            <a:avLst/>
+          </a:prstGeom>
+        </p:spPr>
+      </p:pic>
+      <p:pic>
+        <p:nvPicPr>
+          <p:cNvPr id="13" name="Picture 12" descr="A close up of a logo&#10;&#10;Description automatically generated">
+            <a:extLst>
+              <a:ext uri="{FF2B5EF4-FFF2-40B4-BE49-F238E27FC236}">
+                <a16:creationId xmlns:a16="http://schemas.microsoft.com/office/drawing/2014/main" id="{45415A5F-CF6E-4EA5-ACB1-3E02C103BAFD}"/>
+              </a:ext>
+            </a:extLst>
+          </p:cNvPr>
+          <p:cNvPicPr>
+            <a:picLocks noChangeAspect="1"/>
+          </p:cNvPicPr>
+          <p:nvPr/>
+        </p:nvPicPr>
+        <p:blipFill>
+          <a:blip r:embed="rId4">
+            <a:extLst>
+              <a:ext uri="{28A0092B-C50C-407E-A947-70E740481C1C}">
+                <a14:useLocalDpi xmlns:a14="http://schemas.microsoft.com/office/drawing/2010/main" val="0"/>
+              </a:ext>
+            </a:extLst>
+          </a:blip>
+          <a:stretch>
+            <a:fillRect/>
+          </a:stretch>
+        </p:blipFill>
+        <p:spPr>
+          <a:xfrm>
+            <a:off x="8926954" y="2853564"/>
+            <a:ext cx="855207" cy="801757"/>
+          </a:xfrm>
+          <a:prstGeom prst="rect">
+            <a:avLst/>
+          </a:prstGeom>
+        </p:spPr>
+      </p:pic>
+      <p:pic>
+        <p:nvPicPr>
+          <p:cNvPr id="15" name="Picture 14" descr="A close up of a black background&#10;&#10;Description automatically generated">
+            <a:extLst>
+              <a:ext uri="{FF2B5EF4-FFF2-40B4-BE49-F238E27FC236}">
+                <a16:creationId xmlns:a16="http://schemas.microsoft.com/office/drawing/2014/main" id="{48826835-35C7-4DA6-9455-B386A7D7658C}"/>
+              </a:ext>
+            </a:extLst>
+          </p:cNvPr>
+          <p:cNvPicPr>
+            <a:picLocks noChangeAspect="1"/>
+          </p:cNvPicPr>
+          <p:nvPr/>
+        </p:nvPicPr>
+        <p:blipFill>
+          <a:blip r:embed="rId5">
+            <a:extLst>
+              <a:ext uri="{28A0092B-C50C-407E-A947-70E740481C1C}">
+                <a14:useLocalDpi xmlns:a14="http://schemas.microsoft.com/office/drawing/2010/main" val="0"/>
+              </a:ext>
+            </a:extLst>
+          </a:blip>
+          <a:stretch>
+            <a:fillRect/>
+          </a:stretch>
+        </p:blipFill>
+        <p:spPr>
+          <a:xfrm>
+            <a:off x="7818852" y="2915890"/>
+            <a:ext cx="740051" cy="740051"/>
+          </a:xfrm>
+          <a:prstGeom prst="rect">
+            <a:avLst/>
+          </a:prstGeom>
+          <a:solidFill>
+            <a:schemeClr val="bg1"/>
+          </a:solidFill>
+        </p:spPr>
+      </p:pic>
+      <p:sp>
+        <p:nvSpPr>
+          <p:cNvPr id="18" name="TextBox 17">
+            <a:extLst>
+              <a:ext uri="{FF2B5EF4-FFF2-40B4-BE49-F238E27FC236}">
+                <a16:creationId xmlns:a16="http://schemas.microsoft.com/office/drawing/2014/main" id="{6ED9DB6E-7BD2-470C-8B73-9E4AE5435E8B}"/>
+              </a:ext>
+            </a:extLst>
+          </p:cNvPr>
+          <p:cNvSpPr txBox="1"/>
+          <p:nvPr/>
+        </p:nvSpPr>
+        <p:spPr>
+          <a:xfrm>
+            <a:off x="5638799" y="4270513"/>
+            <a:ext cx="1729409" cy="830997"/>
+          </a:xfrm>
+          <a:prstGeom prst="rect">
+            <a:avLst/>
+          </a:prstGeom>
+          <a:noFill/>
+        </p:spPr>
+        <p:txBody>
+          <a:bodyPr wrap="square" rtlCol="0">
+            <a:spAutoFit/>
+          </a:bodyPr>
+          <a:lstStyle/>
+          <a:p>
+            <a:r>
+              <a:rPr lang="en-US" sz="2400" dirty="0">
+                <a:solidFill>
+                  <a:srgbClr val="C00000"/>
+                </a:solidFill>
+                <a:latin typeface="Consolas" panose="020B0609020204030204" pitchFamily="49" charset="0"/>
+              </a:rPr>
+              <a:t>Automated scanners</a:t>
+            </a:r>
+          </a:p>
+        </p:txBody>
+      </p:sp>
+      <p:sp>
+        <p:nvSpPr>
+          <p:cNvPr id="19" name="TextBox 18">
+            <a:extLst>
+              <a:ext uri="{FF2B5EF4-FFF2-40B4-BE49-F238E27FC236}">
+                <a16:creationId xmlns:a16="http://schemas.microsoft.com/office/drawing/2014/main" id="{8797D6F5-E057-4C82-BF47-AF82C8482F3E}"/>
+              </a:ext>
+            </a:extLst>
+          </p:cNvPr>
+          <p:cNvSpPr txBox="1"/>
+          <p:nvPr/>
+        </p:nvSpPr>
+        <p:spPr>
+          <a:xfrm>
+            <a:off x="7450801" y="4270513"/>
+            <a:ext cx="1729409" cy="830997"/>
+          </a:xfrm>
+          <a:prstGeom prst="rect">
+            <a:avLst/>
+          </a:prstGeom>
+          <a:noFill/>
+        </p:spPr>
+        <p:txBody>
+          <a:bodyPr wrap="square" rtlCol="0">
+            <a:spAutoFit/>
+          </a:bodyPr>
+          <a:lstStyle/>
+          <a:p>
+            <a:r>
+              <a:rPr lang="en-US" sz="2400" dirty="0">
+                <a:solidFill>
+                  <a:srgbClr val="C00000"/>
+                </a:solidFill>
+                <a:latin typeface="Consolas" panose="020B0609020204030204" pitchFamily="49" charset="0"/>
+              </a:rPr>
+              <a:t>Partner’s breach</a:t>
             </a:r>
           </a:p>
         </p:txBody>
@@ -5626,7 +7961,7 @@
     </p:spTree>
     <p:extLst>
       <p:ext uri="{BB962C8B-B14F-4D97-AF65-F5344CB8AC3E}">
-        <p14:creationId xmlns:p14="http://schemas.microsoft.com/office/powerpoint/2010/main" val="105502802"/>
+        <p14:creationId xmlns:p14="http://schemas.microsoft.com/office/powerpoint/2010/main" val="2066079481"/>
       </p:ext>
     </p:extLst>
   </p:cSld>
@@ -5716,11 +8051,281 @@
                                           </p:stCondLst>
                                         </p:cTn>
                                         <p:tgtEl>
+                                          <p:spTgt spid="5"/>
+                                        </p:tgtEl>
+                                        <p:attrNameLst>
+                                          <p:attrName>style.visibility</p:attrName>
+                                        </p:attrNameLst>
+                                      </p:cBhvr>
+                                      <p:to>
+                                        <p:strVal val="visible"/>
+                                      </p:to>
+                                    </p:set>
+                                  </p:childTnLst>
+                                </p:cTn>
+                              </p:par>
+                            </p:childTnLst>
+                          </p:cTn>
+                        </p:par>
+                      </p:childTnLst>
+                    </p:cTn>
+                  </p:par>
+                  <p:par>
+                    <p:cTn id="11" fill="hold">
+                      <p:stCondLst>
+                        <p:cond delay="indefinite"/>
+                      </p:stCondLst>
+                      <p:childTnLst>
+                        <p:par>
+                          <p:cTn id="12" fill="hold">
+                            <p:stCondLst>
+                              <p:cond delay="0"/>
+                            </p:stCondLst>
+                            <p:childTnLst>
+                              <p:par>
+                                <p:cTn id="13" presetID="1" presetClass="entr" presetSubtype="0" fill="hold" nodeType="clickEffect">
+                                  <p:stCondLst>
+                                    <p:cond delay="0"/>
+                                  </p:stCondLst>
+                                  <p:childTnLst>
+                                    <p:set>
+                                      <p:cBhvr>
+                                        <p:cTn id="14" dur="1" fill="hold">
+                                          <p:stCondLst>
+                                            <p:cond delay="0"/>
+                                          </p:stCondLst>
+                                        </p:cTn>
+                                        <p:tgtEl>
+                                          <p:spTgt spid="9"/>
+                                        </p:tgtEl>
+                                        <p:attrNameLst>
+                                          <p:attrName>style.visibility</p:attrName>
+                                        </p:attrNameLst>
+                                      </p:cBhvr>
+                                      <p:to>
+                                        <p:strVal val="visible"/>
+                                      </p:to>
+                                    </p:set>
+                                  </p:childTnLst>
+                                </p:cTn>
+                              </p:par>
+                            </p:childTnLst>
+                          </p:cTn>
+                        </p:par>
+                      </p:childTnLst>
+                    </p:cTn>
+                  </p:par>
+                  <p:par>
+                    <p:cTn id="15" fill="hold">
+                      <p:stCondLst>
+                        <p:cond delay="indefinite"/>
+                      </p:stCondLst>
+                      <p:childTnLst>
+                        <p:par>
+                          <p:cTn id="16" fill="hold">
+                            <p:stCondLst>
+                              <p:cond delay="0"/>
+                            </p:stCondLst>
+                            <p:childTnLst>
+                              <p:par>
+                                <p:cTn id="17" presetID="1" presetClass="entr" presetSubtype="0" fill="hold" nodeType="clickEffect">
+                                  <p:stCondLst>
+                                    <p:cond delay="0"/>
+                                  </p:stCondLst>
+                                  <p:childTnLst>
+                                    <p:set>
+                                      <p:cBhvr>
+                                        <p:cTn id="18" dur="1" fill="hold">
+                                          <p:stCondLst>
+                                            <p:cond delay="0"/>
+                                          </p:stCondLst>
+                                        </p:cTn>
+                                        <p:tgtEl>
+                                          <p:spTgt spid="15"/>
+                                        </p:tgtEl>
+                                        <p:attrNameLst>
+                                          <p:attrName>style.visibility</p:attrName>
+                                        </p:attrNameLst>
+                                      </p:cBhvr>
+                                      <p:to>
+                                        <p:strVal val="visible"/>
+                                      </p:to>
+                                    </p:set>
+                                  </p:childTnLst>
+                                </p:cTn>
+                              </p:par>
+                            </p:childTnLst>
+                          </p:cTn>
+                        </p:par>
+                      </p:childTnLst>
+                    </p:cTn>
+                  </p:par>
+                  <p:par>
+                    <p:cTn id="19" fill="hold">
+                      <p:stCondLst>
+                        <p:cond delay="indefinite"/>
+                      </p:stCondLst>
+                      <p:childTnLst>
+                        <p:par>
+                          <p:cTn id="20" fill="hold">
+                            <p:stCondLst>
+                              <p:cond delay="0"/>
+                            </p:stCondLst>
+                            <p:childTnLst>
+                              <p:par>
+                                <p:cTn id="21" presetID="1" presetClass="entr" presetSubtype="0" fill="hold" nodeType="clickEffect">
+                                  <p:stCondLst>
+                                    <p:cond delay="0"/>
+                                  </p:stCondLst>
+                                  <p:childTnLst>
+                                    <p:set>
+                                      <p:cBhvr>
+                                        <p:cTn id="22" dur="1" fill="hold">
+                                          <p:stCondLst>
+                                            <p:cond delay="0"/>
+                                          </p:stCondLst>
+                                        </p:cTn>
+                                        <p:tgtEl>
+                                          <p:spTgt spid="13"/>
+                                        </p:tgtEl>
+                                        <p:attrNameLst>
+                                          <p:attrName>style.visibility</p:attrName>
+                                        </p:attrNameLst>
+                                      </p:cBhvr>
+                                      <p:to>
+                                        <p:strVal val="visible"/>
+                                      </p:to>
+                                    </p:set>
+                                  </p:childTnLst>
+                                </p:cTn>
+                              </p:par>
+                            </p:childTnLst>
+                          </p:cTn>
+                        </p:par>
+                      </p:childTnLst>
+                    </p:cTn>
+                  </p:par>
+                  <p:par>
+                    <p:cTn id="23" fill="hold">
+                      <p:stCondLst>
+                        <p:cond delay="indefinite"/>
+                      </p:stCondLst>
+                      <p:childTnLst>
+                        <p:par>
+                          <p:cTn id="24" fill="hold">
+                            <p:stCondLst>
+                              <p:cond delay="0"/>
+                            </p:stCondLst>
+                            <p:childTnLst>
+                              <p:par>
+                                <p:cTn id="25" presetID="1" presetClass="entr" presetSubtype="0" fill="hold" nodeType="clickEffect">
+                                  <p:stCondLst>
+                                    <p:cond delay="0"/>
+                                  </p:stCondLst>
+                                  <p:childTnLst>
+                                    <p:set>
+                                      <p:cBhvr>
+                                        <p:cTn id="26" dur="1" fill="hold">
+                                          <p:stCondLst>
+                                            <p:cond delay="0"/>
+                                          </p:stCondLst>
+                                        </p:cTn>
+                                        <p:tgtEl>
                                           <p:spTgt spid="3">
                                             <p:txEl>
-                                              <p:pRg st="1" end="1"/>
+                                              <p:pRg st="2" end="2"/>
                                             </p:txEl>
                                           </p:spTgt>
+                                        </p:tgtEl>
+                                        <p:attrNameLst>
+                                          <p:attrName>style.visibility</p:attrName>
+                                        </p:attrNameLst>
+                                      </p:cBhvr>
+                                      <p:to>
+                                        <p:strVal val="visible"/>
+                                      </p:to>
+                                    </p:set>
+                                  </p:childTnLst>
+                                </p:cTn>
+                              </p:par>
+                            </p:childTnLst>
+                          </p:cTn>
+                        </p:par>
+                      </p:childTnLst>
+                    </p:cTn>
+                  </p:par>
+                  <p:par>
+                    <p:cTn id="27" fill="hold">
+                      <p:stCondLst>
+                        <p:cond delay="indefinite"/>
+                      </p:stCondLst>
+                      <p:childTnLst>
+                        <p:par>
+                          <p:cTn id="28" fill="hold">
+                            <p:stCondLst>
+                              <p:cond delay="0"/>
+                            </p:stCondLst>
+                            <p:childTnLst>
+                              <p:par>
+                                <p:cTn id="29" presetID="1" presetClass="entr" presetSubtype="0" fill="hold" grpId="0" nodeType="clickEffect">
+                                  <p:stCondLst>
+                                    <p:cond delay="0"/>
+                                  </p:stCondLst>
+                                  <p:childTnLst>
+                                    <p:set>
+                                      <p:cBhvr>
+                                        <p:cTn id="30" dur="1" fill="hold">
+                                          <p:stCondLst>
+                                            <p:cond delay="0"/>
+                                          </p:stCondLst>
+                                        </p:cTn>
+                                        <p:tgtEl>
+                                          <p:spTgt spid="18"/>
+                                        </p:tgtEl>
+                                        <p:attrNameLst>
+                                          <p:attrName>style.visibility</p:attrName>
+                                        </p:attrNameLst>
+                                      </p:cBhvr>
+                                      <p:to>
+                                        <p:strVal val="visible"/>
+                                      </p:to>
+                                    </p:set>
+                                  </p:childTnLst>
+                                </p:cTn>
+                              </p:par>
+                            </p:childTnLst>
+                          </p:cTn>
+                        </p:par>
+                      </p:childTnLst>
+                    </p:cTn>
+                  </p:par>
+                  <p:par>
+                    <p:cTn id="31" fill="hold">
+                      <p:stCondLst>
+                        <p:cond delay="indefinite"/>
+                      </p:stCondLst>
+                      <p:childTnLst>
+                        <p:par>
+                          <p:cTn id="32" fill="hold">
+                            <p:stCondLst>
+                              <p:cond delay="0"/>
+                            </p:stCondLst>
+                            <p:childTnLst>
+                              <p:par>
+                                <p:cTn id="33" presetID="1" presetClass="entr" presetSubtype="0" fill="hold" grpId="0" nodeType="clickEffect">
+                                  <p:stCondLst>
+                                    <p:cond delay="0"/>
+                                  </p:stCondLst>
+                                  <p:childTnLst>
+                                    <p:set>
+                                      <p:cBhvr>
+                                        <p:cTn id="34" dur="1" fill="hold">
+                                          <p:stCondLst>
+                                            <p:cond delay="0"/>
+                                          </p:stCondLst>
+                                        </p:cTn>
+                                        <p:tgtEl>
+                                          <p:spTgt spid="19"/>
                                         </p:tgtEl>
                                         <p:attrNameLst>
                                           <p:attrName>style.visibility</p:attrName>
@@ -5760,11 +8365,225 @@
         </p:cTn>
       </p:par>
     </p:tnLst>
+    <p:bldLst>
+      <p:bldP spid="18" grpId="0"/>
+      <p:bldP spid="19" grpId="0"/>
+    </p:bldLst>
   </p:timing>
 </p:sld>
 </file>
 
-<file path=ppt/slides/slide20.xml><?xml version="1.0" encoding="utf-8"?>
+<file path=ppt/slides/slide30.xml><?xml version="1.0" encoding="utf-8"?>
+<p:sld xmlns:a="http://schemas.openxmlformats.org/drawingml/2006/main" xmlns:r="http://schemas.openxmlformats.org/officeDocument/2006/relationships" xmlns:p="http://schemas.openxmlformats.org/presentationml/2006/main">
+  <p:cSld>
+    <p:bg>
+      <p:bgPr>
+        <a:solidFill>
+          <a:schemeClr val="tx1"/>
+        </a:solidFill>
+        <a:effectLst/>
+      </p:bgPr>
+    </p:bg>
+    <p:spTree>
+      <p:nvGrpSpPr>
+        <p:cNvPr id="1" name=""/>
+        <p:cNvGrpSpPr/>
+        <p:nvPr/>
+      </p:nvGrpSpPr>
+      <p:grpSpPr>
+        <a:xfrm>
+          <a:off x="0" y="0"/>
+          <a:ext cx="0" cy="0"/>
+          <a:chOff x="0" y="0"/>
+          <a:chExt cx="0" cy="0"/>
+        </a:xfrm>
+      </p:grpSpPr>
+      <p:sp>
+        <p:nvSpPr>
+          <p:cNvPr id="5" name="TextBox 4">
+            <a:extLst>
+              <a:ext uri="{FF2B5EF4-FFF2-40B4-BE49-F238E27FC236}">
+                <a16:creationId xmlns:a16="http://schemas.microsoft.com/office/drawing/2014/main" id="{FACDB3C0-6E2B-42C3-B804-F7DFA9C93E1C}"/>
+              </a:ext>
+            </a:extLst>
+          </p:cNvPr>
+          <p:cNvSpPr txBox="1"/>
+          <p:nvPr/>
+        </p:nvSpPr>
+        <p:spPr>
+          <a:xfrm>
+            <a:off x="639418" y="2459504"/>
+            <a:ext cx="10913164" cy="1938992"/>
+          </a:xfrm>
+          <a:prstGeom prst="rect">
+            <a:avLst/>
+          </a:prstGeom>
+          <a:noFill/>
+        </p:spPr>
+        <p:txBody>
+          <a:bodyPr wrap="square" rtlCol="0">
+            <a:spAutoFit/>
+          </a:bodyPr>
+          <a:lstStyle/>
+          <a:p>
+            <a:r>
+              <a:rPr lang="en-US" sz="2000" dirty="0">
+                <a:solidFill>
+                  <a:schemeClr val="bg1"/>
+                </a:solidFill>
+                <a:latin typeface="Consolas" panose="020B0609020204030204" pitchFamily="49" charset="0"/>
+              </a:rPr>
+              <a:t>Alice has a forum about cats with lots of links to other resources. When a user clicks on the link, he is navigated to another web page, and this web page can gather some information about the source of the navigation. She values the privacy of the users and want to keep this information secret. She sets </a:t>
+            </a:r>
+            <a:r>
+              <a:rPr lang="en-US" sz="2000" dirty="0">
+                <a:highlight>
+                  <a:srgbClr val="C0C0C0"/>
+                </a:highlight>
+                <a:latin typeface="Consolas" panose="020B0609020204030204" pitchFamily="49" charset="0"/>
+              </a:rPr>
+              <a:t>Referrer-Policy: same-origin</a:t>
+            </a:r>
+            <a:r>
+              <a:rPr lang="en-US" sz="2000" dirty="0">
+                <a:solidFill>
+                  <a:schemeClr val="bg1"/>
+                </a:solidFill>
+                <a:latin typeface="Consolas" panose="020B0609020204030204" pitchFamily="49" charset="0"/>
+              </a:rPr>
+              <a:t>. Now, referrer information is hidden from other domains</a:t>
+            </a:r>
+          </a:p>
+        </p:txBody>
+      </p:sp>
+    </p:spTree>
+    <p:extLst>
+      <p:ext uri="{BB962C8B-B14F-4D97-AF65-F5344CB8AC3E}">
+        <p14:creationId xmlns:p14="http://schemas.microsoft.com/office/powerpoint/2010/main" val="4173149491"/>
+      </p:ext>
+    </p:extLst>
+  </p:cSld>
+  <p:clrMapOvr>
+    <a:masterClrMapping/>
+  </p:clrMapOvr>
+</p:sld>
+</file>
+
+<file path=ppt/slides/slide31.xml><?xml version="1.0" encoding="utf-8"?>
+<p:sld xmlns:a="http://schemas.openxmlformats.org/drawingml/2006/main" xmlns:r="http://schemas.openxmlformats.org/officeDocument/2006/relationships" xmlns:p="http://schemas.openxmlformats.org/presentationml/2006/main">
+  <p:cSld>
+    <p:bg>
+      <p:bgPr>
+        <a:solidFill>
+          <a:schemeClr val="tx1"/>
+        </a:solidFill>
+        <a:effectLst/>
+      </p:bgPr>
+    </p:bg>
+    <p:spTree>
+      <p:nvGrpSpPr>
+        <p:cNvPr id="1" name=""/>
+        <p:cNvGrpSpPr/>
+        <p:nvPr/>
+      </p:nvGrpSpPr>
+      <p:grpSpPr>
+        <a:xfrm>
+          <a:off x="0" y="0"/>
+          <a:ext cx="0" cy="0"/>
+          <a:chOff x="0" y="0"/>
+          <a:chExt cx="0" cy="0"/>
+        </a:xfrm>
+      </p:grpSpPr>
+      <p:sp>
+        <p:nvSpPr>
+          <p:cNvPr id="5" name="TextBox 4">
+            <a:extLst>
+              <a:ext uri="{FF2B5EF4-FFF2-40B4-BE49-F238E27FC236}">
+                <a16:creationId xmlns:a16="http://schemas.microsoft.com/office/drawing/2014/main" id="{FACDB3C0-6E2B-42C3-B804-F7DFA9C93E1C}"/>
+              </a:ext>
+            </a:extLst>
+          </p:cNvPr>
+          <p:cNvSpPr txBox="1"/>
+          <p:nvPr/>
+        </p:nvSpPr>
+        <p:spPr>
+          <a:xfrm>
+            <a:off x="1616766" y="2890391"/>
+            <a:ext cx="8958468" cy="1077218"/>
+          </a:xfrm>
+          <a:prstGeom prst="rect">
+            <a:avLst/>
+          </a:prstGeom>
+          <a:noFill/>
+        </p:spPr>
+        <p:txBody>
+          <a:bodyPr wrap="square" rtlCol="0">
+            <a:spAutoFit/>
+          </a:bodyPr>
+          <a:lstStyle/>
+          <a:p>
+            <a:r>
+              <a:rPr lang="en-US" sz="3200" dirty="0">
+                <a:solidFill>
+                  <a:schemeClr val="bg1"/>
+                </a:solidFill>
+                <a:latin typeface="Consolas" panose="020B0609020204030204" pitchFamily="49" charset="0"/>
+              </a:rPr>
+              <a:t>Deny </a:t>
+            </a:r>
+            <a:r>
+              <a:rPr lang="en-US" sz="3200" dirty="0">
+                <a:highlight>
+                  <a:srgbClr val="C0C0C0"/>
+                </a:highlight>
+                <a:latin typeface="Consolas" panose="020B0609020204030204" pitchFamily="49" charset="0"/>
+              </a:rPr>
+              <a:t>sharing</a:t>
+            </a:r>
+            <a:r>
+              <a:rPr lang="en-US" sz="3200" dirty="0">
+                <a:solidFill>
+                  <a:schemeClr val="bg1"/>
+                </a:solidFill>
+                <a:latin typeface="Consolas" panose="020B0609020204030204" pitchFamily="49" charset="0"/>
+              </a:rPr>
+              <a:t> referrer information with all or 3</a:t>
+            </a:r>
+            <a:r>
+              <a:rPr lang="en-US" sz="3200" baseline="30000" dirty="0">
+                <a:solidFill>
+                  <a:schemeClr val="bg1"/>
+                </a:solidFill>
+                <a:latin typeface="Consolas" panose="020B0609020204030204" pitchFamily="49" charset="0"/>
+              </a:rPr>
+              <a:t>rd</a:t>
+            </a:r>
+            <a:r>
+              <a:rPr lang="en-US" sz="3200" dirty="0">
+                <a:solidFill>
+                  <a:schemeClr val="bg1"/>
+                </a:solidFill>
+                <a:latin typeface="Consolas" panose="020B0609020204030204" pitchFamily="49" charset="0"/>
+              </a:rPr>
+              <a:t> party domains</a:t>
+            </a:r>
+          </a:p>
+        </p:txBody>
+      </p:sp>
+    </p:spTree>
+    <p:extLst>
+      <p:ext uri="{BB962C8B-B14F-4D97-AF65-F5344CB8AC3E}">
+        <p14:creationId xmlns:p14="http://schemas.microsoft.com/office/powerpoint/2010/main" val="1336083954"/>
+      </p:ext>
+    </p:extLst>
+  </p:cSld>
+  <p:clrMapOvr>
+    <a:masterClrMapping/>
+  </p:clrMapOvr>
+</p:sld>
+</file>
+
+<file path=ppt/slides/slide32.xml><?xml version="1.0" encoding="utf-8"?>
 <p:sld xmlns:a="http://schemas.openxmlformats.org/drawingml/2006/main" xmlns:r="http://schemas.openxmlformats.org/officeDocument/2006/relationships" xmlns:p="http://schemas.openxmlformats.org/presentationml/2006/main">
   <p:cSld>
     <p:bg>
@@ -5825,118 +8644,6 @@
                 </a:solidFill>
                 <a:latin typeface="Consolas" panose="020B0609020204030204" pitchFamily="49" charset="0"/>
               </a:rPr>
-              <a:t>PITFALLS</a:t>
-            </a:r>
-          </a:p>
-        </p:txBody>
-      </p:sp>
-      <p:sp>
-        <p:nvSpPr>
-          <p:cNvPr id="5" name="Content Placeholder 4">
-            <a:extLst>
-              <a:ext uri="{FF2B5EF4-FFF2-40B4-BE49-F238E27FC236}">
-                <a16:creationId xmlns:a16="http://schemas.microsoft.com/office/drawing/2014/main" id="{74F0431A-7532-442C-BC88-A38AD90F9A27}"/>
-              </a:ext>
-            </a:extLst>
-          </p:cNvPr>
-          <p:cNvSpPr>
-            <a:spLocks noGrp="1"/>
-          </p:cNvSpPr>
-          <p:nvPr>
-            <p:ph idx="1"/>
-          </p:nvPr>
-        </p:nvSpPr>
-        <p:spPr/>
-        <p:txBody>
-          <a:bodyPr anchor="ctr"/>
-          <a:lstStyle/>
-          <a:p>
-            <a:r>
-              <a:rPr lang="en-US" dirty="0">
-                <a:solidFill>
-                  <a:schemeClr val="bg1"/>
-                </a:solidFill>
-                <a:latin typeface="Consolas" panose="020B0609020204030204" pitchFamily="49" charset="0"/>
-              </a:rPr>
-              <a:t>Different support in different browsers, not 100% reliable</a:t>
-            </a:r>
-          </a:p>
-        </p:txBody>
-      </p:sp>
-    </p:spTree>
-    <p:extLst>
-      <p:ext uri="{BB962C8B-B14F-4D97-AF65-F5344CB8AC3E}">
-        <p14:creationId xmlns:p14="http://schemas.microsoft.com/office/powerpoint/2010/main" val="1028617851"/>
-      </p:ext>
-    </p:extLst>
-  </p:cSld>
-  <p:clrMapOvr>
-    <a:masterClrMapping/>
-  </p:clrMapOvr>
-</p:sld>
-</file>
-
-<file path=ppt/slides/slide21.xml><?xml version="1.0" encoding="utf-8"?>
-<p:sld xmlns:a="http://schemas.openxmlformats.org/drawingml/2006/main" xmlns:r="http://schemas.openxmlformats.org/officeDocument/2006/relationships" xmlns:p="http://schemas.openxmlformats.org/presentationml/2006/main">
-  <p:cSld>
-    <p:bg>
-      <p:bgPr>
-        <a:solidFill>
-          <a:schemeClr val="tx1"/>
-        </a:solidFill>
-        <a:effectLst/>
-      </p:bgPr>
-    </p:bg>
-    <p:spTree>
-      <p:nvGrpSpPr>
-        <p:cNvPr id="1" name=""/>
-        <p:cNvGrpSpPr/>
-        <p:nvPr/>
-      </p:nvGrpSpPr>
-      <p:grpSpPr>
-        <a:xfrm>
-          <a:off x="0" y="0"/>
-          <a:ext cx="0" cy="0"/>
-          <a:chOff x="0" y="0"/>
-          <a:chExt cx="0" cy="0"/>
-        </a:xfrm>
-      </p:grpSpPr>
-      <p:sp>
-        <p:nvSpPr>
-          <p:cNvPr id="2" name="Title 1">
-            <a:extLst>
-              <a:ext uri="{FF2B5EF4-FFF2-40B4-BE49-F238E27FC236}">
-                <a16:creationId xmlns:a16="http://schemas.microsoft.com/office/drawing/2014/main" id="{19EA5153-02FE-421E-9C0B-7A016168D0A0}"/>
-              </a:ext>
-            </a:extLst>
-          </p:cNvPr>
-          <p:cNvSpPr>
-            <a:spLocks noGrp="1"/>
-          </p:cNvSpPr>
-          <p:nvPr>
-            <p:ph type="title"/>
-          </p:nvPr>
-        </p:nvSpPr>
-        <p:spPr>
-          <a:xfrm>
-            <a:off x="838200" y="330600"/>
-            <a:ext cx="10515600" cy="1325563"/>
-          </a:xfrm>
-          <a:solidFill>
-            <a:schemeClr val="tx1"/>
-          </a:solidFill>
-        </p:spPr>
-        <p:txBody>
-          <a:bodyPr/>
-          <a:lstStyle/>
-          <a:p>
-            <a:r>
-              <a:rPr lang="en-US" dirty="0">
-                <a:solidFill>
-                  <a:schemeClr val="bg1"/>
-                </a:solidFill>
-                <a:latin typeface="Consolas" panose="020B0609020204030204" pitchFamily="49" charset="0"/>
-              </a:rPr>
               <a:t>CAN I USE</a:t>
             </a:r>
           </a:p>
@@ -5972,7 +8679,7 @@
           <p:cNvPr id="3" name="Picture 2">
             <a:extLst>
               <a:ext uri="{FF2B5EF4-FFF2-40B4-BE49-F238E27FC236}">
-                <a16:creationId xmlns:a16="http://schemas.microsoft.com/office/drawing/2014/main" id="{DDA30AD8-519A-447F-B0AD-16A0DF833C54}"/>
+                <a16:creationId xmlns:a16="http://schemas.microsoft.com/office/drawing/2014/main" id="{31167AB9-01DE-4322-A897-8A7E07611099}"/>
               </a:ext>
             </a:extLst>
           </p:cNvPr>
@@ -5989,8 +8696,8 @@
         </p:blipFill>
         <p:spPr>
           <a:xfrm>
-            <a:off x="838200" y="2619946"/>
-            <a:ext cx="10515600" cy="2762695"/>
+            <a:off x="845759" y="2527453"/>
+            <a:ext cx="10508041" cy="2729924"/>
           </a:xfrm>
           <a:prstGeom prst="rect">
             <a:avLst/>
@@ -6000,7 +8707,7 @@
     </p:spTree>
     <p:extLst>
       <p:ext uri="{BB962C8B-B14F-4D97-AF65-F5344CB8AC3E}">
-        <p14:creationId xmlns:p14="http://schemas.microsoft.com/office/powerpoint/2010/main" val="251909320"/>
+        <p14:creationId xmlns:p14="http://schemas.microsoft.com/office/powerpoint/2010/main" val="1835376383"/>
       </p:ext>
     </p:extLst>
   </p:cSld>
@@ -6010,7 +8717,7 @@
 </p:sld>
 </file>
 
-<file path=ppt/slides/slide22.xml><?xml version="1.0" encoding="utf-8"?>
+<file path=ppt/slides/slide33.xml><?xml version="1.0" encoding="utf-8"?>
 <p:sld xmlns:a="http://schemas.openxmlformats.org/drawingml/2006/main" xmlns:r="http://schemas.openxmlformats.org/officeDocument/2006/relationships" xmlns:p="http://schemas.openxmlformats.org/presentationml/2006/main">
   <p:cSld>
     <p:bg>
@@ -6070,1250 +8777,6 @@
                 </a:solidFill>
                 <a:latin typeface="Consolas" panose="020B0609020204030204" pitchFamily="49" charset="0"/>
               </a:rPr>
-              <a:t>STRICT-TRANSPORT-SECURITY</a:t>
-            </a:r>
-          </a:p>
-        </p:txBody>
-      </p:sp>
-      <p:sp>
-        <p:nvSpPr>
-          <p:cNvPr id="3" name="Subtitle 2">
-            <a:extLst>
-              <a:ext uri="{FF2B5EF4-FFF2-40B4-BE49-F238E27FC236}">
-                <a16:creationId xmlns:a16="http://schemas.microsoft.com/office/drawing/2014/main" id="{2E29D3D5-BE75-451C-8BFD-D64CE9586065}"/>
-              </a:ext>
-            </a:extLst>
-          </p:cNvPr>
-          <p:cNvSpPr>
-            <a:spLocks noGrp="1"/>
-          </p:cNvSpPr>
-          <p:nvPr>
-            <p:ph type="subTitle" idx="1"/>
-          </p:nvPr>
-        </p:nvSpPr>
-        <p:spPr/>
-        <p:txBody>
-          <a:bodyPr>
-            <a:normAutofit/>
-          </a:bodyPr>
-          <a:lstStyle/>
-          <a:p>
-            <a:r>
-              <a:rPr lang="en-US" sz="2800" u="sng" dirty="0">
-                <a:solidFill>
-                  <a:schemeClr val="bg1"/>
-                </a:solidFill>
-                <a:latin typeface="Consolas" panose="020B0609020204030204" pitchFamily="49" charset="0"/>
-              </a:rPr>
-              <a:t>don’t trust</a:t>
-            </a:r>
-          </a:p>
-        </p:txBody>
-      </p:sp>
-    </p:spTree>
-    <p:extLst>
-      <p:ext uri="{BB962C8B-B14F-4D97-AF65-F5344CB8AC3E}">
-        <p14:creationId xmlns:p14="http://schemas.microsoft.com/office/powerpoint/2010/main" val="2093041229"/>
-      </p:ext>
-    </p:extLst>
-  </p:cSld>
-  <p:clrMapOvr>
-    <a:masterClrMapping/>
-  </p:clrMapOvr>
-</p:sld>
-</file>
-
-<file path=ppt/slides/slide23.xml><?xml version="1.0" encoding="utf-8"?>
-<p:sld xmlns:a="http://schemas.openxmlformats.org/drawingml/2006/main" xmlns:r="http://schemas.openxmlformats.org/officeDocument/2006/relationships" xmlns:p="http://schemas.openxmlformats.org/presentationml/2006/main">
-  <p:cSld>
-    <p:bg>
-      <p:bgPr>
-        <a:solidFill>
-          <a:schemeClr val="tx1"/>
-        </a:solidFill>
-        <a:effectLst/>
-      </p:bgPr>
-    </p:bg>
-    <p:spTree>
-      <p:nvGrpSpPr>
-        <p:cNvPr id="1" name=""/>
-        <p:cNvGrpSpPr/>
-        <p:nvPr/>
-      </p:nvGrpSpPr>
-      <p:grpSpPr>
-        <a:xfrm>
-          <a:off x="0" y="0"/>
-          <a:ext cx="0" cy="0"/>
-          <a:chOff x="0" y="0"/>
-          <a:chExt cx="0" cy="0"/>
-        </a:xfrm>
-      </p:grpSpPr>
-      <p:sp>
-        <p:nvSpPr>
-          <p:cNvPr id="5" name="TextBox 4">
-            <a:extLst>
-              <a:ext uri="{FF2B5EF4-FFF2-40B4-BE49-F238E27FC236}">
-                <a16:creationId xmlns:a16="http://schemas.microsoft.com/office/drawing/2014/main" id="{FACDB3C0-6E2B-42C3-B804-F7DFA9C93E1C}"/>
-              </a:ext>
-            </a:extLst>
-          </p:cNvPr>
-          <p:cNvSpPr txBox="1"/>
-          <p:nvPr/>
-        </p:nvSpPr>
-        <p:spPr>
-          <a:xfrm>
-            <a:off x="593035" y="1536174"/>
-            <a:ext cx="10913164" cy="3785652"/>
-          </a:xfrm>
-          <a:prstGeom prst="rect">
-            <a:avLst/>
-          </a:prstGeom>
-          <a:noFill/>
-        </p:spPr>
-        <p:txBody>
-          <a:bodyPr wrap="square" rtlCol="0">
-            <a:spAutoFit/>
-          </a:bodyPr>
-          <a:lstStyle/>
-          <a:p>
-            <a:r>
-              <a:rPr lang="en-US" sz="2000" dirty="0">
-                <a:solidFill>
-                  <a:schemeClr val="bg1"/>
-                </a:solidFill>
-                <a:latin typeface="Consolas" panose="020B0609020204030204" pitchFamily="49" charset="0"/>
-              </a:rPr>
-              <a:t>Alice is sitting in a public place and use public WIFI. Evil Bob is sitting not very far from her and trying to sniff all non-encrypted traffic. Alice decides to visit some online-shop and uses an old and good link like www://my-example-shop.com. </a:t>
-            </a:r>
-          </a:p>
-          <a:p>
-            <a:endParaRPr lang="en-US" sz="2000" dirty="0">
-              <a:solidFill>
-                <a:schemeClr val="bg1"/>
-              </a:solidFill>
-              <a:latin typeface="Consolas" panose="020B0609020204030204" pitchFamily="49" charset="0"/>
-            </a:endParaRPr>
-          </a:p>
-          <a:p>
-            <a:r>
-              <a:rPr lang="en-US" sz="2000" dirty="0">
-                <a:solidFill>
-                  <a:schemeClr val="bg1"/>
-                </a:solidFill>
-                <a:latin typeface="Consolas" panose="020B0609020204030204" pitchFamily="49" charset="0"/>
-              </a:rPr>
-              <a:t>Evil Bob sees her request (it's not encrypted) and starts recording Alice's activity hoping to get credit card information. But, after the first request, the shop returns STS header: </a:t>
-            </a:r>
-            <a:r>
-              <a:rPr lang="en-US" sz="2000" dirty="0">
-                <a:highlight>
-                  <a:srgbClr val="C0C0C0"/>
-                </a:highlight>
-                <a:latin typeface="Consolas" panose="020B0609020204030204" pitchFamily="49" charset="0"/>
-              </a:rPr>
-              <a:t>Strict-Transport-Security: max-age=31536000</a:t>
-            </a:r>
-            <a:r>
-              <a:rPr lang="en-US" sz="2000" dirty="0">
-                <a:solidFill>
-                  <a:schemeClr val="bg1"/>
-                </a:solidFill>
-                <a:latin typeface="Consolas" panose="020B0609020204030204" pitchFamily="49" charset="0"/>
-              </a:rPr>
-              <a:t>. </a:t>
-            </a:r>
-          </a:p>
-          <a:p>
-            <a:endParaRPr lang="en-US" sz="2000" dirty="0">
-              <a:solidFill>
-                <a:schemeClr val="bg1"/>
-              </a:solidFill>
-              <a:latin typeface="Consolas" panose="020B0609020204030204" pitchFamily="49" charset="0"/>
-            </a:endParaRPr>
-          </a:p>
-          <a:p>
-            <a:r>
-              <a:rPr lang="en-US" sz="2000" dirty="0">
-                <a:solidFill>
-                  <a:schemeClr val="bg1"/>
-                </a:solidFill>
-                <a:latin typeface="Consolas" panose="020B0609020204030204" pitchFamily="49" charset="0"/>
-              </a:rPr>
-              <a:t>Now browsers automatically redirects Alice to the HTTPS version of the page. From now, Evil Bob sees only encrypted traffic and can't steal anything.</a:t>
-            </a:r>
-          </a:p>
-        </p:txBody>
-      </p:sp>
-    </p:spTree>
-    <p:extLst>
-      <p:ext uri="{BB962C8B-B14F-4D97-AF65-F5344CB8AC3E}">
-        <p14:creationId xmlns:p14="http://schemas.microsoft.com/office/powerpoint/2010/main" val="2452758824"/>
-      </p:ext>
-    </p:extLst>
-  </p:cSld>
-  <p:clrMapOvr>
-    <a:masterClrMapping/>
-  </p:clrMapOvr>
-</p:sld>
-</file>
-
-<file path=ppt/slides/slide24.xml><?xml version="1.0" encoding="utf-8"?>
-<p:sld xmlns:a="http://schemas.openxmlformats.org/drawingml/2006/main" xmlns:r="http://schemas.openxmlformats.org/officeDocument/2006/relationships" xmlns:p="http://schemas.openxmlformats.org/presentationml/2006/main">
-  <p:cSld>
-    <p:bg>
-      <p:bgPr>
-        <a:solidFill>
-          <a:schemeClr val="tx1"/>
-        </a:solidFill>
-        <a:effectLst/>
-      </p:bgPr>
-    </p:bg>
-    <p:spTree>
-      <p:nvGrpSpPr>
-        <p:cNvPr id="1" name=""/>
-        <p:cNvGrpSpPr/>
-        <p:nvPr/>
-      </p:nvGrpSpPr>
-      <p:grpSpPr>
-        <a:xfrm>
-          <a:off x="0" y="0"/>
-          <a:ext cx="0" cy="0"/>
-          <a:chOff x="0" y="0"/>
-          <a:chExt cx="0" cy="0"/>
-        </a:xfrm>
-      </p:grpSpPr>
-      <p:sp>
-        <p:nvSpPr>
-          <p:cNvPr id="5" name="TextBox 4">
-            <a:extLst>
-              <a:ext uri="{FF2B5EF4-FFF2-40B4-BE49-F238E27FC236}">
-                <a16:creationId xmlns:a16="http://schemas.microsoft.com/office/drawing/2014/main" id="{FACDB3C0-6E2B-42C3-B804-F7DFA9C93E1C}"/>
-              </a:ext>
-            </a:extLst>
-          </p:cNvPr>
-          <p:cNvSpPr txBox="1"/>
-          <p:nvPr/>
-        </p:nvSpPr>
-        <p:spPr>
-          <a:xfrm>
-            <a:off x="1249018" y="2890391"/>
-            <a:ext cx="9693964" cy="1077218"/>
-          </a:xfrm>
-          <a:prstGeom prst="rect">
-            <a:avLst/>
-          </a:prstGeom>
-          <a:noFill/>
-        </p:spPr>
-        <p:txBody>
-          <a:bodyPr wrap="square" rtlCol="0">
-            <a:spAutoFit/>
-          </a:bodyPr>
-          <a:lstStyle/>
-          <a:p>
-            <a:r>
-              <a:rPr lang="en-US" sz="3200" dirty="0">
-                <a:solidFill>
-                  <a:schemeClr val="bg1"/>
-                </a:solidFill>
-                <a:latin typeface="Consolas" panose="020B0609020204030204" pitchFamily="49" charset="0"/>
-              </a:rPr>
-              <a:t>Force browser </a:t>
-            </a:r>
-            <a:r>
-              <a:rPr lang="en-US" sz="3200" dirty="0">
-                <a:highlight>
-                  <a:srgbClr val="C0C0C0"/>
-                </a:highlight>
-                <a:latin typeface="Consolas" panose="020B0609020204030204" pitchFamily="49" charset="0"/>
-              </a:rPr>
-              <a:t>don’t trust</a:t>
-            </a:r>
-            <a:r>
-              <a:rPr lang="en-US" sz="3200" dirty="0">
-                <a:solidFill>
-                  <a:schemeClr val="bg1"/>
-                </a:solidFill>
-                <a:latin typeface="Consolas" panose="020B0609020204030204" pitchFamily="49" charset="0"/>
-              </a:rPr>
-              <a:t> user’s choice and always use HTTPS protocol</a:t>
-            </a:r>
-          </a:p>
-        </p:txBody>
-      </p:sp>
-    </p:spTree>
-    <p:extLst>
-      <p:ext uri="{BB962C8B-B14F-4D97-AF65-F5344CB8AC3E}">
-        <p14:creationId xmlns:p14="http://schemas.microsoft.com/office/powerpoint/2010/main" val="356299875"/>
-      </p:ext>
-    </p:extLst>
-  </p:cSld>
-  <p:clrMapOvr>
-    <a:masterClrMapping/>
-  </p:clrMapOvr>
-</p:sld>
-</file>
-
-<file path=ppt/slides/slide25.xml><?xml version="1.0" encoding="utf-8"?>
-<p:sld xmlns:a="http://schemas.openxmlformats.org/drawingml/2006/main" xmlns:r="http://schemas.openxmlformats.org/officeDocument/2006/relationships" xmlns:p="http://schemas.openxmlformats.org/presentationml/2006/main">
-  <p:cSld>
-    <p:bg>
-      <p:bgPr>
-        <a:solidFill>
-          <a:schemeClr val="tx1"/>
-        </a:solidFill>
-        <a:effectLst/>
-      </p:bgPr>
-    </p:bg>
-    <p:spTree>
-      <p:nvGrpSpPr>
-        <p:cNvPr id="1" name=""/>
-        <p:cNvGrpSpPr/>
-        <p:nvPr/>
-      </p:nvGrpSpPr>
-      <p:grpSpPr>
-        <a:xfrm>
-          <a:off x="0" y="0"/>
-          <a:ext cx="0" cy="0"/>
-          <a:chOff x="0" y="0"/>
-          <a:chExt cx="0" cy="0"/>
-        </a:xfrm>
-      </p:grpSpPr>
-      <p:sp>
-        <p:nvSpPr>
-          <p:cNvPr id="3" name="Rectangle 2">
-            <a:extLst>
-              <a:ext uri="{FF2B5EF4-FFF2-40B4-BE49-F238E27FC236}">
-                <a16:creationId xmlns:a16="http://schemas.microsoft.com/office/drawing/2014/main" id="{64EAA55B-D793-42C6-B25F-AECA115BE620}"/>
-              </a:ext>
-            </a:extLst>
-          </p:cNvPr>
-          <p:cNvSpPr/>
-          <p:nvPr/>
-        </p:nvSpPr>
-        <p:spPr>
-          <a:xfrm>
-            <a:off x="471383" y="3072056"/>
-            <a:ext cx="11249233" cy="584775"/>
-          </a:xfrm>
-          <a:prstGeom prst="rect">
-            <a:avLst/>
-          </a:prstGeom>
-        </p:spPr>
-        <p:txBody>
-          <a:bodyPr wrap="none">
-            <a:spAutoFit/>
-          </a:bodyPr>
-          <a:lstStyle/>
-          <a:p>
-            <a:r>
-              <a:rPr lang="en-US" sz="3200" dirty="0">
-                <a:highlight>
-                  <a:srgbClr val="C0C0C0"/>
-                </a:highlight>
-              </a:rPr>
-              <a:t>Strict-Transport-Security: max-age=31536000; </a:t>
-            </a:r>
-            <a:r>
-              <a:rPr lang="en-US" sz="3200" dirty="0" err="1">
-                <a:highlight>
-                  <a:srgbClr val="C0C0C0"/>
-                </a:highlight>
-              </a:rPr>
-              <a:t>includeSubDomains</a:t>
-            </a:r>
-            <a:endParaRPr lang="en-US" sz="4800" dirty="0">
-              <a:highlight>
-                <a:srgbClr val="C0C0C0"/>
-              </a:highlight>
-              <a:latin typeface="Consolas" panose="020B0609020204030204" pitchFamily="49" charset="0"/>
-            </a:endParaRPr>
-          </a:p>
-        </p:txBody>
-      </p:sp>
-    </p:spTree>
-    <p:extLst>
-      <p:ext uri="{BB962C8B-B14F-4D97-AF65-F5344CB8AC3E}">
-        <p14:creationId xmlns:p14="http://schemas.microsoft.com/office/powerpoint/2010/main" val="1940139458"/>
-      </p:ext>
-    </p:extLst>
-  </p:cSld>
-  <p:clrMapOvr>
-    <a:masterClrMapping/>
-  </p:clrMapOvr>
-</p:sld>
-</file>
-
-<file path=ppt/slides/slide26.xml><?xml version="1.0" encoding="utf-8"?>
-<p:sld xmlns:a="http://schemas.openxmlformats.org/drawingml/2006/main" xmlns:r="http://schemas.openxmlformats.org/officeDocument/2006/relationships" xmlns:p="http://schemas.openxmlformats.org/presentationml/2006/main">
-  <p:cSld>
-    <p:bg>
-      <p:bgPr>
-        <a:solidFill>
-          <a:schemeClr val="tx1"/>
-        </a:solidFill>
-        <a:effectLst/>
-      </p:bgPr>
-    </p:bg>
-    <p:spTree>
-      <p:nvGrpSpPr>
-        <p:cNvPr id="1" name=""/>
-        <p:cNvGrpSpPr/>
-        <p:nvPr/>
-      </p:nvGrpSpPr>
-      <p:grpSpPr>
-        <a:xfrm>
-          <a:off x="0" y="0"/>
-          <a:ext cx="0" cy="0"/>
-          <a:chOff x="0" y="0"/>
-          <a:chExt cx="0" cy="0"/>
-        </a:xfrm>
-      </p:grpSpPr>
-      <p:sp>
-        <p:nvSpPr>
-          <p:cNvPr id="2" name="Title 1">
-            <a:extLst>
-              <a:ext uri="{FF2B5EF4-FFF2-40B4-BE49-F238E27FC236}">
-                <a16:creationId xmlns:a16="http://schemas.microsoft.com/office/drawing/2014/main" id="{19EA5153-02FE-421E-9C0B-7A016168D0A0}"/>
-              </a:ext>
-            </a:extLst>
-          </p:cNvPr>
-          <p:cNvSpPr>
-            <a:spLocks noGrp="1"/>
-          </p:cNvSpPr>
-          <p:nvPr>
-            <p:ph type="title"/>
-          </p:nvPr>
-        </p:nvSpPr>
-        <p:spPr>
-          <a:xfrm>
-            <a:off x="838200" y="330600"/>
-            <a:ext cx="10515600" cy="1325563"/>
-          </a:xfrm>
-          <a:solidFill>
-            <a:schemeClr val="tx1"/>
-          </a:solidFill>
-        </p:spPr>
-        <p:txBody>
-          <a:bodyPr/>
-          <a:lstStyle/>
-          <a:p>
-            <a:r>
-              <a:rPr lang="en-US" dirty="0">
-                <a:solidFill>
-                  <a:schemeClr val="bg1"/>
-                </a:solidFill>
-                <a:latin typeface="Consolas" panose="020B0609020204030204" pitchFamily="49" charset="0"/>
-              </a:rPr>
-              <a:t>PITFALLS</a:t>
-            </a:r>
-          </a:p>
-        </p:txBody>
-      </p:sp>
-      <p:sp>
-        <p:nvSpPr>
-          <p:cNvPr id="5" name="Content Placeholder 4">
-            <a:extLst>
-              <a:ext uri="{FF2B5EF4-FFF2-40B4-BE49-F238E27FC236}">
-                <a16:creationId xmlns:a16="http://schemas.microsoft.com/office/drawing/2014/main" id="{74F0431A-7532-442C-BC88-A38AD90F9A27}"/>
-              </a:ext>
-            </a:extLst>
-          </p:cNvPr>
-          <p:cNvSpPr>
-            <a:spLocks noGrp="1"/>
-          </p:cNvSpPr>
-          <p:nvPr>
-            <p:ph idx="1"/>
-          </p:nvPr>
-        </p:nvSpPr>
-        <p:spPr/>
-        <p:txBody>
-          <a:bodyPr anchor="ctr"/>
-          <a:lstStyle/>
-          <a:p>
-            <a:r>
-              <a:rPr lang="en-US" dirty="0">
-                <a:solidFill>
-                  <a:schemeClr val="bg1"/>
-                </a:solidFill>
-                <a:latin typeface="Consolas" panose="020B0609020204030204" pitchFamily="49" charset="0"/>
-              </a:rPr>
-              <a:t>Should be applied for each and every resource</a:t>
-            </a:r>
-          </a:p>
-        </p:txBody>
-      </p:sp>
-    </p:spTree>
-    <p:extLst>
-      <p:ext uri="{BB962C8B-B14F-4D97-AF65-F5344CB8AC3E}">
-        <p14:creationId xmlns:p14="http://schemas.microsoft.com/office/powerpoint/2010/main" val="2613334181"/>
-      </p:ext>
-    </p:extLst>
-  </p:cSld>
-  <p:clrMapOvr>
-    <a:masterClrMapping/>
-  </p:clrMapOvr>
-</p:sld>
-</file>
-
-<file path=ppt/slides/slide27.xml><?xml version="1.0" encoding="utf-8"?>
-<p:sld xmlns:a="http://schemas.openxmlformats.org/drawingml/2006/main" xmlns:r="http://schemas.openxmlformats.org/officeDocument/2006/relationships" xmlns:p="http://schemas.openxmlformats.org/presentationml/2006/main">
-  <p:cSld>
-    <p:bg>
-      <p:bgPr>
-        <a:solidFill>
-          <a:schemeClr val="tx1"/>
-        </a:solidFill>
-        <a:effectLst/>
-      </p:bgPr>
-    </p:bg>
-    <p:spTree>
-      <p:nvGrpSpPr>
-        <p:cNvPr id="1" name=""/>
-        <p:cNvGrpSpPr/>
-        <p:nvPr/>
-      </p:nvGrpSpPr>
-      <p:grpSpPr>
-        <a:xfrm>
-          <a:off x="0" y="0"/>
-          <a:ext cx="0" cy="0"/>
-          <a:chOff x="0" y="0"/>
-          <a:chExt cx="0" cy="0"/>
-        </a:xfrm>
-      </p:grpSpPr>
-      <p:sp>
-        <p:nvSpPr>
-          <p:cNvPr id="2" name="Title 1">
-            <a:extLst>
-              <a:ext uri="{FF2B5EF4-FFF2-40B4-BE49-F238E27FC236}">
-                <a16:creationId xmlns:a16="http://schemas.microsoft.com/office/drawing/2014/main" id="{19EA5153-02FE-421E-9C0B-7A016168D0A0}"/>
-              </a:ext>
-            </a:extLst>
-          </p:cNvPr>
-          <p:cNvSpPr>
-            <a:spLocks noGrp="1"/>
-          </p:cNvSpPr>
-          <p:nvPr>
-            <p:ph type="title"/>
-          </p:nvPr>
-        </p:nvSpPr>
-        <p:spPr>
-          <a:xfrm>
-            <a:off x="838200" y="330600"/>
-            <a:ext cx="10515600" cy="1325563"/>
-          </a:xfrm>
-          <a:solidFill>
-            <a:schemeClr val="tx1"/>
-          </a:solidFill>
-        </p:spPr>
-        <p:txBody>
-          <a:bodyPr/>
-          <a:lstStyle/>
-          <a:p>
-            <a:r>
-              <a:rPr lang="en-US" dirty="0">
-                <a:solidFill>
-                  <a:schemeClr val="bg1"/>
-                </a:solidFill>
-                <a:latin typeface="Consolas" panose="020B0609020204030204" pitchFamily="49" charset="0"/>
-              </a:rPr>
-              <a:t>CAN I USE</a:t>
-            </a:r>
-          </a:p>
-        </p:txBody>
-      </p:sp>
-      <p:sp>
-        <p:nvSpPr>
-          <p:cNvPr id="5" name="Content Placeholder 4">
-            <a:extLst>
-              <a:ext uri="{FF2B5EF4-FFF2-40B4-BE49-F238E27FC236}">
-                <a16:creationId xmlns:a16="http://schemas.microsoft.com/office/drawing/2014/main" id="{BF9AD23B-2DE2-4B22-9CCB-D5C174FFAF95}"/>
-              </a:ext>
-            </a:extLst>
-          </p:cNvPr>
-          <p:cNvSpPr>
-            <a:spLocks noGrp="1"/>
-          </p:cNvSpPr>
-          <p:nvPr>
-            <p:ph idx="1"/>
-          </p:nvPr>
-        </p:nvSpPr>
-        <p:spPr/>
-        <p:txBody>
-          <a:bodyPr/>
-          <a:lstStyle/>
-          <a:p>
-            <a:endParaRPr lang="en-US" dirty="0"/>
-          </a:p>
-        </p:txBody>
-      </p:sp>
-      <p:pic>
-        <p:nvPicPr>
-          <p:cNvPr id="4" name="Picture 3">
-            <a:extLst>
-              <a:ext uri="{FF2B5EF4-FFF2-40B4-BE49-F238E27FC236}">
-                <a16:creationId xmlns:a16="http://schemas.microsoft.com/office/drawing/2014/main" id="{A42369D7-29DE-483B-8468-442A53113A66}"/>
-              </a:ext>
-            </a:extLst>
-          </p:cNvPr>
-          <p:cNvPicPr>
-            <a:picLocks noChangeAspect="1"/>
-          </p:cNvPicPr>
-          <p:nvPr/>
-        </p:nvPicPr>
-        <p:blipFill>
-          <a:blip r:embed="rId2"/>
-          <a:stretch>
-            <a:fillRect/>
-          </a:stretch>
-        </p:blipFill>
-        <p:spPr>
-          <a:xfrm>
-            <a:off x="838200" y="2784344"/>
-            <a:ext cx="10515600" cy="2433900"/>
-          </a:xfrm>
-          <a:prstGeom prst="rect">
-            <a:avLst/>
-          </a:prstGeom>
-        </p:spPr>
-      </p:pic>
-    </p:spTree>
-    <p:extLst>
-      <p:ext uri="{BB962C8B-B14F-4D97-AF65-F5344CB8AC3E}">
-        <p14:creationId xmlns:p14="http://schemas.microsoft.com/office/powerpoint/2010/main" val="1078951421"/>
-      </p:ext>
-    </p:extLst>
-  </p:cSld>
-  <p:clrMapOvr>
-    <a:masterClrMapping/>
-  </p:clrMapOvr>
-</p:sld>
-</file>
-
-<file path=ppt/slides/slide28.xml><?xml version="1.0" encoding="utf-8"?>
-<p:sld xmlns:a="http://schemas.openxmlformats.org/drawingml/2006/main" xmlns:r="http://schemas.openxmlformats.org/officeDocument/2006/relationships" xmlns:p="http://schemas.openxmlformats.org/presentationml/2006/main">
-  <p:cSld>
-    <p:bg>
-      <p:bgPr>
-        <a:solidFill>
-          <a:schemeClr val="tx1"/>
-        </a:solidFill>
-        <a:effectLst/>
-      </p:bgPr>
-    </p:bg>
-    <p:spTree>
-      <p:nvGrpSpPr>
-        <p:cNvPr id="1" name=""/>
-        <p:cNvGrpSpPr/>
-        <p:nvPr/>
-      </p:nvGrpSpPr>
-      <p:grpSpPr>
-        <a:xfrm>
-          <a:off x="0" y="0"/>
-          <a:ext cx="0" cy="0"/>
-          <a:chOff x="0" y="0"/>
-          <a:chExt cx="0" cy="0"/>
-        </a:xfrm>
-      </p:grpSpPr>
-      <p:sp>
-        <p:nvSpPr>
-          <p:cNvPr id="2" name="Title 1">
-            <a:extLst>
-              <a:ext uri="{FF2B5EF4-FFF2-40B4-BE49-F238E27FC236}">
-                <a16:creationId xmlns:a16="http://schemas.microsoft.com/office/drawing/2014/main" id="{B4E042DA-BBDB-4833-ADDD-4970CEB1A6D3}"/>
-              </a:ext>
-            </a:extLst>
-          </p:cNvPr>
-          <p:cNvSpPr>
-            <a:spLocks noGrp="1"/>
-          </p:cNvSpPr>
-          <p:nvPr>
-            <p:ph type="ctrTitle"/>
-          </p:nvPr>
-        </p:nvSpPr>
-        <p:spPr>
-          <a:xfrm>
-            <a:off x="914401" y="1122363"/>
-            <a:ext cx="10409582" cy="2387600"/>
-          </a:xfrm>
-        </p:spPr>
-        <p:txBody>
-          <a:bodyPr>
-            <a:normAutofit/>
-          </a:bodyPr>
-          <a:lstStyle/>
-          <a:p>
-            <a:r>
-              <a:rPr lang="en-US" sz="5400" dirty="0">
-                <a:solidFill>
-                  <a:schemeClr val="bg1"/>
-                </a:solidFill>
-                <a:latin typeface="Consolas" panose="020B0609020204030204" pitchFamily="49" charset="0"/>
-              </a:rPr>
-              <a:t>REFERRER-POLICY</a:t>
-            </a:r>
-          </a:p>
-        </p:txBody>
-      </p:sp>
-      <p:sp>
-        <p:nvSpPr>
-          <p:cNvPr id="3" name="Subtitle 2">
-            <a:extLst>
-              <a:ext uri="{FF2B5EF4-FFF2-40B4-BE49-F238E27FC236}">
-                <a16:creationId xmlns:a16="http://schemas.microsoft.com/office/drawing/2014/main" id="{2E29D3D5-BE75-451C-8BFD-D64CE9586065}"/>
-              </a:ext>
-            </a:extLst>
-          </p:cNvPr>
-          <p:cNvSpPr>
-            <a:spLocks noGrp="1"/>
-          </p:cNvSpPr>
-          <p:nvPr>
-            <p:ph type="subTitle" idx="1"/>
-          </p:nvPr>
-        </p:nvSpPr>
-        <p:spPr/>
-        <p:txBody>
-          <a:bodyPr>
-            <a:normAutofit/>
-          </a:bodyPr>
-          <a:lstStyle/>
-          <a:p>
-            <a:r>
-              <a:rPr lang="en-US" sz="2800" u="sng" dirty="0">
-                <a:solidFill>
-                  <a:schemeClr val="bg1"/>
-                </a:solidFill>
-                <a:latin typeface="Consolas" panose="020B0609020204030204" pitchFamily="49" charset="0"/>
-              </a:rPr>
-              <a:t>don’t share</a:t>
-            </a:r>
-          </a:p>
-        </p:txBody>
-      </p:sp>
-    </p:spTree>
-    <p:extLst>
-      <p:ext uri="{BB962C8B-B14F-4D97-AF65-F5344CB8AC3E}">
-        <p14:creationId xmlns:p14="http://schemas.microsoft.com/office/powerpoint/2010/main" val="2804862202"/>
-      </p:ext>
-    </p:extLst>
-  </p:cSld>
-  <p:clrMapOvr>
-    <a:masterClrMapping/>
-  </p:clrMapOvr>
-</p:sld>
-</file>
-
-<file path=ppt/slides/slide29.xml><?xml version="1.0" encoding="utf-8"?>
-<p:sld xmlns:a="http://schemas.openxmlformats.org/drawingml/2006/main" xmlns:r="http://schemas.openxmlformats.org/officeDocument/2006/relationships" xmlns:p="http://schemas.openxmlformats.org/presentationml/2006/main">
-  <p:cSld>
-    <p:bg>
-      <p:bgPr>
-        <a:solidFill>
-          <a:schemeClr val="tx1"/>
-        </a:solidFill>
-        <a:effectLst/>
-      </p:bgPr>
-    </p:bg>
-    <p:spTree>
-      <p:nvGrpSpPr>
-        <p:cNvPr id="1" name=""/>
-        <p:cNvGrpSpPr/>
-        <p:nvPr/>
-      </p:nvGrpSpPr>
-      <p:grpSpPr>
-        <a:xfrm>
-          <a:off x="0" y="0"/>
-          <a:ext cx="0" cy="0"/>
-          <a:chOff x="0" y="0"/>
-          <a:chExt cx="0" cy="0"/>
-        </a:xfrm>
-      </p:grpSpPr>
-      <p:sp>
-        <p:nvSpPr>
-          <p:cNvPr id="5" name="TextBox 4">
-            <a:extLst>
-              <a:ext uri="{FF2B5EF4-FFF2-40B4-BE49-F238E27FC236}">
-                <a16:creationId xmlns:a16="http://schemas.microsoft.com/office/drawing/2014/main" id="{FACDB3C0-6E2B-42C3-B804-F7DFA9C93E1C}"/>
-              </a:ext>
-            </a:extLst>
-          </p:cNvPr>
-          <p:cNvSpPr txBox="1"/>
-          <p:nvPr/>
-        </p:nvSpPr>
-        <p:spPr>
-          <a:xfrm>
-            <a:off x="639418" y="2459504"/>
-            <a:ext cx="10913164" cy="1938992"/>
-          </a:xfrm>
-          <a:prstGeom prst="rect">
-            <a:avLst/>
-          </a:prstGeom>
-          <a:noFill/>
-        </p:spPr>
-        <p:txBody>
-          <a:bodyPr wrap="square" rtlCol="0">
-            <a:spAutoFit/>
-          </a:bodyPr>
-          <a:lstStyle/>
-          <a:p>
-            <a:r>
-              <a:rPr lang="en-US" sz="2000" dirty="0">
-                <a:solidFill>
-                  <a:schemeClr val="bg1"/>
-                </a:solidFill>
-                <a:latin typeface="Consolas" panose="020B0609020204030204" pitchFamily="49" charset="0"/>
-              </a:rPr>
-              <a:t>Alice has a forum about cats with lots of links to other resources. When a user clicks on the link, he is navigated to another web page, and this web page can gather some information about the source of the navigation. She values the privacy of the users and want to keep this information secret. She sets </a:t>
-            </a:r>
-            <a:r>
-              <a:rPr lang="en-US" sz="2000" dirty="0">
-                <a:highlight>
-                  <a:srgbClr val="C0C0C0"/>
-                </a:highlight>
-                <a:latin typeface="Consolas" panose="020B0609020204030204" pitchFamily="49" charset="0"/>
-              </a:rPr>
-              <a:t>Referrer-Policy: same-origin</a:t>
-            </a:r>
-            <a:r>
-              <a:rPr lang="en-US" sz="2000" dirty="0">
-                <a:solidFill>
-                  <a:schemeClr val="bg1"/>
-                </a:solidFill>
-                <a:latin typeface="Consolas" panose="020B0609020204030204" pitchFamily="49" charset="0"/>
-              </a:rPr>
-              <a:t>. Now, referrer information is hidden from other domains</a:t>
-            </a:r>
-          </a:p>
-        </p:txBody>
-      </p:sp>
-    </p:spTree>
-    <p:extLst>
-      <p:ext uri="{BB962C8B-B14F-4D97-AF65-F5344CB8AC3E}">
-        <p14:creationId xmlns:p14="http://schemas.microsoft.com/office/powerpoint/2010/main" val="4173149491"/>
-      </p:ext>
-    </p:extLst>
-  </p:cSld>
-  <p:clrMapOvr>
-    <a:masterClrMapping/>
-  </p:clrMapOvr>
-</p:sld>
-</file>
-
-<file path=ppt/slides/slide3.xml><?xml version="1.0" encoding="utf-8"?>
-<p:sld xmlns:a="http://schemas.openxmlformats.org/drawingml/2006/main" xmlns:r="http://schemas.openxmlformats.org/officeDocument/2006/relationships" xmlns:p="http://schemas.openxmlformats.org/presentationml/2006/main">
-  <p:cSld>
-    <p:bg>
-      <p:bgPr>
-        <a:solidFill>
-          <a:schemeClr val="tx1"/>
-        </a:solidFill>
-        <a:effectLst/>
-      </p:bgPr>
-    </p:bg>
-    <p:spTree>
-      <p:nvGrpSpPr>
-        <p:cNvPr id="1" name=""/>
-        <p:cNvGrpSpPr/>
-        <p:nvPr/>
-      </p:nvGrpSpPr>
-      <p:grpSpPr>
-        <a:xfrm>
-          <a:off x="0" y="0"/>
-          <a:ext cx="0" cy="0"/>
-          <a:chOff x="0" y="0"/>
-          <a:chExt cx="0" cy="0"/>
-        </a:xfrm>
-      </p:grpSpPr>
-      <p:sp>
-        <p:nvSpPr>
-          <p:cNvPr id="2" name="Title 1">
-            <a:extLst>
-              <a:ext uri="{FF2B5EF4-FFF2-40B4-BE49-F238E27FC236}">
-                <a16:creationId xmlns:a16="http://schemas.microsoft.com/office/drawing/2014/main" id="{B4E042DA-BBDB-4833-ADDD-4970CEB1A6D3}"/>
-              </a:ext>
-            </a:extLst>
-          </p:cNvPr>
-          <p:cNvSpPr>
-            <a:spLocks noGrp="1"/>
-          </p:cNvSpPr>
-          <p:nvPr>
-            <p:ph type="ctrTitle"/>
-          </p:nvPr>
-        </p:nvSpPr>
-        <p:spPr/>
-        <p:txBody>
-          <a:bodyPr>
-            <a:normAutofit/>
-          </a:bodyPr>
-          <a:lstStyle/>
-          <a:p>
-            <a:r>
-              <a:rPr lang="en-US" sz="5400" dirty="0">
-                <a:solidFill>
-                  <a:schemeClr val="bg1"/>
-                </a:solidFill>
-                <a:latin typeface="Consolas" panose="020B0609020204030204" pitchFamily="49" charset="0"/>
-              </a:rPr>
-              <a:t>CONTENT-SECURITY-POLICY</a:t>
-            </a:r>
-          </a:p>
-        </p:txBody>
-      </p:sp>
-      <p:sp>
-        <p:nvSpPr>
-          <p:cNvPr id="3" name="Subtitle 2">
-            <a:extLst>
-              <a:ext uri="{FF2B5EF4-FFF2-40B4-BE49-F238E27FC236}">
-                <a16:creationId xmlns:a16="http://schemas.microsoft.com/office/drawing/2014/main" id="{2E29D3D5-BE75-451C-8BFD-D64CE9586065}"/>
-              </a:ext>
-            </a:extLst>
-          </p:cNvPr>
-          <p:cNvSpPr>
-            <a:spLocks noGrp="1"/>
-          </p:cNvSpPr>
-          <p:nvPr>
-            <p:ph type="subTitle" idx="1"/>
-          </p:nvPr>
-        </p:nvSpPr>
-        <p:spPr/>
-        <p:txBody>
-          <a:bodyPr>
-            <a:normAutofit/>
-          </a:bodyPr>
-          <a:lstStyle/>
-          <a:p>
-            <a:r>
-              <a:rPr lang="en-US" sz="2800" u="sng" dirty="0">
-                <a:solidFill>
-                  <a:schemeClr val="bg1"/>
-                </a:solidFill>
-                <a:latin typeface="Consolas" panose="020B0609020204030204" pitchFamily="49" charset="0"/>
-              </a:rPr>
-              <a:t>don’t touch</a:t>
-            </a:r>
-          </a:p>
-        </p:txBody>
-      </p:sp>
-    </p:spTree>
-    <p:extLst>
-      <p:ext uri="{BB962C8B-B14F-4D97-AF65-F5344CB8AC3E}">
-        <p14:creationId xmlns:p14="http://schemas.microsoft.com/office/powerpoint/2010/main" val="2750863833"/>
-      </p:ext>
-    </p:extLst>
-  </p:cSld>
-  <p:clrMapOvr>
-    <a:masterClrMapping/>
-  </p:clrMapOvr>
-</p:sld>
-</file>
-
-<file path=ppt/slides/slide30.xml><?xml version="1.0" encoding="utf-8"?>
-<p:sld xmlns:a="http://schemas.openxmlformats.org/drawingml/2006/main" xmlns:r="http://schemas.openxmlformats.org/officeDocument/2006/relationships" xmlns:p="http://schemas.openxmlformats.org/presentationml/2006/main">
-  <p:cSld>
-    <p:bg>
-      <p:bgPr>
-        <a:solidFill>
-          <a:schemeClr val="tx1"/>
-        </a:solidFill>
-        <a:effectLst/>
-      </p:bgPr>
-    </p:bg>
-    <p:spTree>
-      <p:nvGrpSpPr>
-        <p:cNvPr id="1" name=""/>
-        <p:cNvGrpSpPr/>
-        <p:nvPr/>
-      </p:nvGrpSpPr>
-      <p:grpSpPr>
-        <a:xfrm>
-          <a:off x="0" y="0"/>
-          <a:ext cx="0" cy="0"/>
-          <a:chOff x="0" y="0"/>
-          <a:chExt cx="0" cy="0"/>
-        </a:xfrm>
-      </p:grpSpPr>
-      <p:sp>
-        <p:nvSpPr>
-          <p:cNvPr id="5" name="TextBox 4">
-            <a:extLst>
-              <a:ext uri="{FF2B5EF4-FFF2-40B4-BE49-F238E27FC236}">
-                <a16:creationId xmlns:a16="http://schemas.microsoft.com/office/drawing/2014/main" id="{FACDB3C0-6E2B-42C3-B804-F7DFA9C93E1C}"/>
-              </a:ext>
-            </a:extLst>
-          </p:cNvPr>
-          <p:cNvSpPr txBox="1"/>
-          <p:nvPr/>
-        </p:nvSpPr>
-        <p:spPr>
-          <a:xfrm>
-            <a:off x="1616766" y="2890391"/>
-            <a:ext cx="8958468" cy="1077218"/>
-          </a:xfrm>
-          <a:prstGeom prst="rect">
-            <a:avLst/>
-          </a:prstGeom>
-          <a:noFill/>
-        </p:spPr>
-        <p:txBody>
-          <a:bodyPr wrap="square" rtlCol="0">
-            <a:spAutoFit/>
-          </a:bodyPr>
-          <a:lstStyle/>
-          <a:p>
-            <a:r>
-              <a:rPr lang="en-US" sz="3200" dirty="0">
-                <a:solidFill>
-                  <a:schemeClr val="bg1"/>
-                </a:solidFill>
-                <a:latin typeface="Consolas" panose="020B0609020204030204" pitchFamily="49" charset="0"/>
-              </a:rPr>
-              <a:t>Deny </a:t>
-            </a:r>
-            <a:r>
-              <a:rPr lang="en-US" sz="3200" dirty="0">
-                <a:highlight>
-                  <a:srgbClr val="C0C0C0"/>
-                </a:highlight>
-                <a:latin typeface="Consolas" panose="020B0609020204030204" pitchFamily="49" charset="0"/>
-              </a:rPr>
-              <a:t>sharing</a:t>
-            </a:r>
-            <a:r>
-              <a:rPr lang="en-US" sz="3200" dirty="0">
-                <a:solidFill>
-                  <a:schemeClr val="bg1"/>
-                </a:solidFill>
-                <a:latin typeface="Consolas" panose="020B0609020204030204" pitchFamily="49" charset="0"/>
-              </a:rPr>
-              <a:t> referrer information with all or 3</a:t>
-            </a:r>
-            <a:r>
-              <a:rPr lang="en-US" sz="3200" baseline="30000" dirty="0">
-                <a:solidFill>
-                  <a:schemeClr val="bg1"/>
-                </a:solidFill>
-                <a:latin typeface="Consolas" panose="020B0609020204030204" pitchFamily="49" charset="0"/>
-              </a:rPr>
-              <a:t>rd</a:t>
-            </a:r>
-            <a:r>
-              <a:rPr lang="en-US" sz="3200" dirty="0">
-                <a:solidFill>
-                  <a:schemeClr val="bg1"/>
-                </a:solidFill>
-                <a:latin typeface="Consolas" panose="020B0609020204030204" pitchFamily="49" charset="0"/>
-              </a:rPr>
-              <a:t> party domains</a:t>
-            </a:r>
-          </a:p>
-        </p:txBody>
-      </p:sp>
-    </p:spTree>
-    <p:extLst>
-      <p:ext uri="{BB962C8B-B14F-4D97-AF65-F5344CB8AC3E}">
-        <p14:creationId xmlns:p14="http://schemas.microsoft.com/office/powerpoint/2010/main" val="1336083954"/>
-      </p:ext>
-    </p:extLst>
-  </p:cSld>
-  <p:clrMapOvr>
-    <a:masterClrMapping/>
-  </p:clrMapOvr>
-</p:sld>
-</file>
-
-<file path=ppt/slides/slide31.xml><?xml version="1.0" encoding="utf-8"?>
-<p:sld xmlns:a="http://schemas.openxmlformats.org/drawingml/2006/main" xmlns:r="http://schemas.openxmlformats.org/officeDocument/2006/relationships" xmlns:p="http://schemas.openxmlformats.org/presentationml/2006/main">
-  <p:cSld>
-    <p:bg>
-      <p:bgPr>
-        <a:solidFill>
-          <a:schemeClr val="tx1"/>
-        </a:solidFill>
-        <a:effectLst/>
-      </p:bgPr>
-    </p:bg>
-    <p:spTree>
-      <p:nvGrpSpPr>
-        <p:cNvPr id="1" name=""/>
-        <p:cNvGrpSpPr/>
-        <p:nvPr/>
-      </p:nvGrpSpPr>
-      <p:grpSpPr>
-        <a:xfrm>
-          <a:off x="0" y="0"/>
-          <a:ext cx="0" cy="0"/>
-          <a:chOff x="0" y="0"/>
-          <a:chExt cx="0" cy="0"/>
-        </a:xfrm>
-      </p:grpSpPr>
-      <p:sp>
-        <p:nvSpPr>
-          <p:cNvPr id="2" name="Title 1">
-            <a:extLst>
-              <a:ext uri="{FF2B5EF4-FFF2-40B4-BE49-F238E27FC236}">
-                <a16:creationId xmlns:a16="http://schemas.microsoft.com/office/drawing/2014/main" id="{19EA5153-02FE-421E-9C0B-7A016168D0A0}"/>
-              </a:ext>
-            </a:extLst>
-          </p:cNvPr>
-          <p:cNvSpPr>
-            <a:spLocks noGrp="1"/>
-          </p:cNvSpPr>
-          <p:nvPr>
-            <p:ph type="title"/>
-          </p:nvPr>
-        </p:nvSpPr>
-        <p:spPr>
-          <a:xfrm>
-            <a:off x="838200" y="330600"/>
-            <a:ext cx="10515600" cy="1325563"/>
-          </a:xfrm>
-          <a:solidFill>
-            <a:schemeClr val="tx1"/>
-          </a:solidFill>
-        </p:spPr>
-        <p:txBody>
-          <a:bodyPr/>
-          <a:lstStyle/>
-          <a:p>
-            <a:r>
-              <a:rPr lang="en-US" dirty="0">
-                <a:solidFill>
-                  <a:schemeClr val="bg1"/>
-                </a:solidFill>
-                <a:latin typeface="Consolas" panose="020B0609020204030204" pitchFamily="49" charset="0"/>
-              </a:rPr>
-              <a:t>CAN I USE</a:t>
-            </a:r>
-          </a:p>
-        </p:txBody>
-      </p:sp>
-      <p:sp>
-        <p:nvSpPr>
-          <p:cNvPr id="5" name="Content Placeholder 4">
-            <a:extLst>
-              <a:ext uri="{FF2B5EF4-FFF2-40B4-BE49-F238E27FC236}">
-                <a16:creationId xmlns:a16="http://schemas.microsoft.com/office/drawing/2014/main" id="{BF9AD23B-2DE2-4B22-9CCB-D5C174FFAF95}"/>
-              </a:ext>
-            </a:extLst>
-          </p:cNvPr>
-          <p:cNvSpPr>
-            <a:spLocks noGrp="1"/>
-          </p:cNvSpPr>
-          <p:nvPr>
-            <p:ph idx="1"/>
-          </p:nvPr>
-        </p:nvSpPr>
-        <p:spPr/>
-        <p:txBody>
-          <a:bodyPr/>
-          <a:lstStyle/>
-          <a:p>
-            <a:endParaRPr lang="en-US" dirty="0"/>
-          </a:p>
-        </p:txBody>
-      </p:sp>
-      <p:pic>
-        <p:nvPicPr>
-          <p:cNvPr id="3" name="Picture 2">
-            <a:extLst>
-              <a:ext uri="{FF2B5EF4-FFF2-40B4-BE49-F238E27FC236}">
-                <a16:creationId xmlns:a16="http://schemas.microsoft.com/office/drawing/2014/main" id="{31167AB9-01DE-4322-A897-8A7E07611099}"/>
-              </a:ext>
-            </a:extLst>
-          </p:cNvPr>
-          <p:cNvPicPr>
-            <a:picLocks noChangeAspect="1"/>
-          </p:cNvPicPr>
-          <p:nvPr/>
-        </p:nvPicPr>
-        <p:blipFill>
-          <a:blip r:embed="rId2"/>
-          <a:stretch>
-            <a:fillRect/>
-          </a:stretch>
-        </p:blipFill>
-        <p:spPr>
-          <a:xfrm>
-            <a:off x="845759" y="2527453"/>
-            <a:ext cx="10508041" cy="2729924"/>
-          </a:xfrm>
-          <a:prstGeom prst="rect">
-            <a:avLst/>
-          </a:prstGeom>
-        </p:spPr>
-      </p:pic>
-    </p:spTree>
-    <p:extLst>
-      <p:ext uri="{BB962C8B-B14F-4D97-AF65-F5344CB8AC3E}">
-        <p14:creationId xmlns:p14="http://schemas.microsoft.com/office/powerpoint/2010/main" val="1835376383"/>
-      </p:ext>
-    </p:extLst>
-  </p:cSld>
-  <p:clrMapOvr>
-    <a:masterClrMapping/>
-  </p:clrMapOvr>
-</p:sld>
-</file>
-
-<file path=ppt/slides/slide32.xml><?xml version="1.0" encoding="utf-8"?>
-<p:sld xmlns:a="http://schemas.openxmlformats.org/drawingml/2006/main" xmlns:r="http://schemas.openxmlformats.org/officeDocument/2006/relationships" xmlns:p="http://schemas.openxmlformats.org/presentationml/2006/main">
-  <p:cSld>
-    <p:bg>
-      <p:bgPr>
-        <a:solidFill>
-          <a:schemeClr val="tx1"/>
-        </a:solidFill>
-        <a:effectLst/>
-      </p:bgPr>
-    </p:bg>
-    <p:spTree>
-      <p:nvGrpSpPr>
-        <p:cNvPr id="1" name=""/>
-        <p:cNvGrpSpPr/>
-        <p:nvPr/>
-      </p:nvGrpSpPr>
-      <p:grpSpPr>
-        <a:xfrm>
-          <a:off x="0" y="0"/>
-          <a:ext cx="0" cy="0"/>
-          <a:chOff x="0" y="0"/>
-          <a:chExt cx="0" cy="0"/>
-        </a:xfrm>
-      </p:grpSpPr>
-      <p:sp>
-        <p:nvSpPr>
-          <p:cNvPr id="2" name="Title 1">
-            <a:extLst>
-              <a:ext uri="{FF2B5EF4-FFF2-40B4-BE49-F238E27FC236}">
-                <a16:creationId xmlns:a16="http://schemas.microsoft.com/office/drawing/2014/main" id="{B4E042DA-BBDB-4833-ADDD-4970CEB1A6D3}"/>
-              </a:ext>
-            </a:extLst>
-          </p:cNvPr>
-          <p:cNvSpPr>
-            <a:spLocks noGrp="1"/>
-          </p:cNvSpPr>
-          <p:nvPr>
-            <p:ph type="ctrTitle"/>
-          </p:nvPr>
-        </p:nvSpPr>
-        <p:spPr>
-          <a:xfrm>
-            <a:off x="914401" y="1122363"/>
-            <a:ext cx="10409582" cy="2387600"/>
-          </a:xfrm>
-        </p:spPr>
-        <p:txBody>
-          <a:bodyPr>
-            <a:normAutofit/>
-          </a:bodyPr>
-          <a:lstStyle/>
-          <a:p>
-            <a:r>
-              <a:rPr lang="en-US" sz="5400" dirty="0">
-                <a:solidFill>
-                  <a:schemeClr val="bg1"/>
-                </a:solidFill>
-                <a:latin typeface="Consolas" panose="020B0609020204030204" pitchFamily="49" charset="0"/>
-              </a:rPr>
               <a:t>IMPLEMENTATION</a:t>
             </a:r>
           </a:p>
@@ -7323,914 +8786,6 @@
     <p:extLst>
       <p:ext uri="{BB962C8B-B14F-4D97-AF65-F5344CB8AC3E}">
         <p14:creationId xmlns:p14="http://schemas.microsoft.com/office/powerpoint/2010/main" val="2212354624"/>
-      </p:ext>
-    </p:extLst>
-  </p:cSld>
-  <p:clrMapOvr>
-    <a:masterClrMapping/>
-  </p:clrMapOvr>
-</p:sld>
-</file>
-
-<file path=ppt/slides/slide33.xml><?xml version="1.0" encoding="utf-8"?>
-<p:sld xmlns:a="http://schemas.openxmlformats.org/drawingml/2006/main" xmlns:r="http://schemas.openxmlformats.org/officeDocument/2006/relationships" xmlns:p="http://schemas.openxmlformats.org/presentationml/2006/main">
-  <p:cSld>
-    <p:bg>
-      <p:bgPr>
-        <a:solidFill>
-          <a:schemeClr val="tx1"/>
-        </a:solidFill>
-        <a:effectLst/>
-      </p:bgPr>
-    </p:bg>
-    <p:spTree>
-      <p:nvGrpSpPr>
-        <p:cNvPr id="1" name=""/>
-        <p:cNvGrpSpPr/>
-        <p:nvPr/>
-      </p:nvGrpSpPr>
-      <p:grpSpPr>
-        <a:xfrm>
-          <a:off x="0" y="0"/>
-          <a:ext cx="0" cy="0"/>
-          <a:chOff x="0" y="0"/>
-          <a:chExt cx="0" cy="0"/>
-        </a:xfrm>
-      </p:grpSpPr>
-      <p:sp>
-        <p:nvSpPr>
-          <p:cNvPr id="2" name="Title 1">
-            <a:extLst>
-              <a:ext uri="{FF2B5EF4-FFF2-40B4-BE49-F238E27FC236}">
-                <a16:creationId xmlns:a16="http://schemas.microsoft.com/office/drawing/2014/main" id="{823F2885-08A5-4667-942E-E4C45C79585F}"/>
-              </a:ext>
-            </a:extLst>
-          </p:cNvPr>
-          <p:cNvSpPr>
-            <a:spLocks noGrp="1"/>
-          </p:cNvSpPr>
-          <p:nvPr>
-            <p:ph type="title"/>
-          </p:nvPr>
-        </p:nvSpPr>
-        <p:spPr/>
-        <p:txBody>
-          <a:bodyPr/>
-          <a:lstStyle/>
-          <a:p>
-            <a:r>
-              <a:rPr lang="en-US" dirty="0">
-                <a:solidFill>
-                  <a:schemeClr val="bg1"/>
-                </a:solidFill>
-                <a:latin typeface="Consolas" panose="020B0609020204030204" pitchFamily="49" charset="0"/>
-              </a:rPr>
-              <a:t>Implementation – simple one</a:t>
-            </a:r>
-          </a:p>
-        </p:txBody>
-      </p:sp>
-      <p:sp>
-        <p:nvSpPr>
-          <p:cNvPr id="4" name="TextBox 3">
-            <a:extLst>
-              <a:ext uri="{FF2B5EF4-FFF2-40B4-BE49-F238E27FC236}">
-                <a16:creationId xmlns:a16="http://schemas.microsoft.com/office/drawing/2014/main" id="{954640BC-2FE1-4E94-8C62-CCACC8CC878D}"/>
-              </a:ext>
-            </a:extLst>
-          </p:cNvPr>
-          <p:cNvSpPr txBox="1"/>
-          <p:nvPr/>
-        </p:nvSpPr>
-        <p:spPr>
-          <a:xfrm>
-            <a:off x="381000" y="1690688"/>
-            <a:ext cx="11430000" cy="2585323"/>
-          </a:xfrm>
-          <a:prstGeom prst="rect">
-            <a:avLst/>
-          </a:prstGeom>
-          <a:noFill/>
-        </p:spPr>
-        <p:txBody>
-          <a:bodyPr wrap="square" rtlCol="0">
-            <a:spAutoFit/>
-          </a:bodyPr>
-          <a:lstStyle/>
-          <a:p>
-            <a:r>
-              <a:rPr lang="en-US" dirty="0">
-                <a:solidFill>
-                  <a:srgbClr val="808080"/>
-                </a:solidFill>
-                <a:latin typeface="Consolas" panose="020B0609020204030204" pitchFamily="49" charset="0"/>
-              </a:rPr>
-              <a:t>&lt;</a:t>
-            </a:r>
-            <a:r>
-              <a:rPr lang="en-US" dirty="0" err="1">
-                <a:solidFill>
-                  <a:srgbClr val="569CD6"/>
-                </a:solidFill>
-                <a:latin typeface="Consolas" panose="020B0609020204030204" pitchFamily="49" charset="0"/>
-              </a:rPr>
-              <a:t>customHeaders</a:t>
-            </a:r>
-            <a:r>
-              <a:rPr lang="en-US" dirty="0">
-                <a:solidFill>
-                  <a:srgbClr val="808080"/>
-                </a:solidFill>
-                <a:latin typeface="Consolas" panose="020B0609020204030204" pitchFamily="49" charset="0"/>
-              </a:rPr>
-              <a:t>&gt;</a:t>
-            </a:r>
-            <a:br>
-              <a:rPr lang="en-US" dirty="0">
-                <a:solidFill>
-                  <a:srgbClr val="D4D4D4"/>
-                </a:solidFill>
-                <a:latin typeface="Consolas" panose="020B0609020204030204" pitchFamily="49" charset="0"/>
-              </a:rPr>
-            </a:br>
-            <a:r>
-              <a:rPr lang="en-US" dirty="0">
-                <a:solidFill>
-                  <a:srgbClr val="D4D4D4"/>
-                </a:solidFill>
-                <a:latin typeface="Consolas" panose="020B0609020204030204" pitchFamily="49" charset="0"/>
-              </a:rPr>
-              <a:t>    </a:t>
-            </a:r>
-            <a:r>
-              <a:rPr lang="en-US" dirty="0">
-                <a:solidFill>
-                  <a:srgbClr val="808080"/>
-                </a:solidFill>
-                <a:latin typeface="Consolas" panose="020B0609020204030204" pitchFamily="49" charset="0"/>
-              </a:rPr>
-              <a:t>&lt;</a:t>
-            </a:r>
-            <a:r>
-              <a:rPr lang="en-US" dirty="0">
-                <a:solidFill>
-                  <a:srgbClr val="569CD6"/>
-                </a:solidFill>
-                <a:latin typeface="Consolas" panose="020B0609020204030204" pitchFamily="49" charset="0"/>
-              </a:rPr>
-              <a:t>add</a:t>
-            </a:r>
-            <a:r>
-              <a:rPr lang="en-US" dirty="0">
-                <a:solidFill>
-                  <a:srgbClr val="D4D4D4"/>
-                </a:solidFill>
-                <a:latin typeface="Consolas" panose="020B0609020204030204" pitchFamily="49" charset="0"/>
-              </a:rPr>
-              <a:t> </a:t>
-            </a:r>
-            <a:r>
-              <a:rPr lang="en-US" dirty="0">
-                <a:solidFill>
-                  <a:srgbClr val="9CDCFE"/>
-                </a:solidFill>
-                <a:latin typeface="Consolas" panose="020B0609020204030204" pitchFamily="49" charset="0"/>
-              </a:rPr>
-              <a:t>name</a:t>
-            </a:r>
-            <a:r>
-              <a:rPr lang="en-US" dirty="0">
-                <a:solidFill>
-                  <a:srgbClr val="D4D4D4"/>
-                </a:solidFill>
-                <a:latin typeface="Consolas" panose="020B0609020204030204" pitchFamily="49" charset="0"/>
-              </a:rPr>
-              <a:t>=</a:t>
-            </a:r>
-            <a:r>
-              <a:rPr lang="en-US" dirty="0">
-                <a:solidFill>
-                  <a:srgbClr val="CE9178"/>
-                </a:solidFill>
-                <a:latin typeface="Consolas" panose="020B0609020204030204" pitchFamily="49" charset="0"/>
-              </a:rPr>
-              <a:t>"Content-Security-Policy"</a:t>
-            </a:r>
-            <a:r>
-              <a:rPr lang="en-US" dirty="0">
-                <a:solidFill>
-                  <a:srgbClr val="D4D4D4"/>
-                </a:solidFill>
-                <a:latin typeface="Consolas" panose="020B0609020204030204" pitchFamily="49" charset="0"/>
-              </a:rPr>
-              <a:t> </a:t>
-            </a:r>
-            <a:r>
-              <a:rPr lang="en-US" dirty="0">
-                <a:solidFill>
-                  <a:srgbClr val="9CDCFE"/>
-                </a:solidFill>
-                <a:latin typeface="Consolas" panose="020B0609020204030204" pitchFamily="49" charset="0"/>
-              </a:rPr>
-              <a:t>value</a:t>
-            </a:r>
-            <a:r>
-              <a:rPr lang="en-US" dirty="0">
-                <a:solidFill>
-                  <a:srgbClr val="D4D4D4"/>
-                </a:solidFill>
-                <a:latin typeface="Consolas" panose="020B0609020204030204" pitchFamily="49" charset="0"/>
-              </a:rPr>
-              <a:t>=</a:t>
-            </a:r>
-            <a:r>
-              <a:rPr lang="en-US" dirty="0">
-                <a:solidFill>
-                  <a:srgbClr val="CE9178"/>
-                </a:solidFill>
-                <a:latin typeface="Consolas" panose="020B0609020204030204" pitchFamily="49" charset="0"/>
-              </a:rPr>
-              <a:t>"default-</a:t>
-            </a:r>
-            <a:r>
-              <a:rPr lang="en-US" dirty="0" err="1">
-                <a:solidFill>
-                  <a:srgbClr val="CE9178"/>
-                </a:solidFill>
-                <a:latin typeface="Consolas" panose="020B0609020204030204" pitchFamily="49" charset="0"/>
-              </a:rPr>
-              <a:t>src</a:t>
-            </a:r>
-            <a:r>
-              <a:rPr lang="en-US" dirty="0">
-                <a:solidFill>
-                  <a:srgbClr val="CE9178"/>
-                </a:solidFill>
-                <a:latin typeface="Consolas" panose="020B0609020204030204" pitchFamily="49" charset="0"/>
-              </a:rPr>
-              <a:t> 'none';"</a:t>
-            </a:r>
-            <a:r>
-              <a:rPr lang="en-US" dirty="0">
-                <a:solidFill>
-                  <a:srgbClr val="808080"/>
-                </a:solidFill>
-                <a:latin typeface="Consolas" panose="020B0609020204030204" pitchFamily="49" charset="0"/>
-              </a:rPr>
-              <a:t>/&gt;</a:t>
-            </a:r>
-          </a:p>
-          <a:p>
-            <a:r>
-              <a:rPr lang="en-US" dirty="0">
-                <a:solidFill>
-                  <a:srgbClr val="808080"/>
-                </a:solidFill>
-                <a:latin typeface="Consolas" panose="020B0609020204030204" pitchFamily="49" charset="0"/>
-              </a:rPr>
-              <a:t>    &lt;</a:t>
-            </a:r>
-            <a:r>
-              <a:rPr lang="en-US" dirty="0">
-                <a:solidFill>
-                  <a:srgbClr val="569CD6"/>
-                </a:solidFill>
-                <a:latin typeface="Consolas" panose="020B0609020204030204" pitchFamily="49" charset="0"/>
-              </a:rPr>
-              <a:t>add</a:t>
-            </a:r>
-            <a:r>
-              <a:rPr lang="en-US" dirty="0">
-                <a:solidFill>
-                  <a:srgbClr val="D4D4D4"/>
-                </a:solidFill>
-                <a:latin typeface="Consolas" panose="020B0609020204030204" pitchFamily="49" charset="0"/>
-              </a:rPr>
-              <a:t> </a:t>
-            </a:r>
-            <a:r>
-              <a:rPr lang="en-US" dirty="0">
-                <a:solidFill>
-                  <a:srgbClr val="9CDCFE"/>
-                </a:solidFill>
-                <a:latin typeface="Consolas" panose="020B0609020204030204" pitchFamily="49" charset="0"/>
-              </a:rPr>
-              <a:t>name</a:t>
-            </a:r>
-            <a:r>
-              <a:rPr lang="en-US" dirty="0">
-                <a:solidFill>
-                  <a:srgbClr val="D4D4D4"/>
-                </a:solidFill>
-                <a:latin typeface="Consolas" panose="020B0609020204030204" pitchFamily="49" charset="0"/>
-              </a:rPr>
-              <a:t>=</a:t>
-            </a:r>
-            <a:r>
-              <a:rPr lang="en-US" dirty="0">
-                <a:solidFill>
-                  <a:srgbClr val="CE9178"/>
-                </a:solidFill>
-                <a:latin typeface="Consolas" panose="020B0609020204030204" pitchFamily="49" charset="0"/>
-              </a:rPr>
-              <a:t>"X-Frame-Options"</a:t>
-            </a:r>
-            <a:r>
-              <a:rPr lang="en-US" dirty="0">
-                <a:solidFill>
-                  <a:srgbClr val="D4D4D4"/>
-                </a:solidFill>
-                <a:latin typeface="Consolas" panose="020B0609020204030204" pitchFamily="49" charset="0"/>
-              </a:rPr>
-              <a:t> </a:t>
-            </a:r>
-            <a:r>
-              <a:rPr lang="en-US" dirty="0">
-                <a:solidFill>
-                  <a:srgbClr val="9CDCFE"/>
-                </a:solidFill>
-                <a:latin typeface="Consolas" panose="020B0609020204030204" pitchFamily="49" charset="0"/>
-              </a:rPr>
-              <a:t>value</a:t>
-            </a:r>
-            <a:r>
-              <a:rPr lang="en-US" dirty="0">
-                <a:solidFill>
-                  <a:srgbClr val="D4D4D4"/>
-                </a:solidFill>
-                <a:latin typeface="Consolas" panose="020B0609020204030204" pitchFamily="49" charset="0"/>
-              </a:rPr>
-              <a:t>=</a:t>
-            </a:r>
-            <a:r>
-              <a:rPr lang="en-US" dirty="0">
-                <a:solidFill>
-                  <a:srgbClr val="CE9178"/>
-                </a:solidFill>
-                <a:latin typeface="Consolas" panose="020B0609020204030204" pitchFamily="49" charset="0"/>
-              </a:rPr>
-              <a:t>"deny"</a:t>
-            </a:r>
-            <a:r>
-              <a:rPr lang="en-US" dirty="0">
-                <a:solidFill>
-                  <a:srgbClr val="808080"/>
-                </a:solidFill>
-                <a:latin typeface="Consolas" panose="020B0609020204030204" pitchFamily="49" charset="0"/>
-              </a:rPr>
-              <a:t>/&gt;</a:t>
-            </a:r>
-            <a:br>
-              <a:rPr lang="en-US" dirty="0">
-                <a:solidFill>
-                  <a:srgbClr val="D4D4D4"/>
-                </a:solidFill>
-                <a:latin typeface="Consolas" panose="020B0609020204030204" pitchFamily="49" charset="0"/>
-              </a:rPr>
-            </a:br>
-            <a:r>
-              <a:rPr lang="en-US" dirty="0">
-                <a:solidFill>
-                  <a:srgbClr val="D4D4D4"/>
-                </a:solidFill>
-                <a:latin typeface="Consolas" panose="020B0609020204030204" pitchFamily="49" charset="0"/>
-              </a:rPr>
-              <a:t>    </a:t>
-            </a:r>
-            <a:r>
-              <a:rPr lang="en-US" dirty="0">
-                <a:solidFill>
-                  <a:srgbClr val="808080"/>
-                </a:solidFill>
-                <a:latin typeface="Consolas" panose="020B0609020204030204" pitchFamily="49" charset="0"/>
-              </a:rPr>
-              <a:t>&lt;</a:t>
-            </a:r>
-            <a:r>
-              <a:rPr lang="en-US" dirty="0">
-                <a:solidFill>
-                  <a:srgbClr val="569CD6"/>
-                </a:solidFill>
-                <a:latin typeface="Consolas" panose="020B0609020204030204" pitchFamily="49" charset="0"/>
-              </a:rPr>
-              <a:t>add</a:t>
-            </a:r>
-            <a:r>
-              <a:rPr lang="en-US" dirty="0">
-                <a:solidFill>
-                  <a:srgbClr val="D4D4D4"/>
-                </a:solidFill>
-                <a:latin typeface="Consolas" panose="020B0609020204030204" pitchFamily="49" charset="0"/>
-              </a:rPr>
-              <a:t> </a:t>
-            </a:r>
-            <a:r>
-              <a:rPr lang="en-US" dirty="0">
-                <a:solidFill>
-                  <a:srgbClr val="9CDCFE"/>
-                </a:solidFill>
-                <a:latin typeface="Consolas" panose="020B0609020204030204" pitchFamily="49" charset="0"/>
-              </a:rPr>
-              <a:t>name</a:t>
-            </a:r>
-            <a:r>
-              <a:rPr lang="en-US" dirty="0">
-                <a:solidFill>
-                  <a:srgbClr val="D4D4D4"/>
-                </a:solidFill>
-                <a:latin typeface="Consolas" panose="020B0609020204030204" pitchFamily="49" charset="0"/>
-              </a:rPr>
-              <a:t>=</a:t>
-            </a:r>
-            <a:r>
-              <a:rPr lang="en-US" dirty="0">
-                <a:solidFill>
-                  <a:srgbClr val="CE9178"/>
-                </a:solidFill>
-                <a:latin typeface="Consolas" panose="020B0609020204030204" pitchFamily="49" charset="0"/>
-              </a:rPr>
-              <a:t>"Feature-Policy"</a:t>
-            </a:r>
-            <a:r>
-              <a:rPr lang="en-US" dirty="0">
-                <a:solidFill>
-                  <a:srgbClr val="D4D4D4"/>
-                </a:solidFill>
-                <a:latin typeface="Consolas" panose="020B0609020204030204" pitchFamily="49" charset="0"/>
-              </a:rPr>
-              <a:t> </a:t>
-            </a:r>
-            <a:r>
-              <a:rPr lang="en-US" dirty="0">
-                <a:solidFill>
-                  <a:srgbClr val="9CDCFE"/>
-                </a:solidFill>
-                <a:latin typeface="Consolas" panose="020B0609020204030204" pitchFamily="49" charset="0"/>
-              </a:rPr>
-              <a:t>value</a:t>
-            </a:r>
-            <a:r>
-              <a:rPr lang="en-US" dirty="0">
-                <a:solidFill>
-                  <a:srgbClr val="D4D4D4"/>
-                </a:solidFill>
-                <a:latin typeface="Consolas" panose="020B0609020204030204" pitchFamily="49" charset="0"/>
-              </a:rPr>
-              <a:t>=</a:t>
-            </a:r>
-            <a:r>
-              <a:rPr lang="en-US" dirty="0">
-                <a:solidFill>
-                  <a:srgbClr val="CE9178"/>
-                </a:solidFill>
-                <a:latin typeface="Consolas" panose="020B0609020204030204" pitchFamily="49" charset="0"/>
-              </a:rPr>
-              <a:t>"camera 'none';" </a:t>
-            </a:r>
-            <a:r>
-              <a:rPr lang="en-US" dirty="0">
-                <a:solidFill>
-                  <a:srgbClr val="808080"/>
-                </a:solidFill>
-                <a:latin typeface="Consolas" panose="020B0609020204030204" pitchFamily="49" charset="0"/>
-              </a:rPr>
-              <a:t>/&gt;</a:t>
-            </a:r>
-            <a:br>
-              <a:rPr lang="en-US" dirty="0">
-                <a:solidFill>
-                  <a:srgbClr val="D4D4D4"/>
-                </a:solidFill>
-                <a:latin typeface="Consolas" panose="020B0609020204030204" pitchFamily="49" charset="0"/>
-              </a:rPr>
-            </a:br>
-            <a:r>
-              <a:rPr lang="en-US" dirty="0">
-                <a:solidFill>
-                  <a:srgbClr val="D4D4D4"/>
-                </a:solidFill>
-                <a:latin typeface="Consolas" panose="020B0609020204030204" pitchFamily="49" charset="0"/>
-              </a:rPr>
-              <a:t>    </a:t>
-            </a:r>
-            <a:r>
-              <a:rPr lang="en-US" dirty="0">
-                <a:solidFill>
-                  <a:srgbClr val="808080"/>
-                </a:solidFill>
-                <a:latin typeface="Consolas" panose="020B0609020204030204" pitchFamily="49" charset="0"/>
-              </a:rPr>
-              <a:t>&lt;</a:t>
-            </a:r>
-            <a:r>
-              <a:rPr lang="en-US" dirty="0">
-                <a:solidFill>
-                  <a:srgbClr val="569CD6"/>
-                </a:solidFill>
-                <a:latin typeface="Consolas" panose="020B0609020204030204" pitchFamily="49" charset="0"/>
-              </a:rPr>
-              <a:t>add</a:t>
-            </a:r>
-            <a:r>
-              <a:rPr lang="en-US" dirty="0">
-                <a:solidFill>
-                  <a:srgbClr val="D4D4D4"/>
-                </a:solidFill>
-                <a:latin typeface="Consolas" panose="020B0609020204030204" pitchFamily="49" charset="0"/>
-              </a:rPr>
-              <a:t> </a:t>
-            </a:r>
-            <a:r>
-              <a:rPr lang="en-US" dirty="0">
-                <a:solidFill>
-                  <a:srgbClr val="9CDCFE"/>
-                </a:solidFill>
-                <a:latin typeface="Consolas" panose="020B0609020204030204" pitchFamily="49" charset="0"/>
-              </a:rPr>
-              <a:t>name</a:t>
-            </a:r>
-            <a:r>
-              <a:rPr lang="en-US" dirty="0">
-                <a:solidFill>
-                  <a:srgbClr val="D4D4D4"/>
-                </a:solidFill>
-                <a:latin typeface="Consolas" panose="020B0609020204030204" pitchFamily="49" charset="0"/>
-              </a:rPr>
-              <a:t>=</a:t>
-            </a:r>
-            <a:r>
-              <a:rPr lang="en-US" dirty="0">
-                <a:solidFill>
-                  <a:srgbClr val="CE9178"/>
-                </a:solidFill>
-                <a:latin typeface="Consolas" panose="020B0609020204030204" pitchFamily="49" charset="0"/>
-              </a:rPr>
-              <a:t>"X-Content-Type-Options"</a:t>
-            </a:r>
-            <a:r>
-              <a:rPr lang="en-US" dirty="0">
-                <a:solidFill>
-                  <a:srgbClr val="D4D4D4"/>
-                </a:solidFill>
-                <a:latin typeface="Consolas" panose="020B0609020204030204" pitchFamily="49" charset="0"/>
-              </a:rPr>
-              <a:t> </a:t>
-            </a:r>
-            <a:r>
-              <a:rPr lang="en-US" dirty="0">
-                <a:solidFill>
-                  <a:srgbClr val="9CDCFE"/>
-                </a:solidFill>
-                <a:latin typeface="Consolas" panose="020B0609020204030204" pitchFamily="49" charset="0"/>
-              </a:rPr>
-              <a:t>value</a:t>
-            </a:r>
-            <a:r>
-              <a:rPr lang="en-US" dirty="0">
-                <a:solidFill>
-                  <a:srgbClr val="D4D4D4"/>
-                </a:solidFill>
-                <a:latin typeface="Consolas" panose="020B0609020204030204" pitchFamily="49" charset="0"/>
-              </a:rPr>
-              <a:t>=</a:t>
-            </a:r>
-            <a:r>
-              <a:rPr lang="en-US" dirty="0">
-                <a:solidFill>
-                  <a:srgbClr val="CE9178"/>
-                </a:solidFill>
-                <a:latin typeface="Consolas" panose="020B0609020204030204" pitchFamily="49" charset="0"/>
-              </a:rPr>
-              <a:t>"</a:t>
-            </a:r>
-            <a:r>
-              <a:rPr lang="en-US" dirty="0" err="1">
-                <a:solidFill>
-                  <a:srgbClr val="CE9178"/>
-                </a:solidFill>
-                <a:latin typeface="Consolas" panose="020B0609020204030204" pitchFamily="49" charset="0"/>
-              </a:rPr>
-              <a:t>nosniff</a:t>
-            </a:r>
-            <a:r>
-              <a:rPr lang="en-US" dirty="0">
-                <a:solidFill>
-                  <a:srgbClr val="CE9178"/>
-                </a:solidFill>
-                <a:latin typeface="Consolas" panose="020B0609020204030204" pitchFamily="49" charset="0"/>
-              </a:rPr>
-              <a:t>"</a:t>
-            </a:r>
-            <a:r>
-              <a:rPr lang="en-US" dirty="0">
-                <a:solidFill>
-                  <a:srgbClr val="808080"/>
-                </a:solidFill>
-                <a:latin typeface="Consolas" panose="020B0609020204030204" pitchFamily="49" charset="0"/>
-              </a:rPr>
-              <a:t>/&gt;</a:t>
-            </a:r>
-            <a:br>
-              <a:rPr lang="en-US" dirty="0">
-                <a:solidFill>
-                  <a:srgbClr val="D4D4D4"/>
-                </a:solidFill>
-                <a:latin typeface="Consolas" panose="020B0609020204030204" pitchFamily="49" charset="0"/>
-              </a:rPr>
-            </a:br>
-            <a:r>
-              <a:rPr lang="en-US" dirty="0">
-                <a:solidFill>
-                  <a:srgbClr val="D4D4D4"/>
-                </a:solidFill>
-                <a:latin typeface="Consolas" panose="020B0609020204030204" pitchFamily="49" charset="0"/>
-              </a:rPr>
-              <a:t>    </a:t>
-            </a:r>
-            <a:r>
-              <a:rPr lang="en-US" dirty="0">
-                <a:solidFill>
-                  <a:srgbClr val="808080"/>
-                </a:solidFill>
-                <a:latin typeface="Consolas" panose="020B0609020204030204" pitchFamily="49" charset="0"/>
-              </a:rPr>
-              <a:t>&lt;</a:t>
-            </a:r>
-            <a:r>
-              <a:rPr lang="en-US" dirty="0">
-                <a:solidFill>
-                  <a:srgbClr val="569CD6"/>
-                </a:solidFill>
-                <a:latin typeface="Consolas" panose="020B0609020204030204" pitchFamily="49" charset="0"/>
-              </a:rPr>
-              <a:t>add</a:t>
-            </a:r>
-            <a:r>
-              <a:rPr lang="en-US" dirty="0">
-                <a:solidFill>
-                  <a:srgbClr val="D4D4D4"/>
-                </a:solidFill>
-                <a:latin typeface="Consolas" panose="020B0609020204030204" pitchFamily="49" charset="0"/>
-              </a:rPr>
-              <a:t> </a:t>
-            </a:r>
-            <a:r>
-              <a:rPr lang="en-US" dirty="0">
-                <a:solidFill>
-                  <a:srgbClr val="9CDCFE"/>
-                </a:solidFill>
-                <a:latin typeface="Consolas" panose="020B0609020204030204" pitchFamily="49" charset="0"/>
-              </a:rPr>
-              <a:t>name</a:t>
-            </a:r>
-            <a:r>
-              <a:rPr lang="en-US" dirty="0">
-                <a:solidFill>
-                  <a:srgbClr val="D4D4D4"/>
-                </a:solidFill>
-                <a:latin typeface="Consolas" panose="020B0609020204030204" pitchFamily="49" charset="0"/>
-              </a:rPr>
-              <a:t>=</a:t>
-            </a:r>
-            <a:r>
-              <a:rPr lang="en-US" dirty="0">
-                <a:solidFill>
-                  <a:srgbClr val="CE9178"/>
-                </a:solidFill>
-                <a:latin typeface="Consolas" panose="020B0609020204030204" pitchFamily="49" charset="0"/>
-              </a:rPr>
-              <a:t>"Referrer-Policy"</a:t>
-            </a:r>
-            <a:r>
-              <a:rPr lang="en-US" dirty="0">
-                <a:solidFill>
-                  <a:srgbClr val="D4D4D4"/>
-                </a:solidFill>
-                <a:latin typeface="Consolas" panose="020B0609020204030204" pitchFamily="49" charset="0"/>
-              </a:rPr>
-              <a:t> </a:t>
-            </a:r>
-            <a:r>
-              <a:rPr lang="en-US" dirty="0">
-                <a:solidFill>
-                  <a:srgbClr val="9CDCFE"/>
-                </a:solidFill>
-                <a:latin typeface="Consolas" panose="020B0609020204030204" pitchFamily="49" charset="0"/>
-              </a:rPr>
-              <a:t>value</a:t>
-            </a:r>
-            <a:r>
-              <a:rPr lang="en-US" dirty="0">
-                <a:solidFill>
-                  <a:srgbClr val="D4D4D4"/>
-                </a:solidFill>
-                <a:latin typeface="Consolas" panose="020B0609020204030204" pitchFamily="49" charset="0"/>
-              </a:rPr>
-              <a:t>=</a:t>
-            </a:r>
-            <a:r>
-              <a:rPr lang="en-US" dirty="0">
-                <a:solidFill>
-                  <a:srgbClr val="CE9178"/>
-                </a:solidFill>
-                <a:latin typeface="Consolas" panose="020B0609020204030204" pitchFamily="49" charset="0"/>
-              </a:rPr>
-              <a:t>"same-origin"</a:t>
-            </a:r>
-            <a:r>
-              <a:rPr lang="en-US" dirty="0">
-                <a:solidFill>
-                  <a:srgbClr val="808080"/>
-                </a:solidFill>
-                <a:latin typeface="Consolas" panose="020B0609020204030204" pitchFamily="49" charset="0"/>
-              </a:rPr>
-              <a:t>/&gt;</a:t>
-            </a:r>
-            <a:br>
-              <a:rPr lang="en-US" dirty="0">
-                <a:solidFill>
-                  <a:srgbClr val="D4D4D4"/>
-                </a:solidFill>
-                <a:latin typeface="Consolas" panose="020B0609020204030204" pitchFamily="49" charset="0"/>
-              </a:rPr>
-            </a:br>
-            <a:r>
-              <a:rPr lang="en-US" dirty="0">
-                <a:solidFill>
-                  <a:srgbClr val="D4D4D4"/>
-                </a:solidFill>
-                <a:latin typeface="Consolas" panose="020B0609020204030204" pitchFamily="49" charset="0"/>
-              </a:rPr>
-              <a:t>    </a:t>
-            </a:r>
-            <a:r>
-              <a:rPr lang="en-US" dirty="0">
-                <a:solidFill>
-                  <a:srgbClr val="808080"/>
-                </a:solidFill>
-                <a:latin typeface="Consolas" panose="020B0609020204030204" pitchFamily="49" charset="0"/>
-              </a:rPr>
-              <a:t>&lt;</a:t>
-            </a:r>
-            <a:r>
-              <a:rPr lang="en-US" dirty="0">
-                <a:solidFill>
-                  <a:srgbClr val="569CD6"/>
-                </a:solidFill>
-                <a:latin typeface="Consolas" panose="020B0609020204030204" pitchFamily="49" charset="0"/>
-              </a:rPr>
-              <a:t>add</a:t>
-            </a:r>
-            <a:r>
-              <a:rPr lang="en-US" dirty="0">
-                <a:solidFill>
-                  <a:srgbClr val="D4D4D4"/>
-                </a:solidFill>
-                <a:latin typeface="Consolas" panose="020B0609020204030204" pitchFamily="49" charset="0"/>
-              </a:rPr>
-              <a:t> </a:t>
-            </a:r>
-            <a:r>
-              <a:rPr lang="en-US" dirty="0">
-                <a:solidFill>
-                  <a:srgbClr val="9CDCFE"/>
-                </a:solidFill>
-                <a:latin typeface="Consolas" panose="020B0609020204030204" pitchFamily="49" charset="0"/>
-              </a:rPr>
-              <a:t>name</a:t>
-            </a:r>
-            <a:r>
-              <a:rPr lang="en-US" dirty="0">
-                <a:solidFill>
-                  <a:srgbClr val="D4D4D4"/>
-                </a:solidFill>
-                <a:latin typeface="Consolas" panose="020B0609020204030204" pitchFamily="49" charset="0"/>
-              </a:rPr>
-              <a:t>=</a:t>
-            </a:r>
-            <a:r>
-              <a:rPr lang="en-US" dirty="0">
-                <a:solidFill>
-                  <a:srgbClr val="CE9178"/>
-                </a:solidFill>
-                <a:latin typeface="Consolas" panose="020B0609020204030204" pitchFamily="49" charset="0"/>
-              </a:rPr>
-              <a:t>"Strict-Transport-Security"</a:t>
-            </a:r>
-            <a:r>
-              <a:rPr lang="en-US" dirty="0">
-                <a:solidFill>
-                  <a:srgbClr val="D4D4D4"/>
-                </a:solidFill>
-                <a:latin typeface="Consolas" panose="020B0609020204030204" pitchFamily="49" charset="0"/>
-              </a:rPr>
-              <a:t> </a:t>
-            </a:r>
-            <a:r>
-              <a:rPr lang="en-US" dirty="0">
-                <a:solidFill>
-                  <a:srgbClr val="9CDCFE"/>
-                </a:solidFill>
-                <a:latin typeface="Consolas" panose="020B0609020204030204" pitchFamily="49" charset="0"/>
-              </a:rPr>
-              <a:t>value</a:t>
-            </a:r>
-            <a:r>
-              <a:rPr lang="en-US" dirty="0">
-                <a:solidFill>
-                  <a:srgbClr val="D4D4D4"/>
-                </a:solidFill>
-                <a:latin typeface="Consolas" panose="020B0609020204030204" pitchFamily="49" charset="0"/>
-              </a:rPr>
-              <a:t>=</a:t>
-            </a:r>
-            <a:r>
-              <a:rPr lang="en-US" dirty="0">
-                <a:solidFill>
-                  <a:srgbClr val="CE9178"/>
-                </a:solidFill>
-                <a:latin typeface="Consolas" panose="020B0609020204030204" pitchFamily="49" charset="0"/>
-              </a:rPr>
-              <a:t>"max-age=31536000; </a:t>
-            </a:r>
-            <a:r>
-              <a:rPr lang="en-US" dirty="0" err="1">
-                <a:solidFill>
-                  <a:srgbClr val="CE9178"/>
-                </a:solidFill>
-                <a:latin typeface="Consolas" panose="020B0609020204030204" pitchFamily="49" charset="0"/>
-              </a:rPr>
-              <a:t>includeSubDomains</a:t>
-            </a:r>
-            <a:r>
-              <a:rPr lang="en-US" dirty="0">
-                <a:solidFill>
-                  <a:srgbClr val="CE9178"/>
-                </a:solidFill>
-                <a:latin typeface="Consolas" panose="020B0609020204030204" pitchFamily="49" charset="0"/>
-              </a:rPr>
-              <a:t>"</a:t>
-            </a:r>
-            <a:r>
-              <a:rPr lang="en-US" dirty="0">
-                <a:solidFill>
-                  <a:srgbClr val="808080"/>
-                </a:solidFill>
-                <a:latin typeface="Consolas" panose="020B0609020204030204" pitchFamily="49" charset="0"/>
-              </a:rPr>
-              <a:t>/&gt;</a:t>
-            </a:r>
-            <a:br>
-              <a:rPr lang="en-US" dirty="0">
-                <a:solidFill>
-                  <a:srgbClr val="D4D4D4"/>
-                </a:solidFill>
-                <a:latin typeface="Consolas" panose="020B0609020204030204" pitchFamily="49" charset="0"/>
-              </a:rPr>
-            </a:br>
-            <a:r>
-              <a:rPr lang="en-US" dirty="0">
-                <a:solidFill>
-                  <a:srgbClr val="808080"/>
-                </a:solidFill>
-                <a:latin typeface="Consolas" panose="020B0609020204030204" pitchFamily="49" charset="0"/>
-              </a:rPr>
-              <a:t>&lt;/</a:t>
-            </a:r>
-            <a:r>
-              <a:rPr lang="en-US" dirty="0" err="1">
-                <a:solidFill>
-                  <a:srgbClr val="569CD6"/>
-                </a:solidFill>
-                <a:latin typeface="Consolas" panose="020B0609020204030204" pitchFamily="49" charset="0"/>
-              </a:rPr>
-              <a:t>customHeaders</a:t>
-            </a:r>
-            <a:r>
-              <a:rPr lang="en-US" dirty="0">
-                <a:solidFill>
-                  <a:srgbClr val="808080"/>
-                </a:solidFill>
-                <a:latin typeface="Consolas" panose="020B0609020204030204" pitchFamily="49" charset="0"/>
-              </a:rPr>
-              <a:t>&gt;</a:t>
-            </a:r>
-            <a:br>
-              <a:rPr lang="en-US" dirty="0">
-                <a:solidFill>
-                  <a:srgbClr val="D4D4D4"/>
-                </a:solidFill>
-                <a:latin typeface="Consolas" panose="020B0609020204030204" pitchFamily="49" charset="0"/>
-              </a:rPr>
-            </a:br>
-            <a:endParaRPr lang="en-US" dirty="0"/>
-          </a:p>
-        </p:txBody>
-      </p:sp>
-    </p:spTree>
-    <p:extLst>
-      <p:ext uri="{BB962C8B-B14F-4D97-AF65-F5344CB8AC3E}">
-        <p14:creationId xmlns:p14="http://schemas.microsoft.com/office/powerpoint/2010/main" val="2225785278"/>
       </p:ext>
     </p:extLst>
   </p:cSld>
@@ -8293,6 +8848,914 @@
                 </a:solidFill>
                 <a:latin typeface="Consolas" panose="020B0609020204030204" pitchFamily="49" charset="0"/>
               </a:rPr>
+              <a:t>Implementation – simple one</a:t>
+            </a:r>
+          </a:p>
+        </p:txBody>
+      </p:sp>
+      <p:sp>
+        <p:nvSpPr>
+          <p:cNvPr id="4" name="TextBox 3">
+            <a:extLst>
+              <a:ext uri="{FF2B5EF4-FFF2-40B4-BE49-F238E27FC236}">
+                <a16:creationId xmlns:a16="http://schemas.microsoft.com/office/drawing/2014/main" id="{954640BC-2FE1-4E94-8C62-CCACC8CC878D}"/>
+              </a:ext>
+            </a:extLst>
+          </p:cNvPr>
+          <p:cNvSpPr txBox="1"/>
+          <p:nvPr/>
+        </p:nvSpPr>
+        <p:spPr>
+          <a:xfrm>
+            <a:off x="381000" y="1690688"/>
+            <a:ext cx="11430000" cy="2585323"/>
+          </a:xfrm>
+          <a:prstGeom prst="rect">
+            <a:avLst/>
+          </a:prstGeom>
+          <a:noFill/>
+        </p:spPr>
+        <p:txBody>
+          <a:bodyPr wrap="square" rtlCol="0">
+            <a:spAutoFit/>
+          </a:bodyPr>
+          <a:lstStyle/>
+          <a:p>
+            <a:r>
+              <a:rPr lang="en-US" dirty="0">
+                <a:solidFill>
+                  <a:srgbClr val="808080"/>
+                </a:solidFill>
+                <a:latin typeface="Consolas" panose="020B0609020204030204" pitchFamily="49" charset="0"/>
+              </a:rPr>
+              <a:t>&lt;</a:t>
+            </a:r>
+            <a:r>
+              <a:rPr lang="en-US" dirty="0" err="1">
+                <a:solidFill>
+                  <a:srgbClr val="569CD6"/>
+                </a:solidFill>
+                <a:latin typeface="Consolas" panose="020B0609020204030204" pitchFamily="49" charset="0"/>
+              </a:rPr>
+              <a:t>customHeaders</a:t>
+            </a:r>
+            <a:r>
+              <a:rPr lang="en-US" dirty="0">
+                <a:solidFill>
+                  <a:srgbClr val="808080"/>
+                </a:solidFill>
+                <a:latin typeface="Consolas" panose="020B0609020204030204" pitchFamily="49" charset="0"/>
+              </a:rPr>
+              <a:t>&gt;</a:t>
+            </a:r>
+            <a:br>
+              <a:rPr lang="en-US" dirty="0">
+                <a:solidFill>
+                  <a:srgbClr val="D4D4D4"/>
+                </a:solidFill>
+                <a:latin typeface="Consolas" panose="020B0609020204030204" pitchFamily="49" charset="0"/>
+              </a:rPr>
+            </a:br>
+            <a:r>
+              <a:rPr lang="en-US" dirty="0">
+                <a:solidFill>
+                  <a:srgbClr val="D4D4D4"/>
+                </a:solidFill>
+                <a:latin typeface="Consolas" panose="020B0609020204030204" pitchFamily="49" charset="0"/>
+              </a:rPr>
+              <a:t>    </a:t>
+            </a:r>
+            <a:r>
+              <a:rPr lang="en-US" dirty="0">
+                <a:solidFill>
+                  <a:srgbClr val="808080"/>
+                </a:solidFill>
+                <a:latin typeface="Consolas" panose="020B0609020204030204" pitchFamily="49" charset="0"/>
+              </a:rPr>
+              <a:t>&lt;</a:t>
+            </a:r>
+            <a:r>
+              <a:rPr lang="en-US" dirty="0">
+                <a:solidFill>
+                  <a:srgbClr val="569CD6"/>
+                </a:solidFill>
+                <a:latin typeface="Consolas" panose="020B0609020204030204" pitchFamily="49" charset="0"/>
+              </a:rPr>
+              <a:t>add</a:t>
+            </a:r>
+            <a:r>
+              <a:rPr lang="en-US" dirty="0">
+                <a:solidFill>
+                  <a:srgbClr val="D4D4D4"/>
+                </a:solidFill>
+                <a:latin typeface="Consolas" panose="020B0609020204030204" pitchFamily="49" charset="0"/>
+              </a:rPr>
+              <a:t> </a:t>
+            </a:r>
+            <a:r>
+              <a:rPr lang="en-US" dirty="0">
+                <a:solidFill>
+                  <a:srgbClr val="9CDCFE"/>
+                </a:solidFill>
+                <a:latin typeface="Consolas" panose="020B0609020204030204" pitchFamily="49" charset="0"/>
+              </a:rPr>
+              <a:t>name</a:t>
+            </a:r>
+            <a:r>
+              <a:rPr lang="en-US" dirty="0">
+                <a:solidFill>
+                  <a:srgbClr val="D4D4D4"/>
+                </a:solidFill>
+                <a:latin typeface="Consolas" panose="020B0609020204030204" pitchFamily="49" charset="0"/>
+              </a:rPr>
+              <a:t>=</a:t>
+            </a:r>
+            <a:r>
+              <a:rPr lang="en-US" dirty="0">
+                <a:solidFill>
+                  <a:srgbClr val="CE9178"/>
+                </a:solidFill>
+                <a:latin typeface="Consolas" panose="020B0609020204030204" pitchFamily="49" charset="0"/>
+              </a:rPr>
+              <a:t>"Content-Security-Policy"</a:t>
+            </a:r>
+            <a:r>
+              <a:rPr lang="en-US" dirty="0">
+                <a:solidFill>
+                  <a:srgbClr val="D4D4D4"/>
+                </a:solidFill>
+                <a:latin typeface="Consolas" panose="020B0609020204030204" pitchFamily="49" charset="0"/>
+              </a:rPr>
+              <a:t> </a:t>
+            </a:r>
+            <a:r>
+              <a:rPr lang="en-US" dirty="0">
+                <a:solidFill>
+                  <a:srgbClr val="9CDCFE"/>
+                </a:solidFill>
+                <a:latin typeface="Consolas" panose="020B0609020204030204" pitchFamily="49" charset="0"/>
+              </a:rPr>
+              <a:t>value</a:t>
+            </a:r>
+            <a:r>
+              <a:rPr lang="en-US" dirty="0">
+                <a:solidFill>
+                  <a:srgbClr val="D4D4D4"/>
+                </a:solidFill>
+                <a:latin typeface="Consolas" panose="020B0609020204030204" pitchFamily="49" charset="0"/>
+              </a:rPr>
+              <a:t>=</a:t>
+            </a:r>
+            <a:r>
+              <a:rPr lang="en-US" dirty="0">
+                <a:solidFill>
+                  <a:srgbClr val="CE9178"/>
+                </a:solidFill>
+                <a:latin typeface="Consolas" panose="020B0609020204030204" pitchFamily="49" charset="0"/>
+              </a:rPr>
+              <a:t>"default-</a:t>
+            </a:r>
+            <a:r>
+              <a:rPr lang="en-US" dirty="0" err="1">
+                <a:solidFill>
+                  <a:srgbClr val="CE9178"/>
+                </a:solidFill>
+                <a:latin typeface="Consolas" panose="020B0609020204030204" pitchFamily="49" charset="0"/>
+              </a:rPr>
+              <a:t>src</a:t>
+            </a:r>
+            <a:r>
+              <a:rPr lang="en-US" dirty="0">
+                <a:solidFill>
+                  <a:srgbClr val="CE9178"/>
+                </a:solidFill>
+                <a:latin typeface="Consolas" panose="020B0609020204030204" pitchFamily="49" charset="0"/>
+              </a:rPr>
+              <a:t> 'none';"</a:t>
+            </a:r>
+            <a:r>
+              <a:rPr lang="en-US" dirty="0">
+                <a:solidFill>
+                  <a:srgbClr val="808080"/>
+                </a:solidFill>
+                <a:latin typeface="Consolas" panose="020B0609020204030204" pitchFamily="49" charset="0"/>
+              </a:rPr>
+              <a:t>/&gt;</a:t>
+            </a:r>
+          </a:p>
+          <a:p>
+            <a:r>
+              <a:rPr lang="en-US" dirty="0">
+                <a:solidFill>
+                  <a:srgbClr val="808080"/>
+                </a:solidFill>
+                <a:latin typeface="Consolas" panose="020B0609020204030204" pitchFamily="49" charset="0"/>
+              </a:rPr>
+              <a:t>    &lt;</a:t>
+            </a:r>
+            <a:r>
+              <a:rPr lang="en-US" dirty="0">
+                <a:solidFill>
+                  <a:srgbClr val="569CD6"/>
+                </a:solidFill>
+                <a:latin typeface="Consolas" panose="020B0609020204030204" pitchFamily="49" charset="0"/>
+              </a:rPr>
+              <a:t>add</a:t>
+            </a:r>
+            <a:r>
+              <a:rPr lang="en-US" dirty="0">
+                <a:solidFill>
+                  <a:srgbClr val="D4D4D4"/>
+                </a:solidFill>
+                <a:latin typeface="Consolas" panose="020B0609020204030204" pitchFamily="49" charset="0"/>
+              </a:rPr>
+              <a:t> </a:t>
+            </a:r>
+            <a:r>
+              <a:rPr lang="en-US" dirty="0">
+                <a:solidFill>
+                  <a:srgbClr val="9CDCFE"/>
+                </a:solidFill>
+                <a:latin typeface="Consolas" panose="020B0609020204030204" pitchFamily="49" charset="0"/>
+              </a:rPr>
+              <a:t>name</a:t>
+            </a:r>
+            <a:r>
+              <a:rPr lang="en-US" dirty="0">
+                <a:solidFill>
+                  <a:srgbClr val="D4D4D4"/>
+                </a:solidFill>
+                <a:latin typeface="Consolas" panose="020B0609020204030204" pitchFamily="49" charset="0"/>
+              </a:rPr>
+              <a:t>=</a:t>
+            </a:r>
+            <a:r>
+              <a:rPr lang="en-US" dirty="0">
+                <a:solidFill>
+                  <a:srgbClr val="CE9178"/>
+                </a:solidFill>
+                <a:latin typeface="Consolas" panose="020B0609020204030204" pitchFamily="49" charset="0"/>
+              </a:rPr>
+              <a:t>"X-Frame-Options"</a:t>
+            </a:r>
+            <a:r>
+              <a:rPr lang="en-US" dirty="0">
+                <a:solidFill>
+                  <a:srgbClr val="D4D4D4"/>
+                </a:solidFill>
+                <a:latin typeface="Consolas" panose="020B0609020204030204" pitchFamily="49" charset="0"/>
+              </a:rPr>
+              <a:t> </a:t>
+            </a:r>
+            <a:r>
+              <a:rPr lang="en-US" dirty="0">
+                <a:solidFill>
+                  <a:srgbClr val="9CDCFE"/>
+                </a:solidFill>
+                <a:latin typeface="Consolas" panose="020B0609020204030204" pitchFamily="49" charset="0"/>
+              </a:rPr>
+              <a:t>value</a:t>
+            </a:r>
+            <a:r>
+              <a:rPr lang="en-US" dirty="0">
+                <a:solidFill>
+                  <a:srgbClr val="D4D4D4"/>
+                </a:solidFill>
+                <a:latin typeface="Consolas" panose="020B0609020204030204" pitchFamily="49" charset="0"/>
+              </a:rPr>
+              <a:t>=</a:t>
+            </a:r>
+            <a:r>
+              <a:rPr lang="en-US" dirty="0">
+                <a:solidFill>
+                  <a:srgbClr val="CE9178"/>
+                </a:solidFill>
+                <a:latin typeface="Consolas" panose="020B0609020204030204" pitchFamily="49" charset="0"/>
+              </a:rPr>
+              <a:t>"deny"</a:t>
+            </a:r>
+            <a:r>
+              <a:rPr lang="en-US" dirty="0">
+                <a:solidFill>
+                  <a:srgbClr val="808080"/>
+                </a:solidFill>
+                <a:latin typeface="Consolas" panose="020B0609020204030204" pitchFamily="49" charset="0"/>
+              </a:rPr>
+              <a:t>/&gt;</a:t>
+            </a:r>
+            <a:br>
+              <a:rPr lang="en-US" dirty="0">
+                <a:solidFill>
+                  <a:srgbClr val="D4D4D4"/>
+                </a:solidFill>
+                <a:latin typeface="Consolas" panose="020B0609020204030204" pitchFamily="49" charset="0"/>
+              </a:rPr>
+            </a:br>
+            <a:r>
+              <a:rPr lang="en-US" dirty="0">
+                <a:solidFill>
+                  <a:srgbClr val="D4D4D4"/>
+                </a:solidFill>
+                <a:latin typeface="Consolas" panose="020B0609020204030204" pitchFamily="49" charset="0"/>
+              </a:rPr>
+              <a:t>    </a:t>
+            </a:r>
+            <a:r>
+              <a:rPr lang="en-US" dirty="0">
+                <a:solidFill>
+                  <a:srgbClr val="808080"/>
+                </a:solidFill>
+                <a:latin typeface="Consolas" panose="020B0609020204030204" pitchFamily="49" charset="0"/>
+              </a:rPr>
+              <a:t>&lt;</a:t>
+            </a:r>
+            <a:r>
+              <a:rPr lang="en-US" dirty="0">
+                <a:solidFill>
+                  <a:srgbClr val="569CD6"/>
+                </a:solidFill>
+                <a:latin typeface="Consolas" panose="020B0609020204030204" pitchFamily="49" charset="0"/>
+              </a:rPr>
+              <a:t>add</a:t>
+            </a:r>
+            <a:r>
+              <a:rPr lang="en-US" dirty="0">
+                <a:solidFill>
+                  <a:srgbClr val="D4D4D4"/>
+                </a:solidFill>
+                <a:latin typeface="Consolas" panose="020B0609020204030204" pitchFamily="49" charset="0"/>
+              </a:rPr>
+              <a:t> </a:t>
+            </a:r>
+            <a:r>
+              <a:rPr lang="en-US" dirty="0">
+                <a:solidFill>
+                  <a:srgbClr val="9CDCFE"/>
+                </a:solidFill>
+                <a:latin typeface="Consolas" panose="020B0609020204030204" pitchFamily="49" charset="0"/>
+              </a:rPr>
+              <a:t>name</a:t>
+            </a:r>
+            <a:r>
+              <a:rPr lang="en-US" dirty="0">
+                <a:solidFill>
+                  <a:srgbClr val="D4D4D4"/>
+                </a:solidFill>
+                <a:latin typeface="Consolas" panose="020B0609020204030204" pitchFamily="49" charset="0"/>
+              </a:rPr>
+              <a:t>=</a:t>
+            </a:r>
+            <a:r>
+              <a:rPr lang="en-US" dirty="0">
+                <a:solidFill>
+                  <a:srgbClr val="CE9178"/>
+                </a:solidFill>
+                <a:latin typeface="Consolas" panose="020B0609020204030204" pitchFamily="49" charset="0"/>
+              </a:rPr>
+              <a:t>"Feature-Policy"</a:t>
+            </a:r>
+            <a:r>
+              <a:rPr lang="en-US" dirty="0">
+                <a:solidFill>
+                  <a:srgbClr val="D4D4D4"/>
+                </a:solidFill>
+                <a:latin typeface="Consolas" panose="020B0609020204030204" pitchFamily="49" charset="0"/>
+              </a:rPr>
+              <a:t> </a:t>
+            </a:r>
+            <a:r>
+              <a:rPr lang="en-US" dirty="0">
+                <a:solidFill>
+                  <a:srgbClr val="9CDCFE"/>
+                </a:solidFill>
+                <a:latin typeface="Consolas" panose="020B0609020204030204" pitchFamily="49" charset="0"/>
+              </a:rPr>
+              <a:t>value</a:t>
+            </a:r>
+            <a:r>
+              <a:rPr lang="en-US" dirty="0">
+                <a:solidFill>
+                  <a:srgbClr val="D4D4D4"/>
+                </a:solidFill>
+                <a:latin typeface="Consolas" panose="020B0609020204030204" pitchFamily="49" charset="0"/>
+              </a:rPr>
+              <a:t>=</a:t>
+            </a:r>
+            <a:r>
+              <a:rPr lang="en-US" dirty="0">
+                <a:solidFill>
+                  <a:srgbClr val="CE9178"/>
+                </a:solidFill>
+                <a:latin typeface="Consolas" panose="020B0609020204030204" pitchFamily="49" charset="0"/>
+              </a:rPr>
+              <a:t>"camera 'none';" </a:t>
+            </a:r>
+            <a:r>
+              <a:rPr lang="en-US" dirty="0">
+                <a:solidFill>
+                  <a:srgbClr val="808080"/>
+                </a:solidFill>
+                <a:latin typeface="Consolas" panose="020B0609020204030204" pitchFamily="49" charset="0"/>
+              </a:rPr>
+              <a:t>/&gt;</a:t>
+            </a:r>
+            <a:br>
+              <a:rPr lang="en-US" dirty="0">
+                <a:solidFill>
+                  <a:srgbClr val="D4D4D4"/>
+                </a:solidFill>
+                <a:latin typeface="Consolas" panose="020B0609020204030204" pitchFamily="49" charset="0"/>
+              </a:rPr>
+            </a:br>
+            <a:r>
+              <a:rPr lang="en-US" dirty="0">
+                <a:solidFill>
+                  <a:srgbClr val="D4D4D4"/>
+                </a:solidFill>
+                <a:latin typeface="Consolas" panose="020B0609020204030204" pitchFamily="49" charset="0"/>
+              </a:rPr>
+              <a:t>    </a:t>
+            </a:r>
+            <a:r>
+              <a:rPr lang="en-US" dirty="0">
+                <a:solidFill>
+                  <a:srgbClr val="808080"/>
+                </a:solidFill>
+                <a:latin typeface="Consolas" panose="020B0609020204030204" pitchFamily="49" charset="0"/>
+              </a:rPr>
+              <a:t>&lt;</a:t>
+            </a:r>
+            <a:r>
+              <a:rPr lang="en-US" dirty="0">
+                <a:solidFill>
+                  <a:srgbClr val="569CD6"/>
+                </a:solidFill>
+                <a:latin typeface="Consolas" panose="020B0609020204030204" pitchFamily="49" charset="0"/>
+              </a:rPr>
+              <a:t>add</a:t>
+            </a:r>
+            <a:r>
+              <a:rPr lang="en-US" dirty="0">
+                <a:solidFill>
+                  <a:srgbClr val="D4D4D4"/>
+                </a:solidFill>
+                <a:latin typeface="Consolas" panose="020B0609020204030204" pitchFamily="49" charset="0"/>
+              </a:rPr>
+              <a:t> </a:t>
+            </a:r>
+            <a:r>
+              <a:rPr lang="en-US" dirty="0">
+                <a:solidFill>
+                  <a:srgbClr val="9CDCFE"/>
+                </a:solidFill>
+                <a:latin typeface="Consolas" panose="020B0609020204030204" pitchFamily="49" charset="0"/>
+              </a:rPr>
+              <a:t>name</a:t>
+            </a:r>
+            <a:r>
+              <a:rPr lang="en-US" dirty="0">
+                <a:solidFill>
+                  <a:srgbClr val="D4D4D4"/>
+                </a:solidFill>
+                <a:latin typeface="Consolas" panose="020B0609020204030204" pitchFamily="49" charset="0"/>
+              </a:rPr>
+              <a:t>=</a:t>
+            </a:r>
+            <a:r>
+              <a:rPr lang="en-US" dirty="0">
+                <a:solidFill>
+                  <a:srgbClr val="CE9178"/>
+                </a:solidFill>
+                <a:latin typeface="Consolas" panose="020B0609020204030204" pitchFamily="49" charset="0"/>
+              </a:rPr>
+              <a:t>"X-Content-Type-Options"</a:t>
+            </a:r>
+            <a:r>
+              <a:rPr lang="en-US" dirty="0">
+                <a:solidFill>
+                  <a:srgbClr val="D4D4D4"/>
+                </a:solidFill>
+                <a:latin typeface="Consolas" panose="020B0609020204030204" pitchFamily="49" charset="0"/>
+              </a:rPr>
+              <a:t> </a:t>
+            </a:r>
+            <a:r>
+              <a:rPr lang="en-US" dirty="0">
+                <a:solidFill>
+                  <a:srgbClr val="9CDCFE"/>
+                </a:solidFill>
+                <a:latin typeface="Consolas" panose="020B0609020204030204" pitchFamily="49" charset="0"/>
+              </a:rPr>
+              <a:t>value</a:t>
+            </a:r>
+            <a:r>
+              <a:rPr lang="en-US" dirty="0">
+                <a:solidFill>
+                  <a:srgbClr val="D4D4D4"/>
+                </a:solidFill>
+                <a:latin typeface="Consolas" panose="020B0609020204030204" pitchFamily="49" charset="0"/>
+              </a:rPr>
+              <a:t>=</a:t>
+            </a:r>
+            <a:r>
+              <a:rPr lang="en-US" dirty="0">
+                <a:solidFill>
+                  <a:srgbClr val="CE9178"/>
+                </a:solidFill>
+                <a:latin typeface="Consolas" panose="020B0609020204030204" pitchFamily="49" charset="0"/>
+              </a:rPr>
+              <a:t>"</a:t>
+            </a:r>
+            <a:r>
+              <a:rPr lang="en-US" dirty="0" err="1">
+                <a:solidFill>
+                  <a:srgbClr val="CE9178"/>
+                </a:solidFill>
+                <a:latin typeface="Consolas" panose="020B0609020204030204" pitchFamily="49" charset="0"/>
+              </a:rPr>
+              <a:t>nosniff</a:t>
+            </a:r>
+            <a:r>
+              <a:rPr lang="en-US" dirty="0">
+                <a:solidFill>
+                  <a:srgbClr val="CE9178"/>
+                </a:solidFill>
+                <a:latin typeface="Consolas" panose="020B0609020204030204" pitchFamily="49" charset="0"/>
+              </a:rPr>
+              <a:t>"</a:t>
+            </a:r>
+            <a:r>
+              <a:rPr lang="en-US" dirty="0">
+                <a:solidFill>
+                  <a:srgbClr val="808080"/>
+                </a:solidFill>
+                <a:latin typeface="Consolas" panose="020B0609020204030204" pitchFamily="49" charset="0"/>
+              </a:rPr>
+              <a:t>/&gt;</a:t>
+            </a:r>
+            <a:br>
+              <a:rPr lang="en-US" dirty="0">
+                <a:solidFill>
+                  <a:srgbClr val="D4D4D4"/>
+                </a:solidFill>
+                <a:latin typeface="Consolas" panose="020B0609020204030204" pitchFamily="49" charset="0"/>
+              </a:rPr>
+            </a:br>
+            <a:r>
+              <a:rPr lang="en-US" dirty="0">
+                <a:solidFill>
+                  <a:srgbClr val="D4D4D4"/>
+                </a:solidFill>
+                <a:latin typeface="Consolas" panose="020B0609020204030204" pitchFamily="49" charset="0"/>
+              </a:rPr>
+              <a:t>    </a:t>
+            </a:r>
+            <a:r>
+              <a:rPr lang="en-US" dirty="0">
+                <a:solidFill>
+                  <a:srgbClr val="808080"/>
+                </a:solidFill>
+                <a:latin typeface="Consolas" panose="020B0609020204030204" pitchFamily="49" charset="0"/>
+              </a:rPr>
+              <a:t>&lt;</a:t>
+            </a:r>
+            <a:r>
+              <a:rPr lang="en-US" dirty="0">
+                <a:solidFill>
+                  <a:srgbClr val="569CD6"/>
+                </a:solidFill>
+                <a:latin typeface="Consolas" panose="020B0609020204030204" pitchFamily="49" charset="0"/>
+              </a:rPr>
+              <a:t>add</a:t>
+            </a:r>
+            <a:r>
+              <a:rPr lang="en-US" dirty="0">
+                <a:solidFill>
+                  <a:srgbClr val="D4D4D4"/>
+                </a:solidFill>
+                <a:latin typeface="Consolas" panose="020B0609020204030204" pitchFamily="49" charset="0"/>
+              </a:rPr>
+              <a:t> </a:t>
+            </a:r>
+            <a:r>
+              <a:rPr lang="en-US" dirty="0">
+                <a:solidFill>
+                  <a:srgbClr val="9CDCFE"/>
+                </a:solidFill>
+                <a:latin typeface="Consolas" panose="020B0609020204030204" pitchFamily="49" charset="0"/>
+              </a:rPr>
+              <a:t>name</a:t>
+            </a:r>
+            <a:r>
+              <a:rPr lang="en-US" dirty="0">
+                <a:solidFill>
+                  <a:srgbClr val="D4D4D4"/>
+                </a:solidFill>
+                <a:latin typeface="Consolas" panose="020B0609020204030204" pitchFamily="49" charset="0"/>
+              </a:rPr>
+              <a:t>=</a:t>
+            </a:r>
+            <a:r>
+              <a:rPr lang="en-US" dirty="0">
+                <a:solidFill>
+                  <a:srgbClr val="CE9178"/>
+                </a:solidFill>
+                <a:latin typeface="Consolas" panose="020B0609020204030204" pitchFamily="49" charset="0"/>
+              </a:rPr>
+              <a:t>"Referrer-Policy"</a:t>
+            </a:r>
+            <a:r>
+              <a:rPr lang="en-US" dirty="0">
+                <a:solidFill>
+                  <a:srgbClr val="D4D4D4"/>
+                </a:solidFill>
+                <a:latin typeface="Consolas" panose="020B0609020204030204" pitchFamily="49" charset="0"/>
+              </a:rPr>
+              <a:t> </a:t>
+            </a:r>
+            <a:r>
+              <a:rPr lang="en-US" dirty="0">
+                <a:solidFill>
+                  <a:srgbClr val="9CDCFE"/>
+                </a:solidFill>
+                <a:latin typeface="Consolas" panose="020B0609020204030204" pitchFamily="49" charset="0"/>
+              </a:rPr>
+              <a:t>value</a:t>
+            </a:r>
+            <a:r>
+              <a:rPr lang="en-US" dirty="0">
+                <a:solidFill>
+                  <a:srgbClr val="D4D4D4"/>
+                </a:solidFill>
+                <a:latin typeface="Consolas" panose="020B0609020204030204" pitchFamily="49" charset="0"/>
+              </a:rPr>
+              <a:t>=</a:t>
+            </a:r>
+            <a:r>
+              <a:rPr lang="en-US" dirty="0">
+                <a:solidFill>
+                  <a:srgbClr val="CE9178"/>
+                </a:solidFill>
+                <a:latin typeface="Consolas" panose="020B0609020204030204" pitchFamily="49" charset="0"/>
+              </a:rPr>
+              <a:t>"same-origin"</a:t>
+            </a:r>
+            <a:r>
+              <a:rPr lang="en-US" dirty="0">
+                <a:solidFill>
+                  <a:srgbClr val="808080"/>
+                </a:solidFill>
+                <a:latin typeface="Consolas" panose="020B0609020204030204" pitchFamily="49" charset="0"/>
+              </a:rPr>
+              <a:t>/&gt;</a:t>
+            </a:r>
+            <a:br>
+              <a:rPr lang="en-US" dirty="0">
+                <a:solidFill>
+                  <a:srgbClr val="D4D4D4"/>
+                </a:solidFill>
+                <a:latin typeface="Consolas" panose="020B0609020204030204" pitchFamily="49" charset="0"/>
+              </a:rPr>
+            </a:br>
+            <a:r>
+              <a:rPr lang="en-US" dirty="0">
+                <a:solidFill>
+                  <a:srgbClr val="D4D4D4"/>
+                </a:solidFill>
+                <a:latin typeface="Consolas" panose="020B0609020204030204" pitchFamily="49" charset="0"/>
+              </a:rPr>
+              <a:t>    </a:t>
+            </a:r>
+            <a:r>
+              <a:rPr lang="en-US" dirty="0">
+                <a:solidFill>
+                  <a:srgbClr val="808080"/>
+                </a:solidFill>
+                <a:latin typeface="Consolas" panose="020B0609020204030204" pitchFamily="49" charset="0"/>
+              </a:rPr>
+              <a:t>&lt;</a:t>
+            </a:r>
+            <a:r>
+              <a:rPr lang="en-US" dirty="0">
+                <a:solidFill>
+                  <a:srgbClr val="569CD6"/>
+                </a:solidFill>
+                <a:latin typeface="Consolas" panose="020B0609020204030204" pitchFamily="49" charset="0"/>
+              </a:rPr>
+              <a:t>add</a:t>
+            </a:r>
+            <a:r>
+              <a:rPr lang="en-US" dirty="0">
+                <a:solidFill>
+                  <a:srgbClr val="D4D4D4"/>
+                </a:solidFill>
+                <a:latin typeface="Consolas" panose="020B0609020204030204" pitchFamily="49" charset="0"/>
+              </a:rPr>
+              <a:t> </a:t>
+            </a:r>
+            <a:r>
+              <a:rPr lang="en-US" dirty="0">
+                <a:solidFill>
+                  <a:srgbClr val="9CDCFE"/>
+                </a:solidFill>
+                <a:latin typeface="Consolas" panose="020B0609020204030204" pitchFamily="49" charset="0"/>
+              </a:rPr>
+              <a:t>name</a:t>
+            </a:r>
+            <a:r>
+              <a:rPr lang="en-US" dirty="0">
+                <a:solidFill>
+                  <a:srgbClr val="D4D4D4"/>
+                </a:solidFill>
+                <a:latin typeface="Consolas" panose="020B0609020204030204" pitchFamily="49" charset="0"/>
+              </a:rPr>
+              <a:t>=</a:t>
+            </a:r>
+            <a:r>
+              <a:rPr lang="en-US" dirty="0">
+                <a:solidFill>
+                  <a:srgbClr val="CE9178"/>
+                </a:solidFill>
+                <a:latin typeface="Consolas" panose="020B0609020204030204" pitchFamily="49" charset="0"/>
+              </a:rPr>
+              <a:t>"Strict-Transport-Security"</a:t>
+            </a:r>
+            <a:r>
+              <a:rPr lang="en-US" dirty="0">
+                <a:solidFill>
+                  <a:srgbClr val="D4D4D4"/>
+                </a:solidFill>
+                <a:latin typeface="Consolas" panose="020B0609020204030204" pitchFamily="49" charset="0"/>
+              </a:rPr>
+              <a:t> </a:t>
+            </a:r>
+            <a:r>
+              <a:rPr lang="en-US" dirty="0">
+                <a:solidFill>
+                  <a:srgbClr val="9CDCFE"/>
+                </a:solidFill>
+                <a:latin typeface="Consolas" panose="020B0609020204030204" pitchFamily="49" charset="0"/>
+              </a:rPr>
+              <a:t>value</a:t>
+            </a:r>
+            <a:r>
+              <a:rPr lang="en-US" dirty="0">
+                <a:solidFill>
+                  <a:srgbClr val="D4D4D4"/>
+                </a:solidFill>
+                <a:latin typeface="Consolas" panose="020B0609020204030204" pitchFamily="49" charset="0"/>
+              </a:rPr>
+              <a:t>=</a:t>
+            </a:r>
+            <a:r>
+              <a:rPr lang="en-US" dirty="0">
+                <a:solidFill>
+                  <a:srgbClr val="CE9178"/>
+                </a:solidFill>
+                <a:latin typeface="Consolas" panose="020B0609020204030204" pitchFamily="49" charset="0"/>
+              </a:rPr>
+              <a:t>"max-age=31536000; </a:t>
+            </a:r>
+            <a:r>
+              <a:rPr lang="en-US" dirty="0" err="1">
+                <a:solidFill>
+                  <a:srgbClr val="CE9178"/>
+                </a:solidFill>
+                <a:latin typeface="Consolas" panose="020B0609020204030204" pitchFamily="49" charset="0"/>
+              </a:rPr>
+              <a:t>includeSubDomains</a:t>
+            </a:r>
+            <a:r>
+              <a:rPr lang="en-US" dirty="0">
+                <a:solidFill>
+                  <a:srgbClr val="CE9178"/>
+                </a:solidFill>
+                <a:latin typeface="Consolas" panose="020B0609020204030204" pitchFamily="49" charset="0"/>
+              </a:rPr>
+              <a:t>"</a:t>
+            </a:r>
+            <a:r>
+              <a:rPr lang="en-US" dirty="0">
+                <a:solidFill>
+                  <a:srgbClr val="808080"/>
+                </a:solidFill>
+                <a:latin typeface="Consolas" panose="020B0609020204030204" pitchFamily="49" charset="0"/>
+              </a:rPr>
+              <a:t>/&gt;</a:t>
+            </a:r>
+            <a:br>
+              <a:rPr lang="en-US" dirty="0">
+                <a:solidFill>
+                  <a:srgbClr val="D4D4D4"/>
+                </a:solidFill>
+                <a:latin typeface="Consolas" panose="020B0609020204030204" pitchFamily="49" charset="0"/>
+              </a:rPr>
+            </a:br>
+            <a:r>
+              <a:rPr lang="en-US" dirty="0">
+                <a:solidFill>
+                  <a:srgbClr val="808080"/>
+                </a:solidFill>
+                <a:latin typeface="Consolas" panose="020B0609020204030204" pitchFamily="49" charset="0"/>
+              </a:rPr>
+              <a:t>&lt;/</a:t>
+            </a:r>
+            <a:r>
+              <a:rPr lang="en-US" dirty="0" err="1">
+                <a:solidFill>
+                  <a:srgbClr val="569CD6"/>
+                </a:solidFill>
+                <a:latin typeface="Consolas" panose="020B0609020204030204" pitchFamily="49" charset="0"/>
+              </a:rPr>
+              <a:t>customHeaders</a:t>
+            </a:r>
+            <a:r>
+              <a:rPr lang="en-US" dirty="0">
+                <a:solidFill>
+                  <a:srgbClr val="808080"/>
+                </a:solidFill>
+                <a:latin typeface="Consolas" panose="020B0609020204030204" pitchFamily="49" charset="0"/>
+              </a:rPr>
+              <a:t>&gt;</a:t>
+            </a:r>
+            <a:br>
+              <a:rPr lang="en-US" dirty="0">
+                <a:solidFill>
+                  <a:srgbClr val="D4D4D4"/>
+                </a:solidFill>
+                <a:latin typeface="Consolas" panose="020B0609020204030204" pitchFamily="49" charset="0"/>
+              </a:rPr>
+            </a:br>
+            <a:endParaRPr lang="en-US" dirty="0"/>
+          </a:p>
+        </p:txBody>
+      </p:sp>
+    </p:spTree>
+    <p:extLst>
+      <p:ext uri="{BB962C8B-B14F-4D97-AF65-F5344CB8AC3E}">
+        <p14:creationId xmlns:p14="http://schemas.microsoft.com/office/powerpoint/2010/main" val="2225785278"/>
+      </p:ext>
+    </p:extLst>
+  </p:cSld>
+  <p:clrMapOvr>
+    <a:masterClrMapping/>
+  </p:clrMapOvr>
+</p:sld>
+</file>
+
+<file path=ppt/slides/slide35.xml><?xml version="1.0" encoding="utf-8"?>
+<p:sld xmlns:a="http://schemas.openxmlformats.org/drawingml/2006/main" xmlns:r="http://schemas.openxmlformats.org/officeDocument/2006/relationships" xmlns:p="http://schemas.openxmlformats.org/presentationml/2006/main">
+  <p:cSld>
+    <p:bg>
+      <p:bgPr>
+        <a:solidFill>
+          <a:schemeClr val="tx1"/>
+        </a:solidFill>
+        <a:effectLst/>
+      </p:bgPr>
+    </p:bg>
+    <p:spTree>
+      <p:nvGrpSpPr>
+        <p:cNvPr id="1" name=""/>
+        <p:cNvGrpSpPr/>
+        <p:nvPr/>
+      </p:nvGrpSpPr>
+      <p:grpSpPr>
+        <a:xfrm>
+          <a:off x="0" y="0"/>
+          <a:ext cx="0" cy="0"/>
+          <a:chOff x="0" y="0"/>
+          <a:chExt cx="0" cy="0"/>
+        </a:xfrm>
+      </p:grpSpPr>
+      <p:sp>
+        <p:nvSpPr>
+          <p:cNvPr id="2" name="Title 1">
+            <a:extLst>
+              <a:ext uri="{FF2B5EF4-FFF2-40B4-BE49-F238E27FC236}">
+                <a16:creationId xmlns:a16="http://schemas.microsoft.com/office/drawing/2014/main" id="{823F2885-08A5-4667-942E-E4C45C79585F}"/>
+              </a:ext>
+            </a:extLst>
+          </p:cNvPr>
+          <p:cNvSpPr>
+            <a:spLocks noGrp="1"/>
+          </p:cNvSpPr>
+          <p:nvPr>
+            <p:ph type="title"/>
+          </p:nvPr>
+        </p:nvSpPr>
+        <p:spPr/>
+        <p:txBody>
+          <a:bodyPr/>
+          <a:lstStyle/>
+          <a:p>
+            <a:r>
+              <a:rPr lang="en-US" dirty="0">
+                <a:solidFill>
+                  <a:schemeClr val="bg1"/>
+                </a:solidFill>
+                <a:latin typeface="Consolas" panose="020B0609020204030204" pitchFamily="49" charset="0"/>
+              </a:rPr>
               <a:t>Implementation – advanced</a:t>
             </a:r>
           </a:p>
@@ -9543,7 +11006,7 @@
 </p:sld>
 </file>
 
-<file path=ppt/slides/slide35.xml><?xml version="1.0" encoding="utf-8"?>
+<file path=ppt/slides/slide36.xml><?xml version="1.0" encoding="utf-8"?>
 <p:sld xmlns:a="http://schemas.openxmlformats.org/drawingml/2006/main" xmlns:r="http://schemas.openxmlformats.org/officeDocument/2006/relationships" xmlns:p="http://schemas.openxmlformats.org/presentationml/2006/main">
   <p:cSld>
     <p:bg>
@@ -9630,7 +11093,7 @@
 </p:sld>
 </file>
 
-<file path=ppt/slides/slide36.xml><?xml version="1.0" encoding="utf-8"?>
+<file path=ppt/slides/slide37.xml><?xml version="1.0" encoding="utf-8"?>
 <p:sld xmlns:a="http://schemas.openxmlformats.org/drawingml/2006/main" xmlns:r="http://schemas.openxmlformats.org/officeDocument/2006/relationships" xmlns:p="http://schemas.openxmlformats.org/presentationml/2006/main">
   <p:cSld>
     <p:bg>
@@ -10037,7 +11500,7 @@
 </p:sld>
 </file>
 
-<file path=ppt/slides/slide37.xml><?xml version="1.0" encoding="utf-8"?>
+<file path=ppt/slides/slide38.xml><?xml version="1.0" encoding="utf-8"?>
 <p:sld xmlns:a="http://schemas.openxmlformats.org/drawingml/2006/main" xmlns:r="http://schemas.openxmlformats.org/officeDocument/2006/relationships" xmlns:p="http://schemas.openxmlformats.org/presentationml/2006/main">
   <p:cSld>
     <p:bg>
@@ -10160,7 +11623,7 @@
 </p:sld>
 </file>
 
-<file path=ppt/slides/slide38.xml><?xml version="1.0" encoding="utf-8"?>
+<file path=ppt/slides/slide39.xml><?xml version="1.0" encoding="utf-8"?>
 <p:sld xmlns:a="http://schemas.openxmlformats.org/drawingml/2006/main" xmlns:r="http://schemas.openxmlformats.org/officeDocument/2006/relationships" xmlns:p="http://schemas.openxmlformats.org/presentationml/2006/main">
   <p:cSld>
     <p:bg>
@@ -11378,7 +12841,115 @@
 </p:sld>
 </file>
 
-<file path=ppt/slides/slide39.xml><?xml version="1.0" encoding="utf-8"?>
+<file path=ppt/slides/slide4.xml><?xml version="1.0" encoding="utf-8"?>
+<p:sld xmlns:a="http://schemas.openxmlformats.org/drawingml/2006/main" xmlns:r="http://schemas.openxmlformats.org/officeDocument/2006/relationships" xmlns:p="http://schemas.openxmlformats.org/presentationml/2006/main">
+  <p:cSld>
+    <p:bg>
+      <p:bgPr>
+        <a:solidFill>
+          <a:schemeClr val="tx1"/>
+        </a:solidFill>
+        <a:effectLst/>
+      </p:bgPr>
+    </p:bg>
+    <p:spTree>
+      <p:nvGrpSpPr>
+        <p:cNvPr id="1" name=""/>
+        <p:cNvGrpSpPr/>
+        <p:nvPr/>
+      </p:nvGrpSpPr>
+      <p:grpSpPr>
+        <a:xfrm>
+          <a:off x="0" y="0"/>
+          <a:ext cx="0" cy="0"/>
+          <a:chOff x="0" y="0"/>
+          <a:chExt cx="0" cy="0"/>
+        </a:xfrm>
+      </p:grpSpPr>
+      <p:sp>
+        <p:nvSpPr>
+          <p:cNvPr id="2" name="Title 1">
+            <a:extLst>
+              <a:ext uri="{FF2B5EF4-FFF2-40B4-BE49-F238E27FC236}">
+                <a16:creationId xmlns:a16="http://schemas.microsoft.com/office/drawing/2014/main" id="{B4E042DA-BBDB-4833-ADDD-4970CEB1A6D3}"/>
+              </a:ext>
+            </a:extLst>
+          </p:cNvPr>
+          <p:cNvSpPr>
+            <a:spLocks noGrp="1"/>
+          </p:cNvSpPr>
+          <p:nvPr>
+            <p:ph type="ctrTitle"/>
+          </p:nvPr>
+        </p:nvSpPr>
+        <p:spPr/>
+        <p:txBody>
+          <a:bodyPr>
+            <a:normAutofit/>
+          </a:bodyPr>
+          <a:lstStyle/>
+          <a:p>
+            <a:r>
+              <a:rPr lang="en-US" sz="5400" dirty="0">
+                <a:solidFill>
+                  <a:schemeClr val="bg1"/>
+                </a:solidFill>
+                <a:latin typeface="Consolas" panose="020B0609020204030204" pitchFamily="49" charset="0"/>
+              </a:rPr>
+              <a:t>CONTENT-SECURITY-POLICY</a:t>
+            </a:r>
+          </a:p>
+        </p:txBody>
+      </p:sp>
+      <p:sp>
+        <p:nvSpPr>
+          <p:cNvPr id="3" name="Subtitle 2">
+            <a:extLst>
+              <a:ext uri="{FF2B5EF4-FFF2-40B4-BE49-F238E27FC236}">
+                <a16:creationId xmlns:a16="http://schemas.microsoft.com/office/drawing/2014/main" id="{2E29D3D5-BE75-451C-8BFD-D64CE9586065}"/>
+              </a:ext>
+            </a:extLst>
+          </p:cNvPr>
+          <p:cNvSpPr>
+            <a:spLocks noGrp="1"/>
+          </p:cNvSpPr>
+          <p:nvPr>
+            <p:ph type="subTitle" idx="1"/>
+          </p:nvPr>
+        </p:nvSpPr>
+        <p:spPr/>
+        <p:txBody>
+          <a:bodyPr>
+            <a:normAutofit/>
+          </a:bodyPr>
+          <a:lstStyle/>
+          <a:p>
+            <a:r>
+              <a:rPr lang="en-US" sz="2800" u="sng" dirty="0">
+                <a:solidFill>
+                  <a:schemeClr val="bg1"/>
+                </a:solidFill>
+                <a:latin typeface="Consolas" panose="020B0609020204030204" pitchFamily="49" charset="0"/>
+              </a:rPr>
+              <a:t>don’t touch</a:t>
+            </a:r>
+          </a:p>
+        </p:txBody>
+      </p:sp>
+    </p:spTree>
+    <p:extLst>
+      <p:ext uri="{BB962C8B-B14F-4D97-AF65-F5344CB8AC3E}">
+        <p14:creationId xmlns:p14="http://schemas.microsoft.com/office/powerpoint/2010/main" val="2750863833"/>
+      </p:ext>
+    </p:extLst>
+  </p:cSld>
+  <p:clrMapOvr>
+    <a:masterClrMapping/>
+  </p:clrMapOvr>
+</p:sld>
+</file>
+
+<file path=ppt/slides/slide40.xml><?xml version="1.0" encoding="utf-8"?>
 <p:sld xmlns:a="http://schemas.openxmlformats.org/drawingml/2006/main" xmlns:r="http://schemas.openxmlformats.org/officeDocument/2006/relationships" xmlns:p="http://schemas.openxmlformats.org/presentationml/2006/main">
   <p:cSld>
     <p:bg>
@@ -11590,274 +13161,7 @@
 </p:sld>
 </file>
 
-<file path=ppt/slides/slide4.xml><?xml version="1.0" encoding="utf-8"?>
-<p:sld xmlns:a="http://schemas.openxmlformats.org/drawingml/2006/main" xmlns:r="http://schemas.openxmlformats.org/officeDocument/2006/relationships" xmlns:p="http://schemas.openxmlformats.org/presentationml/2006/main">
-  <p:cSld>
-    <p:bg>
-      <p:bgPr>
-        <a:solidFill>
-          <a:schemeClr val="tx1"/>
-        </a:solidFill>
-        <a:effectLst/>
-      </p:bgPr>
-    </p:bg>
-    <p:spTree>
-      <p:nvGrpSpPr>
-        <p:cNvPr id="1" name=""/>
-        <p:cNvGrpSpPr/>
-        <p:nvPr/>
-      </p:nvGrpSpPr>
-      <p:grpSpPr>
-        <a:xfrm>
-          <a:off x="0" y="0"/>
-          <a:ext cx="0" cy="0"/>
-          <a:chOff x="0" y="0"/>
-          <a:chExt cx="0" cy="0"/>
-        </a:xfrm>
-      </p:grpSpPr>
-      <p:sp>
-        <p:nvSpPr>
-          <p:cNvPr id="5" name="TextBox 4">
-            <a:extLst>
-              <a:ext uri="{FF2B5EF4-FFF2-40B4-BE49-F238E27FC236}">
-                <a16:creationId xmlns:a16="http://schemas.microsoft.com/office/drawing/2014/main" id="{FACDB3C0-6E2B-42C3-B804-F7DFA9C93E1C}"/>
-              </a:ext>
-            </a:extLst>
-          </p:cNvPr>
-          <p:cNvSpPr txBox="1"/>
-          <p:nvPr/>
-        </p:nvSpPr>
-        <p:spPr>
-          <a:xfrm>
-            <a:off x="639418" y="1536174"/>
-            <a:ext cx="10913164" cy="3785652"/>
-          </a:xfrm>
-          <a:prstGeom prst="rect">
-            <a:avLst/>
-          </a:prstGeom>
-          <a:noFill/>
-        </p:spPr>
-        <p:txBody>
-          <a:bodyPr wrap="square" rtlCol="0">
-            <a:spAutoFit/>
-          </a:bodyPr>
-          <a:lstStyle/>
-          <a:p>
-            <a:r>
-              <a:rPr lang="en-US" sz="2000" dirty="0">
-                <a:solidFill>
-                  <a:schemeClr val="bg1"/>
-                </a:solidFill>
-                <a:latin typeface="Consolas" panose="020B0609020204030204" pitchFamily="49" charset="0"/>
-              </a:rPr>
-              <a:t>Evil Bob found </a:t>
-            </a:r>
-            <a:r>
-              <a:rPr lang="en-US" sz="2000" dirty="0">
-                <a:solidFill>
-                  <a:schemeClr val="bg1"/>
-                </a:solidFill>
-                <a:latin typeface="Consolas" panose="020B0609020204030204" pitchFamily="49" charset="0"/>
-                <a:hlinkClick r:id="rId3">
-                  <a:extLst>
-                    <a:ext uri="{A12FA001-AC4F-418D-AE19-62706E023703}">
-                      <ahyp:hlinkClr xmlns:ahyp="http://schemas.microsoft.com/office/drawing/2018/hyperlinkcolor" val="tx"/>
-                    </a:ext>
-                  </a:extLst>
-                </a:hlinkClick>
-              </a:rPr>
-              <a:t>XSS</a:t>
-            </a:r>
-            <a:r>
-              <a:rPr lang="en-US" sz="2000" dirty="0">
-                <a:solidFill>
-                  <a:schemeClr val="bg1"/>
-                </a:solidFill>
-                <a:latin typeface="Consolas" panose="020B0609020204030204" pitchFamily="49" charset="0"/>
-              </a:rPr>
-              <a:t> vulnerability on Alice's site. He decides to inject the script into the web-page to steal some customer data. He put this script tag into her page</a:t>
-            </a:r>
-          </a:p>
-          <a:p>
-            <a:endParaRPr lang="en-US" sz="2000" dirty="0">
-              <a:solidFill>
-                <a:schemeClr val="bg1"/>
-              </a:solidFill>
-            </a:endParaRPr>
-          </a:p>
-          <a:p>
-            <a:endParaRPr lang="en-US" sz="2000" dirty="0">
-              <a:solidFill>
-                <a:schemeClr val="bg1"/>
-              </a:solidFill>
-            </a:endParaRPr>
-          </a:p>
-          <a:p>
-            <a:r>
-              <a:rPr lang="en-US" sz="2000" dirty="0">
-                <a:solidFill>
-                  <a:srgbClr val="808080"/>
-                </a:solidFill>
-                <a:latin typeface="Consolas" panose="020B0609020204030204" pitchFamily="49" charset="0"/>
-              </a:rPr>
-              <a:t>&lt;</a:t>
-            </a:r>
-            <a:r>
-              <a:rPr lang="en-US" sz="2000" dirty="0">
-                <a:solidFill>
-                  <a:srgbClr val="569CD6"/>
-                </a:solidFill>
-                <a:latin typeface="Consolas" panose="020B0609020204030204" pitchFamily="49" charset="0"/>
-              </a:rPr>
-              <a:t>script</a:t>
-            </a:r>
-            <a:r>
-              <a:rPr lang="en-US" sz="2000" dirty="0">
-                <a:solidFill>
-                  <a:srgbClr val="D4D4D4"/>
-                </a:solidFill>
-                <a:latin typeface="Consolas" panose="020B0609020204030204" pitchFamily="49" charset="0"/>
-              </a:rPr>
-              <a:t> </a:t>
-            </a:r>
-            <a:r>
-              <a:rPr lang="en-US" sz="2000" dirty="0" err="1">
-                <a:solidFill>
-                  <a:srgbClr val="9CDCFE"/>
-                </a:solidFill>
-                <a:latin typeface="Consolas" panose="020B0609020204030204" pitchFamily="49" charset="0"/>
-              </a:rPr>
-              <a:t>src</a:t>
-            </a:r>
-            <a:r>
-              <a:rPr lang="en-US" sz="2000" dirty="0">
-                <a:solidFill>
-                  <a:srgbClr val="D4D4D4"/>
-                </a:solidFill>
-                <a:latin typeface="Consolas" panose="020B0609020204030204" pitchFamily="49" charset="0"/>
-              </a:rPr>
-              <a:t>=</a:t>
-            </a:r>
-            <a:r>
-              <a:rPr lang="en-US" sz="2000" dirty="0">
-                <a:solidFill>
-                  <a:srgbClr val="CE9178"/>
-                </a:solidFill>
-                <a:latin typeface="Consolas" panose="020B0609020204030204" pitchFamily="49" charset="0"/>
-              </a:rPr>
-              <a:t>"https://my-evilt-site.org/very-evil-script.js"</a:t>
-            </a:r>
-            <a:r>
-              <a:rPr lang="en-US" sz="2000" dirty="0">
-                <a:solidFill>
-                  <a:srgbClr val="808080"/>
-                </a:solidFill>
-                <a:latin typeface="Consolas" panose="020B0609020204030204" pitchFamily="49" charset="0"/>
-              </a:rPr>
-              <a:t>&gt;&lt;/</a:t>
-            </a:r>
-            <a:r>
-              <a:rPr lang="en-US" sz="2000" dirty="0">
-                <a:solidFill>
-                  <a:srgbClr val="569CD6"/>
-                </a:solidFill>
-                <a:latin typeface="Consolas" panose="020B0609020204030204" pitchFamily="49" charset="0"/>
-              </a:rPr>
-              <a:t>script</a:t>
-            </a:r>
-            <a:r>
-              <a:rPr lang="en-US" sz="2000" dirty="0">
-                <a:solidFill>
-                  <a:srgbClr val="808080"/>
-                </a:solidFill>
-                <a:latin typeface="Consolas" panose="020B0609020204030204" pitchFamily="49" charset="0"/>
-              </a:rPr>
-              <a:t>&gt;</a:t>
-            </a:r>
-            <a:endParaRPr lang="en-US" sz="2000" dirty="0">
-              <a:solidFill>
-                <a:srgbClr val="D4D4D4"/>
-              </a:solidFill>
-              <a:latin typeface="Consolas" panose="020B0609020204030204" pitchFamily="49" charset="0"/>
-            </a:endParaRPr>
-          </a:p>
-          <a:p>
-            <a:endParaRPr lang="en-US" sz="2000" dirty="0">
-              <a:solidFill>
-                <a:schemeClr val="bg1"/>
-              </a:solidFill>
-            </a:endParaRPr>
-          </a:p>
-          <a:p>
-            <a:endParaRPr lang="en-US" sz="2000" dirty="0">
-              <a:solidFill>
-                <a:schemeClr val="bg1"/>
-              </a:solidFill>
-            </a:endParaRPr>
-          </a:p>
-          <a:p>
-            <a:r>
-              <a:rPr lang="en-US" sz="2000" dirty="0">
-                <a:solidFill>
-                  <a:schemeClr val="bg1"/>
-                </a:solidFill>
-                <a:latin typeface="Consolas" panose="020B0609020204030204" pitchFamily="49" charset="0"/>
-              </a:rPr>
-              <a:t>Luckily, Alice knows about CSP header and already added it to the response  </a:t>
-            </a:r>
-            <a:r>
-              <a:rPr lang="en-US" sz="2000" dirty="0">
-                <a:highlight>
-                  <a:srgbClr val="C0C0C0"/>
-                </a:highlight>
-                <a:latin typeface="Consolas" panose="020B0609020204030204" pitchFamily="49" charset="0"/>
-              </a:rPr>
-              <a:t>Content-Security-Policy: default-</a:t>
-            </a:r>
-            <a:r>
-              <a:rPr lang="en-US" sz="2000" dirty="0" err="1">
-                <a:highlight>
-                  <a:srgbClr val="C0C0C0"/>
-                </a:highlight>
-                <a:latin typeface="Consolas" panose="020B0609020204030204" pitchFamily="49" charset="0"/>
-              </a:rPr>
-              <a:t>src</a:t>
-            </a:r>
-            <a:r>
-              <a:rPr lang="en-US" sz="2000" dirty="0">
-                <a:highlight>
-                  <a:srgbClr val="C0C0C0"/>
-                </a:highlight>
-                <a:latin typeface="Consolas" panose="020B0609020204030204" pitchFamily="49" charset="0"/>
-              </a:rPr>
-              <a:t> 'self'</a:t>
-            </a:r>
-            <a:r>
-              <a:rPr lang="en-US" sz="2000" dirty="0">
-                <a:solidFill>
-                  <a:schemeClr val="bg1"/>
-                </a:solidFill>
-                <a:latin typeface="Consolas" panose="020B0609020204030204" pitchFamily="49" charset="0"/>
-              </a:rPr>
-              <a:t>. Now, a browser already knows, that scripts (and images, and fonts, and styles) not from origin domains are forbidden to use and Bob's attack fails.</a:t>
-            </a:r>
-          </a:p>
-        </p:txBody>
-      </p:sp>
-    </p:spTree>
-    <p:extLst>
-      <p:ext uri="{BB962C8B-B14F-4D97-AF65-F5344CB8AC3E}">
-        <p14:creationId xmlns:p14="http://schemas.microsoft.com/office/powerpoint/2010/main" val="3824415991"/>
-      </p:ext>
-    </p:extLst>
-  </p:cSld>
-  <p:clrMapOvr>
-    <a:masterClrMapping/>
-  </p:clrMapOvr>
-</p:sld>
-</file>
-
-<file path=ppt/slides/slide40.xml><?xml version="1.0" encoding="utf-8"?>
+<file path=ppt/slides/slide41.xml><?xml version="1.0" encoding="utf-8"?>
 <p:sld xmlns:a="http://schemas.openxmlformats.org/drawingml/2006/main" xmlns:r="http://schemas.openxmlformats.org/officeDocument/2006/relationships" xmlns:p="http://schemas.openxmlformats.org/presentationml/2006/main">
   <p:cSld>
     <p:bg>
@@ -11974,6 +13278,273 @@
         </p:nvSpPr>
         <p:spPr>
           <a:xfrm>
+            <a:off x="639418" y="1536174"/>
+            <a:ext cx="10913164" cy="3785652"/>
+          </a:xfrm>
+          <a:prstGeom prst="rect">
+            <a:avLst/>
+          </a:prstGeom>
+          <a:noFill/>
+        </p:spPr>
+        <p:txBody>
+          <a:bodyPr wrap="square" rtlCol="0">
+            <a:spAutoFit/>
+          </a:bodyPr>
+          <a:lstStyle/>
+          <a:p>
+            <a:r>
+              <a:rPr lang="en-US" sz="2000" dirty="0">
+                <a:solidFill>
+                  <a:schemeClr val="bg1"/>
+                </a:solidFill>
+                <a:latin typeface="Consolas" panose="020B0609020204030204" pitchFamily="49" charset="0"/>
+              </a:rPr>
+              <a:t>Evil Bob found </a:t>
+            </a:r>
+            <a:r>
+              <a:rPr lang="en-US" sz="2000" dirty="0">
+                <a:solidFill>
+                  <a:schemeClr val="bg1"/>
+                </a:solidFill>
+                <a:latin typeface="Consolas" panose="020B0609020204030204" pitchFamily="49" charset="0"/>
+                <a:hlinkClick r:id="rId3">
+                  <a:extLst>
+                    <a:ext uri="{A12FA001-AC4F-418D-AE19-62706E023703}">
+                      <ahyp:hlinkClr xmlns:ahyp="http://schemas.microsoft.com/office/drawing/2018/hyperlinkcolor" val="tx"/>
+                    </a:ext>
+                  </a:extLst>
+                </a:hlinkClick>
+              </a:rPr>
+              <a:t>XSS</a:t>
+            </a:r>
+            <a:r>
+              <a:rPr lang="en-US" sz="2000" dirty="0">
+                <a:solidFill>
+                  <a:schemeClr val="bg1"/>
+                </a:solidFill>
+                <a:latin typeface="Consolas" panose="020B0609020204030204" pitchFamily="49" charset="0"/>
+              </a:rPr>
+              <a:t> vulnerability on Alice's site. He decides to inject the script into the web-page to steal some customer data. He put this script tag into her page</a:t>
+            </a:r>
+          </a:p>
+          <a:p>
+            <a:endParaRPr lang="en-US" sz="2000" dirty="0">
+              <a:solidFill>
+                <a:schemeClr val="bg1"/>
+              </a:solidFill>
+            </a:endParaRPr>
+          </a:p>
+          <a:p>
+            <a:endParaRPr lang="en-US" sz="2000" dirty="0">
+              <a:solidFill>
+                <a:schemeClr val="bg1"/>
+              </a:solidFill>
+            </a:endParaRPr>
+          </a:p>
+          <a:p>
+            <a:r>
+              <a:rPr lang="en-US" sz="2000" dirty="0">
+                <a:solidFill>
+                  <a:srgbClr val="808080"/>
+                </a:solidFill>
+                <a:latin typeface="Consolas" panose="020B0609020204030204" pitchFamily="49" charset="0"/>
+              </a:rPr>
+              <a:t>&lt;</a:t>
+            </a:r>
+            <a:r>
+              <a:rPr lang="en-US" sz="2000" dirty="0">
+                <a:solidFill>
+                  <a:srgbClr val="569CD6"/>
+                </a:solidFill>
+                <a:latin typeface="Consolas" panose="020B0609020204030204" pitchFamily="49" charset="0"/>
+              </a:rPr>
+              <a:t>script</a:t>
+            </a:r>
+            <a:r>
+              <a:rPr lang="en-US" sz="2000" dirty="0">
+                <a:solidFill>
+                  <a:srgbClr val="D4D4D4"/>
+                </a:solidFill>
+                <a:latin typeface="Consolas" panose="020B0609020204030204" pitchFamily="49" charset="0"/>
+              </a:rPr>
+              <a:t> </a:t>
+            </a:r>
+            <a:r>
+              <a:rPr lang="en-US" sz="2000" dirty="0" err="1">
+                <a:solidFill>
+                  <a:srgbClr val="9CDCFE"/>
+                </a:solidFill>
+                <a:latin typeface="Consolas" panose="020B0609020204030204" pitchFamily="49" charset="0"/>
+              </a:rPr>
+              <a:t>src</a:t>
+            </a:r>
+            <a:r>
+              <a:rPr lang="en-US" sz="2000" dirty="0">
+                <a:solidFill>
+                  <a:srgbClr val="D4D4D4"/>
+                </a:solidFill>
+                <a:latin typeface="Consolas" panose="020B0609020204030204" pitchFamily="49" charset="0"/>
+              </a:rPr>
+              <a:t>=</a:t>
+            </a:r>
+            <a:r>
+              <a:rPr lang="en-US" sz="2000" dirty="0">
+                <a:solidFill>
+                  <a:srgbClr val="CE9178"/>
+                </a:solidFill>
+                <a:latin typeface="Consolas" panose="020B0609020204030204" pitchFamily="49" charset="0"/>
+              </a:rPr>
+              <a:t>"https://my-evilt-site.org/very-evil-script.js"</a:t>
+            </a:r>
+            <a:r>
+              <a:rPr lang="en-US" sz="2000" dirty="0">
+                <a:solidFill>
+                  <a:srgbClr val="808080"/>
+                </a:solidFill>
+                <a:latin typeface="Consolas" panose="020B0609020204030204" pitchFamily="49" charset="0"/>
+              </a:rPr>
+              <a:t>&gt;&lt;/</a:t>
+            </a:r>
+            <a:r>
+              <a:rPr lang="en-US" sz="2000" dirty="0">
+                <a:solidFill>
+                  <a:srgbClr val="569CD6"/>
+                </a:solidFill>
+                <a:latin typeface="Consolas" panose="020B0609020204030204" pitchFamily="49" charset="0"/>
+              </a:rPr>
+              <a:t>script</a:t>
+            </a:r>
+            <a:r>
+              <a:rPr lang="en-US" sz="2000" dirty="0">
+                <a:solidFill>
+                  <a:srgbClr val="808080"/>
+                </a:solidFill>
+                <a:latin typeface="Consolas" panose="020B0609020204030204" pitchFamily="49" charset="0"/>
+              </a:rPr>
+              <a:t>&gt;</a:t>
+            </a:r>
+            <a:endParaRPr lang="en-US" sz="2000" dirty="0">
+              <a:solidFill>
+                <a:srgbClr val="D4D4D4"/>
+              </a:solidFill>
+              <a:latin typeface="Consolas" panose="020B0609020204030204" pitchFamily="49" charset="0"/>
+            </a:endParaRPr>
+          </a:p>
+          <a:p>
+            <a:endParaRPr lang="en-US" sz="2000" dirty="0">
+              <a:solidFill>
+                <a:schemeClr val="bg1"/>
+              </a:solidFill>
+            </a:endParaRPr>
+          </a:p>
+          <a:p>
+            <a:endParaRPr lang="en-US" sz="2000" dirty="0">
+              <a:solidFill>
+                <a:schemeClr val="bg1"/>
+              </a:solidFill>
+            </a:endParaRPr>
+          </a:p>
+          <a:p>
+            <a:r>
+              <a:rPr lang="en-US" sz="2000" dirty="0">
+                <a:solidFill>
+                  <a:schemeClr val="bg1"/>
+                </a:solidFill>
+                <a:latin typeface="Consolas" panose="020B0609020204030204" pitchFamily="49" charset="0"/>
+              </a:rPr>
+              <a:t>Luckily, Alice knows about CSP header and already added it to the response  </a:t>
+            </a:r>
+            <a:r>
+              <a:rPr lang="en-US" sz="2000" dirty="0">
+                <a:highlight>
+                  <a:srgbClr val="C0C0C0"/>
+                </a:highlight>
+                <a:latin typeface="Consolas" panose="020B0609020204030204" pitchFamily="49" charset="0"/>
+              </a:rPr>
+              <a:t>Content-Security-Policy: default-</a:t>
+            </a:r>
+            <a:r>
+              <a:rPr lang="en-US" sz="2000" dirty="0" err="1">
+                <a:highlight>
+                  <a:srgbClr val="C0C0C0"/>
+                </a:highlight>
+                <a:latin typeface="Consolas" panose="020B0609020204030204" pitchFamily="49" charset="0"/>
+              </a:rPr>
+              <a:t>src</a:t>
+            </a:r>
+            <a:r>
+              <a:rPr lang="en-US" sz="2000" dirty="0">
+                <a:highlight>
+                  <a:srgbClr val="C0C0C0"/>
+                </a:highlight>
+                <a:latin typeface="Consolas" panose="020B0609020204030204" pitchFamily="49" charset="0"/>
+              </a:rPr>
+              <a:t> 'self'</a:t>
+            </a:r>
+            <a:r>
+              <a:rPr lang="en-US" sz="2000" dirty="0">
+                <a:solidFill>
+                  <a:schemeClr val="bg1"/>
+                </a:solidFill>
+                <a:latin typeface="Consolas" panose="020B0609020204030204" pitchFamily="49" charset="0"/>
+              </a:rPr>
+              <a:t>. Now, a browser already knows, that scripts (and images, and fonts, and styles) not from origin domains are forbidden to use and Bob's attack fails.</a:t>
+            </a:r>
+          </a:p>
+        </p:txBody>
+      </p:sp>
+    </p:spTree>
+    <p:extLst>
+      <p:ext uri="{BB962C8B-B14F-4D97-AF65-F5344CB8AC3E}">
+        <p14:creationId xmlns:p14="http://schemas.microsoft.com/office/powerpoint/2010/main" val="3824415991"/>
+      </p:ext>
+    </p:extLst>
+  </p:cSld>
+  <p:clrMapOvr>
+    <a:masterClrMapping/>
+  </p:clrMapOvr>
+</p:sld>
+</file>
+
+<file path=ppt/slides/slide6.xml><?xml version="1.0" encoding="utf-8"?>
+<p:sld xmlns:a="http://schemas.openxmlformats.org/drawingml/2006/main" xmlns:r="http://schemas.openxmlformats.org/officeDocument/2006/relationships" xmlns:p="http://schemas.openxmlformats.org/presentationml/2006/main">
+  <p:cSld>
+    <p:bg>
+      <p:bgPr>
+        <a:solidFill>
+          <a:schemeClr val="tx1"/>
+        </a:solidFill>
+        <a:effectLst/>
+      </p:bgPr>
+    </p:bg>
+    <p:spTree>
+      <p:nvGrpSpPr>
+        <p:cNvPr id="1" name=""/>
+        <p:cNvGrpSpPr/>
+        <p:nvPr/>
+      </p:nvGrpSpPr>
+      <p:grpSpPr>
+        <a:xfrm>
+          <a:off x="0" y="0"/>
+          <a:ext cx="0" cy="0"/>
+          <a:chOff x="0" y="0"/>
+          <a:chExt cx="0" cy="0"/>
+        </a:xfrm>
+      </p:grpSpPr>
+      <p:sp>
+        <p:nvSpPr>
+          <p:cNvPr id="5" name="TextBox 4">
+            <a:extLst>
+              <a:ext uri="{FF2B5EF4-FFF2-40B4-BE49-F238E27FC236}">
+                <a16:creationId xmlns:a16="http://schemas.microsoft.com/office/drawing/2014/main" id="{FACDB3C0-6E2B-42C3-B804-F7DFA9C93E1C}"/>
+              </a:ext>
+            </a:extLst>
+          </p:cNvPr>
+          <p:cNvSpPr txBox="1"/>
+          <p:nvPr/>
+        </p:nvSpPr>
+        <p:spPr>
+          <a:xfrm>
             <a:off x="1249018" y="2890391"/>
             <a:ext cx="9693964" cy="1077218"/>
           </a:xfrm>
@@ -12031,7 +13602,7 @@
 </p:sld>
 </file>
 
-<file path=ppt/slides/slide6.xml><?xml version="1.0" encoding="utf-8"?>
+<file path=ppt/slides/slide7.xml><?xml version="1.0" encoding="utf-8"?>
 <p:sld xmlns:a="http://schemas.openxmlformats.org/drawingml/2006/main" xmlns:r="http://schemas.openxmlformats.org/officeDocument/2006/relationships" xmlns:p="http://schemas.openxmlformats.org/presentationml/2006/main">
   <p:cSld>
     <p:bg>
@@ -12194,7 +13765,7 @@
 </p:sld>
 </file>
 
-<file path=ppt/slides/slide7.xml><?xml version="1.0" encoding="utf-8"?>
+<file path=ppt/slides/slide8.xml><?xml version="1.0" encoding="utf-8"?>
 <p:sld xmlns:a="http://schemas.openxmlformats.org/drawingml/2006/main" xmlns:r="http://schemas.openxmlformats.org/officeDocument/2006/relationships" xmlns:p="http://schemas.openxmlformats.org/presentationml/2006/main">
   <p:cSld>
     <p:bg>
@@ -12799,7 +14370,7 @@
 </p:sld>
 </file>
 
-<file path=ppt/slides/slide8.xml><?xml version="1.0" encoding="utf-8"?>
+<file path=ppt/slides/slide9.xml><?xml version="1.0" encoding="utf-8"?>
 <p:sld xmlns:a="http://schemas.openxmlformats.org/drawingml/2006/main" xmlns:r="http://schemas.openxmlformats.org/officeDocument/2006/relationships" xmlns:p="http://schemas.openxmlformats.org/presentationml/2006/main">
   <p:cSld>
     <p:bg>
@@ -13257,117 +14828,6 @@
       </p:par>
     </p:tnLst>
   </p:timing>
-</p:sld>
-</file>
-
-<file path=ppt/slides/slide9.xml><?xml version="1.0" encoding="utf-8"?>
-<p:sld xmlns:a="http://schemas.openxmlformats.org/drawingml/2006/main" xmlns:r="http://schemas.openxmlformats.org/officeDocument/2006/relationships" xmlns:p="http://schemas.openxmlformats.org/presentationml/2006/main">
-  <p:cSld>
-    <p:bg>
-      <p:bgPr>
-        <a:solidFill>
-          <a:schemeClr val="tx1"/>
-        </a:solidFill>
-        <a:effectLst/>
-      </p:bgPr>
-    </p:bg>
-    <p:spTree>
-      <p:nvGrpSpPr>
-        <p:cNvPr id="1" name=""/>
-        <p:cNvGrpSpPr/>
-        <p:nvPr/>
-      </p:nvGrpSpPr>
-      <p:grpSpPr>
-        <a:xfrm>
-          <a:off x="0" y="0"/>
-          <a:ext cx="0" cy="0"/>
-          <a:chOff x="0" y="0"/>
-          <a:chExt cx="0" cy="0"/>
-        </a:xfrm>
-      </p:grpSpPr>
-      <p:sp>
-        <p:nvSpPr>
-          <p:cNvPr id="2" name="Title 1">
-            <a:extLst>
-              <a:ext uri="{FF2B5EF4-FFF2-40B4-BE49-F238E27FC236}">
-                <a16:creationId xmlns:a16="http://schemas.microsoft.com/office/drawing/2014/main" id="{19EA5153-02FE-421E-9C0B-7A016168D0A0}"/>
-              </a:ext>
-            </a:extLst>
-          </p:cNvPr>
-          <p:cNvSpPr>
-            <a:spLocks noGrp="1"/>
-          </p:cNvSpPr>
-          <p:nvPr>
-            <p:ph type="title"/>
-          </p:nvPr>
-        </p:nvSpPr>
-        <p:spPr>
-          <a:xfrm>
-            <a:off x="838200" y="330600"/>
-            <a:ext cx="10515600" cy="1325563"/>
-          </a:xfrm>
-          <a:solidFill>
-            <a:schemeClr val="tx1"/>
-          </a:solidFill>
-        </p:spPr>
-        <p:txBody>
-          <a:bodyPr/>
-          <a:lstStyle/>
-          <a:p>
-            <a:r>
-              <a:rPr lang="en-US" dirty="0">
-                <a:solidFill>
-                  <a:schemeClr val="bg1"/>
-                </a:solidFill>
-                <a:latin typeface="Consolas" panose="020B0609020204030204" pitchFamily="49" charset="0"/>
-              </a:rPr>
-              <a:t>CAN I USE</a:t>
-            </a:r>
-          </a:p>
-        </p:txBody>
-      </p:sp>
-      <p:pic>
-        <p:nvPicPr>
-          <p:cNvPr id="4" name="Content Placeholder 3">
-            <a:extLst>
-              <a:ext uri="{FF2B5EF4-FFF2-40B4-BE49-F238E27FC236}">
-                <a16:creationId xmlns:a16="http://schemas.microsoft.com/office/drawing/2014/main" id="{7099DD5E-6D0D-4316-BD59-7F65F50D892F}"/>
-              </a:ext>
-            </a:extLst>
-          </p:cNvPr>
-          <p:cNvPicPr>
-            <a:picLocks noGrp="1" noChangeAspect="1"/>
-          </p:cNvPicPr>
-          <p:nvPr>
-            <p:ph idx="1"/>
-          </p:nvPr>
-        </p:nvPicPr>
-        <p:blipFill>
-          <a:blip r:embed="rId2"/>
-          <a:stretch>
-            <a:fillRect/>
-          </a:stretch>
-        </p:blipFill>
-        <p:spPr>
-          <a:xfrm>
-            <a:off x="838200" y="2228457"/>
-            <a:ext cx="10515600" cy="2401086"/>
-          </a:xfrm>
-          <a:prstGeom prst="rect">
-            <a:avLst/>
-          </a:prstGeom>
-        </p:spPr>
-      </p:pic>
-    </p:spTree>
-    <p:extLst>
-      <p:ext uri="{BB962C8B-B14F-4D97-AF65-F5344CB8AC3E}">
-        <p14:creationId xmlns:p14="http://schemas.microsoft.com/office/powerpoint/2010/main" val="1648525545"/>
-      </p:ext>
-    </p:extLst>
-  </p:cSld>
-  <p:clrMapOvr>
-    <a:masterClrMapping/>
-  </p:clrMapOvr>
 </p:sld>
 </file>
 
